--- a/cits1003-lecture_slides/CITS1003-C ExamExampleQ-exercises.pptx
+++ b/cits1003-lecture_slides/CITS1003-C ExamExampleQ-exercises.pptx
@@ -5,7 +5,7 @@
     <p:sldMasterId id="2147483763" r:id="rId1"/>
   </p:sldMasterIdLst>
   <p:notesMasterIdLst>
-    <p:notesMasterId r:id="rId53"/>
+    <p:notesMasterId r:id="rId52"/>
   </p:notesMasterIdLst>
   <p:sldIdLst>
     <p:sldId id="256" r:id="rId2"/>
@@ -19,46 +19,45 @@
     <p:sldId id="394" r:id="rId10"/>
     <p:sldId id="260" r:id="rId11"/>
     <p:sldId id="445" r:id="rId12"/>
-    <p:sldId id="444" r:id="rId13"/>
-    <p:sldId id="443" r:id="rId14"/>
-    <p:sldId id="272" r:id="rId15"/>
-    <p:sldId id="450" r:id="rId16"/>
-    <p:sldId id="480" r:id="rId17"/>
-    <p:sldId id="451" r:id="rId18"/>
-    <p:sldId id="461" r:id="rId19"/>
-    <p:sldId id="452" r:id="rId20"/>
-    <p:sldId id="462" r:id="rId21"/>
-    <p:sldId id="453" r:id="rId22"/>
-    <p:sldId id="463" r:id="rId23"/>
-    <p:sldId id="455" r:id="rId24"/>
-    <p:sldId id="454" r:id="rId25"/>
-    <p:sldId id="481" r:id="rId26"/>
-    <p:sldId id="464" r:id="rId27"/>
-    <p:sldId id="466" r:id="rId28"/>
-    <p:sldId id="467" r:id="rId29"/>
-    <p:sldId id="465" r:id="rId30"/>
-    <p:sldId id="456" r:id="rId31"/>
-    <p:sldId id="468" r:id="rId32"/>
-    <p:sldId id="469" r:id="rId33"/>
-    <p:sldId id="457" r:id="rId34"/>
-    <p:sldId id="458" r:id="rId35"/>
-    <p:sldId id="482" r:id="rId36"/>
-    <p:sldId id="470" r:id="rId37"/>
-    <p:sldId id="471" r:id="rId38"/>
-    <p:sldId id="388" r:id="rId39"/>
-    <p:sldId id="459" r:id="rId40"/>
-    <p:sldId id="483" r:id="rId41"/>
-    <p:sldId id="460" r:id="rId42"/>
-    <p:sldId id="473" r:id="rId43"/>
-    <p:sldId id="472" r:id="rId44"/>
-    <p:sldId id="474" r:id="rId45"/>
-    <p:sldId id="387" r:id="rId46"/>
-    <p:sldId id="475" r:id="rId47"/>
-    <p:sldId id="484" r:id="rId48"/>
-    <p:sldId id="476" r:id="rId49"/>
-    <p:sldId id="477" r:id="rId50"/>
-    <p:sldId id="478" r:id="rId51"/>
-    <p:sldId id="479" r:id="rId52"/>
+    <p:sldId id="443" r:id="rId13"/>
+    <p:sldId id="272" r:id="rId14"/>
+    <p:sldId id="450" r:id="rId15"/>
+    <p:sldId id="480" r:id="rId16"/>
+    <p:sldId id="451" r:id="rId17"/>
+    <p:sldId id="461" r:id="rId18"/>
+    <p:sldId id="452" r:id="rId19"/>
+    <p:sldId id="462" r:id="rId20"/>
+    <p:sldId id="453" r:id="rId21"/>
+    <p:sldId id="463" r:id="rId22"/>
+    <p:sldId id="455" r:id="rId23"/>
+    <p:sldId id="454" r:id="rId24"/>
+    <p:sldId id="481" r:id="rId25"/>
+    <p:sldId id="464" r:id="rId26"/>
+    <p:sldId id="466" r:id="rId27"/>
+    <p:sldId id="467" r:id="rId28"/>
+    <p:sldId id="465" r:id="rId29"/>
+    <p:sldId id="456" r:id="rId30"/>
+    <p:sldId id="468" r:id="rId31"/>
+    <p:sldId id="469" r:id="rId32"/>
+    <p:sldId id="457" r:id="rId33"/>
+    <p:sldId id="458" r:id="rId34"/>
+    <p:sldId id="482" r:id="rId35"/>
+    <p:sldId id="470" r:id="rId36"/>
+    <p:sldId id="471" r:id="rId37"/>
+    <p:sldId id="388" r:id="rId38"/>
+    <p:sldId id="459" r:id="rId39"/>
+    <p:sldId id="483" r:id="rId40"/>
+    <p:sldId id="460" r:id="rId41"/>
+    <p:sldId id="473" r:id="rId42"/>
+    <p:sldId id="472" r:id="rId43"/>
+    <p:sldId id="474" r:id="rId44"/>
+    <p:sldId id="387" r:id="rId45"/>
+    <p:sldId id="475" r:id="rId46"/>
+    <p:sldId id="484" r:id="rId47"/>
+    <p:sldId id="476" r:id="rId48"/>
+    <p:sldId id="477" r:id="rId49"/>
+    <p:sldId id="478" r:id="rId50"/>
+    <p:sldId id="479" r:id="rId51"/>
   </p:sldIdLst>
   <p:sldSz cx="12192000" cy="6858000"/>
   <p:notesSz cx="6858000" cy="9144000"/>
@@ -179,6 +178,22 @@
 
 <file path=ppt/changesInfos/changesInfo1.xml><?xml version="1.0" encoding="utf-8"?>
 <pc:chgInfo xmlns:a="http://schemas.openxmlformats.org/drawingml/2006/main" xmlns:r="http://schemas.openxmlformats.org/officeDocument/2006/relationships" xmlns:ac="http://schemas.microsoft.com/office/drawing/2013/main/command" xmlns:pc="http://schemas.microsoft.com/office/powerpoint/2013/main/command">
+  <pc:docChgLst>
+    <pc:chgData name="Robert McKnight" userId="d5c7fb24-67df-49c0-a0e8-7fe946ae099c" providerId="ADAL" clId="{5F5E3288-C9AF-46EA-8793-5CB621BCD84F}"/>
+    <pc:docChg chg="delSld">
+      <pc:chgData name="Robert McKnight" userId="d5c7fb24-67df-49c0-a0e8-7fe946ae099c" providerId="ADAL" clId="{5F5E3288-C9AF-46EA-8793-5CB621BCD84F}" dt="2024-05-13T00:45:36.189" v="0" actId="47"/>
+      <pc:docMkLst>
+        <pc:docMk/>
+      </pc:docMkLst>
+      <pc:sldChg chg="del">
+        <pc:chgData name="Robert McKnight" userId="d5c7fb24-67df-49c0-a0e8-7fe946ae099c" providerId="ADAL" clId="{5F5E3288-C9AF-46EA-8793-5CB621BCD84F}" dt="2024-05-13T00:45:36.189" v="0" actId="47"/>
+        <pc:sldMkLst>
+          <pc:docMk/>
+          <pc:sldMk cId="811672812" sldId="444"/>
+        </pc:sldMkLst>
+      </pc:sldChg>
+    </pc:docChg>
+  </pc:docChgLst>
   <pc:docChgLst>
     <pc:chgData name="张 智" userId="36bdf691fd3510be" providerId="LiveId" clId="{F20A470C-BF10-42F8-AC2A-1C3CAE1C0A18}"/>
     <pc:docChg chg="undo redo custSel addSld delSld modSld sldOrd">
@@ -1571,7 +1586,7 @@
           <a:p>
             <a:fld id="{6D6D7260-B7E4-B548-BD1F-84ED14536037}" type="datetimeFigureOut">
               <a:rPr lang="en-AU" smtClean="0"/>
-              <a:t>15/05/2023</a:t>
+              <a:t>13/05/2024</a:t>
             </a:fld>
             <a:endParaRPr lang="en-AU"/>
           </a:p>
@@ -2165,7 +2180,7 @@
     </p:spTree>
     <p:extLst>
       <p:ext uri="{BB962C8B-B14F-4D97-AF65-F5344CB8AC3E}">
-        <p14:creationId xmlns:p14="http://schemas.microsoft.com/office/powerpoint/2010/main" val="1362171307"/>
+        <p14:creationId xmlns:p14="http://schemas.microsoft.com/office/powerpoint/2010/main" val="469442834"/>
       </p:ext>
     </p:extLst>
   </p:cSld>
@@ -2249,7 +2264,7 @@
     </p:spTree>
     <p:extLst>
       <p:ext uri="{BB962C8B-B14F-4D97-AF65-F5344CB8AC3E}">
-        <p14:creationId xmlns:p14="http://schemas.microsoft.com/office/powerpoint/2010/main" val="469442834"/>
+        <p14:creationId xmlns:p14="http://schemas.microsoft.com/office/powerpoint/2010/main" val="951044181"/>
       </p:ext>
     </p:extLst>
   </p:cSld>
@@ -2333,7 +2348,7 @@
     </p:spTree>
     <p:extLst>
       <p:ext uri="{BB962C8B-B14F-4D97-AF65-F5344CB8AC3E}">
-        <p14:creationId xmlns:p14="http://schemas.microsoft.com/office/powerpoint/2010/main" val="951044181"/>
+        <p14:creationId xmlns:p14="http://schemas.microsoft.com/office/powerpoint/2010/main" val="69623213"/>
       </p:ext>
     </p:extLst>
   </p:cSld>
@@ -2417,7 +2432,7 @@
     </p:spTree>
     <p:extLst>
       <p:ext uri="{BB962C8B-B14F-4D97-AF65-F5344CB8AC3E}">
-        <p14:creationId xmlns:p14="http://schemas.microsoft.com/office/powerpoint/2010/main" val="69623213"/>
+        <p14:creationId xmlns:p14="http://schemas.microsoft.com/office/powerpoint/2010/main" val="3386289473"/>
       </p:ext>
     </p:extLst>
   </p:cSld>
@@ -2501,7 +2516,7 @@
     </p:spTree>
     <p:extLst>
       <p:ext uri="{BB962C8B-B14F-4D97-AF65-F5344CB8AC3E}">
-        <p14:creationId xmlns:p14="http://schemas.microsoft.com/office/powerpoint/2010/main" val="3386289473"/>
+        <p14:creationId xmlns:p14="http://schemas.microsoft.com/office/powerpoint/2010/main" val="3864231719"/>
       </p:ext>
     </p:extLst>
   </p:cSld>
@@ -2555,6 +2570,10 @@
           <a:bodyPr/>
           <a:lstStyle/>
           <a:p>
+            <a:pPr marL="0" lvl="0" indent="0" fontAlgn="base">
+              <a:buFont typeface="Symbol" panose="05050102010706020507" pitchFamily="18" charset="2"/>
+              <a:buNone/>
+            </a:pPr>
             <a:endParaRPr lang="en-AU" dirty="0"/>
           </a:p>
         </p:txBody>
@@ -2585,7 +2604,7 @@
     </p:spTree>
     <p:extLst>
       <p:ext uri="{BB962C8B-B14F-4D97-AF65-F5344CB8AC3E}">
-        <p14:creationId xmlns:p14="http://schemas.microsoft.com/office/powerpoint/2010/main" val="3864231719"/>
+        <p14:creationId xmlns:p14="http://schemas.microsoft.com/office/powerpoint/2010/main" val="1994091848"/>
       </p:ext>
     </p:extLst>
   </p:cSld>
@@ -2639,10 +2658,6 @@
           <a:bodyPr/>
           <a:lstStyle/>
           <a:p>
-            <a:pPr marL="0" lvl="0" indent="0" fontAlgn="base">
-              <a:buFont typeface="Symbol" panose="05050102010706020507" pitchFamily="18" charset="2"/>
-              <a:buNone/>
-            </a:pPr>
             <a:endParaRPr lang="en-AU" dirty="0"/>
           </a:p>
         </p:txBody>
@@ -2673,7 +2688,7 @@
     </p:spTree>
     <p:extLst>
       <p:ext uri="{BB962C8B-B14F-4D97-AF65-F5344CB8AC3E}">
-        <p14:creationId xmlns:p14="http://schemas.microsoft.com/office/powerpoint/2010/main" val="1994091848"/>
+        <p14:creationId xmlns:p14="http://schemas.microsoft.com/office/powerpoint/2010/main" val="2439732889"/>
       </p:ext>
     </p:extLst>
   </p:cSld>
@@ -2757,7 +2772,7 @@
     </p:spTree>
     <p:extLst>
       <p:ext uri="{BB962C8B-B14F-4D97-AF65-F5344CB8AC3E}">
-        <p14:creationId xmlns:p14="http://schemas.microsoft.com/office/powerpoint/2010/main" val="2439732889"/>
+        <p14:creationId xmlns:p14="http://schemas.microsoft.com/office/powerpoint/2010/main" val="3451395431"/>
       </p:ext>
     </p:extLst>
   </p:cSld>
@@ -2925,7 +2940,7 @@
     </p:spTree>
     <p:extLst>
       <p:ext uri="{BB962C8B-B14F-4D97-AF65-F5344CB8AC3E}">
-        <p14:creationId xmlns:p14="http://schemas.microsoft.com/office/powerpoint/2010/main" val="3451395431"/>
+        <p14:creationId xmlns:p14="http://schemas.microsoft.com/office/powerpoint/2010/main" val="3279787938"/>
       </p:ext>
     </p:extLst>
   </p:cSld>
@@ -3009,7 +3024,7 @@
     </p:spTree>
     <p:extLst>
       <p:ext uri="{BB962C8B-B14F-4D97-AF65-F5344CB8AC3E}">
-        <p14:creationId xmlns:p14="http://schemas.microsoft.com/office/powerpoint/2010/main" val="3279787938"/>
+        <p14:creationId xmlns:p14="http://schemas.microsoft.com/office/powerpoint/2010/main" val="1057277491"/>
       </p:ext>
     </p:extLst>
   </p:cSld>
@@ -3093,7 +3108,7 @@
     </p:spTree>
     <p:extLst>
       <p:ext uri="{BB962C8B-B14F-4D97-AF65-F5344CB8AC3E}">
-        <p14:creationId xmlns:p14="http://schemas.microsoft.com/office/powerpoint/2010/main" val="1057277491"/>
+        <p14:creationId xmlns:p14="http://schemas.microsoft.com/office/powerpoint/2010/main" val="3381008548"/>
       </p:ext>
     </p:extLst>
   </p:cSld>
@@ -3177,7 +3192,7 @@
     </p:spTree>
     <p:extLst>
       <p:ext uri="{BB962C8B-B14F-4D97-AF65-F5344CB8AC3E}">
-        <p14:creationId xmlns:p14="http://schemas.microsoft.com/office/powerpoint/2010/main" val="3381008548"/>
+        <p14:creationId xmlns:p14="http://schemas.microsoft.com/office/powerpoint/2010/main" val="2689962835"/>
       </p:ext>
     </p:extLst>
   </p:cSld>
@@ -3261,7 +3276,7 @@
     </p:spTree>
     <p:extLst>
       <p:ext uri="{BB962C8B-B14F-4D97-AF65-F5344CB8AC3E}">
-        <p14:creationId xmlns:p14="http://schemas.microsoft.com/office/powerpoint/2010/main" val="2689962835"/>
+        <p14:creationId xmlns:p14="http://schemas.microsoft.com/office/powerpoint/2010/main" val="1142702780"/>
       </p:ext>
     </p:extLst>
   </p:cSld>
@@ -3345,7 +3360,7 @@
     </p:spTree>
     <p:extLst>
       <p:ext uri="{BB962C8B-B14F-4D97-AF65-F5344CB8AC3E}">
-        <p14:creationId xmlns:p14="http://schemas.microsoft.com/office/powerpoint/2010/main" val="1142702780"/>
+        <p14:creationId xmlns:p14="http://schemas.microsoft.com/office/powerpoint/2010/main" val="1449165825"/>
       </p:ext>
     </p:extLst>
   </p:cSld>
@@ -3429,7 +3444,7 @@
     </p:spTree>
     <p:extLst>
       <p:ext uri="{BB962C8B-B14F-4D97-AF65-F5344CB8AC3E}">
-        <p14:creationId xmlns:p14="http://schemas.microsoft.com/office/powerpoint/2010/main" val="1449165825"/>
+        <p14:creationId xmlns:p14="http://schemas.microsoft.com/office/powerpoint/2010/main" val="393811573"/>
       </p:ext>
     </p:extLst>
   </p:cSld>
@@ -3513,7 +3528,7 @@
     </p:spTree>
     <p:extLst>
       <p:ext uri="{BB962C8B-B14F-4D97-AF65-F5344CB8AC3E}">
-        <p14:creationId xmlns:p14="http://schemas.microsoft.com/office/powerpoint/2010/main" val="393811573"/>
+        <p14:creationId xmlns:p14="http://schemas.microsoft.com/office/powerpoint/2010/main" val="3373128235"/>
       </p:ext>
     </p:extLst>
   </p:cSld>
@@ -3597,7 +3612,7 @@
     </p:spTree>
     <p:extLst>
       <p:ext uri="{BB962C8B-B14F-4D97-AF65-F5344CB8AC3E}">
-        <p14:creationId xmlns:p14="http://schemas.microsoft.com/office/powerpoint/2010/main" val="3373128235"/>
+        <p14:creationId xmlns:p14="http://schemas.microsoft.com/office/powerpoint/2010/main" val="822318100"/>
       </p:ext>
     </p:extLst>
   </p:cSld>
@@ -3681,7 +3696,7 @@
     </p:spTree>
     <p:extLst>
       <p:ext uri="{BB962C8B-B14F-4D97-AF65-F5344CB8AC3E}">
-        <p14:creationId xmlns:p14="http://schemas.microsoft.com/office/powerpoint/2010/main" val="822318100"/>
+        <p14:creationId xmlns:p14="http://schemas.microsoft.com/office/powerpoint/2010/main" val="2996012041"/>
       </p:ext>
     </p:extLst>
   </p:cSld>
@@ -3849,7 +3864,7 @@
     </p:spTree>
     <p:extLst>
       <p:ext uri="{BB962C8B-B14F-4D97-AF65-F5344CB8AC3E}">
-        <p14:creationId xmlns:p14="http://schemas.microsoft.com/office/powerpoint/2010/main" val="2996012041"/>
+        <p14:creationId xmlns:p14="http://schemas.microsoft.com/office/powerpoint/2010/main" val="3516033777"/>
       </p:ext>
     </p:extLst>
   </p:cSld>
@@ -3933,7 +3948,7 @@
     </p:spTree>
     <p:extLst>
       <p:ext uri="{BB962C8B-B14F-4D97-AF65-F5344CB8AC3E}">
-        <p14:creationId xmlns:p14="http://schemas.microsoft.com/office/powerpoint/2010/main" val="3516033777"/>
+        <p14:creationId xmlns:p14="http://schemas.microsoft.com/office/powerpoint/2010/main" val="1913967212"/>
       </p:ext>
     </p:extLst>
   </p:cSld>
@@ -4017,7 +4032,7 @@
     </p:spTree>
     <p:extLst>
       <p:ext uri="{BB962C8B-B14F-4D97-AF65-F5344CB8AC3E}">
-        <p14:creationId xmlns:p14="http://schemas.microsoft.com/office/powerpoint/2010/main" val="1913967212"/>
+        <p14:creationId xmlns:p14="http://schemas.microsoft.com/office/powerpoint/2010/main" val="3928354910"/>
       </p:ext>
     </p:extLst>
   </p:cSld>
@@ -4101,7 +4116,7 @@
     </p:spTree>
     <p:extLst>
       <p:ext uri="{BB962C8B-B14F-4D97-AF65-F5344CB8AC3E}">
-        <p14:creationId xmlns:p14="http://schemas.microsoft.com/office/powerpoint/2010/main" val="3928354910"/>
+        <p14:creationId xmlns:p14="http://schemas.microsoft.com/office/powerpoint/2010/main" val="981704407"/>
       </p:ext>
     </p:extLst>
   </p:cSld>
@@ -4185,7 +4200,7 @@
     </p:spTree>
     <p:extLst>
       <p:ext uri="{BB962C8B-B14F-4D97-AF65-F5344CB8AC3E}">
-        <p14:creationId xmlns:p14="http://schemas.microsoft.com/office/powerpoint/2010/main" val="981704407"/>
+        <p14:creationId xmlns:p14="http://schemas.microsoft.com/office/powerpoint/2010/main" val="1420576220"/>
       </p:ext>
     </p:extLst>
   </p:cSld>
@@ -4269,7 +4284,7 @@
     </p:spTree>
     <p:extLst>
       <p:ext uri="{BB962C8B-B14F-4D97-AF65-F5344CB8AC3E}">
-        <p14:creationId xmlns:p14="http://schemas.microsoft.com/office/powerpoint/2010/main" val="1420576220"/>
+        <p14:creationId xmlns:p14="http://schemas.microsoft.com/office/powerpoint/2010/main" val="2031862637"/>
       </p:ext>
     </p:extLst>
   </p:cSld>
@@ -4353,7 +4368,7 @@
     </p:spTree>
     <p:extLst>
       <p:ext uri="{BB962C8B-B14F-4D97-AF65-F5344CB8AC3E}">
-        <p14:creationId xmlns:p14="http://schemas.microsoft.com/office/powerpoint/2010/main" val="2031862637"/>
+        <p14:creationId xmlns:p14="http://schemas.microsoft.com/office/powerpoint/2010/main" val="1437047517"/>
       </p:ext>
     </p:extLst>
   </p:cSld>
@@ -4437,7 +4452,7 @@
     </p:spTree>
     <p:extLst>
       <p:ext uri="{BB962C8B-B14F-4D97-AF65-F5344CB8AC3E}">
-        <p14:creationId xmlns:p14="http://schemas.microsoft.com/office/powerpoint/2010/main" val="1437047517"/>
+        <p14:creationId xmlns:p14="http://schemas.microsoft.com/office/powerpoint/2010/main" val="168010720"/>
       </p:ext>
     </p:extLst>
   </p:cSld>
@@ -4521,7 +4536,7 @@
     </p:spTree>
     <p:extLst>
       <p:ext uri="{BB962C8B-B14F-4D97-AF65-F5344CB8AC3E}">
-        <p14:creationId xmlns:p14="http://schemas.microsoft.com/office/powerpoint/2010/main" val="168010720"/>
+        <p14:creationId xmlns:p14="http://schemas.microsoft.com/office/powerpoint/2010/main" val="3605297768"/>
       </p:ext>
     </p:extLst>
   </p:cSld>
@@ -4605,7 +4620,7 @@
     </p:spTree>
     <p:extLst>
       <p:ext uri="{BB962C8B-B14F-4D97-AF65-F5344CB8AC3E}">
-        <p14:creationId xmlns:p14="http://schemas.microsoft.com/office/powerpoint/2010/main" val="3605297768"/>
+        <p14:creationId xmlns:p14="http://schemas.microsoft.com/office/powerpoint/2010/main" val="2521746633"/>
       </p:ext>
     </p:extLst>
   </p:cSld>
@@ -4764,7 +4779,7 @@
           <a:p>
             <a:fld id="{DF030C05-EF6C-9847-8923-580D76870F8E}" type="slidenum">
               <a:rPr lang="en-AU" smtClean="0"/>
-              <a:t>40</a:t>
+              <a:t>47</a:t>
             </a:fld>
             <a:endParaRPr lang="en-AU"/>
           </a:p>
@@ -4773,7 +4788,7 @@
     </p:spTree>
     <p:extLst>
       <p:ext uri="{BB962C8B-B14F-4D97-AF65-F5344CB8AC3E}">
-        <p14:creationId xmlns:p14="http://schemas.microsoft.com/office/powerpoint/2010/main" val="2521746633"/>
+        <p14:creationId xmlns:p14="http://schemas.microsoft.com/office/powerpoint/2010/main" val="1499387406"/>
       </p:ext>
     </p:extLst>
   </p:cSld>
@@ -4857,7 +4872,7 @@
     </p:spTree>
     <p:extLst>
       <p:ext uri="{BB962C8B-B14F-4D97-AF65-F5344CB8AC3E}">
-        <p14:creationId xmlns:p14="http://schemas.microsoft.com/office/powerpoint/2010/main" val="1499387406"/>
+        <p14:creationId xmlns:p14="http://schemas.microsoft.com/office/powerpoint/2010/main" val="935107375"/>
       </p:ext>
     </p:extLst>
   </p:cSld>
@@ -4941,7 +4956,7 @@
     </p:spTree>
     <p:extLst>
       <p:ext uri="{BB962C8B-B14F-4D97-AF65-F5344CB8AC3E}">
-        <p14:creationId xmlns:p14="http://schemas.microsoft.com/office/powerpoint/2010/main" val="935107375"/>
+        <p14:creationId xmlns:p14="http://schemas.microsoft.com/office/powerpoint/2010/main" val="3811869939"/>
       </p:ext>
     </p:extLst>
   </p:cSld>
@@ -5017,90 +5032,6 @@
             <a:fld id="{DF030C05-EF6C-9847-8923-580D76870F8E}" type="slidenum">
               <a:rPr lang="en-AU" smtClean="0"/>
               <a:t>50</a:t>
-            </a:fld>
-            <a:endParaRPr lang="en-AU"/>
-          </a:p>
-        </p:txBody>
-      </p:sp>
-    </p:spTree>
-    <p:extLst>
-      <p:ext uri="{BB962C8B-B14F-4D97-AF65-F5344CB8AC3E}">
-        <p14:creationId xmlns:p14="http://schemas.microsoft.com/office/powerpoint/2010/main" val="3811869939"/>
-      </p:ext>
-    </p:extLst>
-  </p:cSld>
-  <p:clrMapOvr>
-    <a:masterClrMapping/>
-  </p:clrMapOvr>
-</p:notes>
-</file>
-
-<file path=ppt/notesSlides/notesSlide44.xml><?xml version="1.0" encoding="utf-8"?>
-<p:notes xmlns:a="http://schemas.openxmlformats.org/drawingml/2006/main" xmlns:r="http://schemas.openxmlformats.org/officeDocument/2006/relationships" xmlns:p="http://schemas.openxmlformats.org/presentationml/2006/main">
-  <p:cSld>
-    <p:spTree>
-      <p:nvGrpSpPr>
-        <p:cNvPr id="1" name=""/>
-        <p:cNvGrpSpPr/>
-        <p:nvPr/>
-      </p:nvGrpSpPr>
-      <p:grpSpPr>
-        <a:xfrm>
-          <a:off x="0" y="0"/>
-          <a:ext cx="0" cy="0"/>
-          <a:chOff x="0" y="0"/>
-          <a:chExt cx="0" cy="0"/>
-        </a:xfrm>
-      </p:grpSpPr>
-      <p:sp>
-        <p:nvSpPr>
-          <p:cNvPr id="2" name="Slide Image Placeholder 1"/>
-          <p:cNvSpPr>
-            <a:spLocks noGrp="1" noRot="1" noChangeAspect="1"/>
-          </p:cNvSpPr>
-          <p:nvPr>
-            <p:ph type="sldImg"/>
-          </p:nvPr>
-        </p:nvSpPr>
-        <p:spPr/>
-      </p:sp>
-      <p:sp>
-        <p:nvSpPr>
-          <p:cNvPr id="3" name="Notes Placeholder 2"/>
-          <p:cNvSpPr>
-            <a:spLocks noGrp="1"/>
-          </p:cNvSpPr>
-          <p:nvPr>
-            <p:ph type="body" idx="1"/>
-          </p:nvPr>
-        </p:nvSpPr>
-        <p:spPr/>
-        <p:txBody>
-          <a:bodyPr/>
-          <a:lstStyle/>
-          <a:p>
-            <a:endParaRPr lang="en-AU" dirty="0"/>
-          </a:p>
-        </p:txBody>
-      </p:sp>
-      <p:sp>
-        <p:nvSpPr>
-          <p:cNvPr id="4" name="Slide Number Placeholder 3"/>
-          <p:cNvSpPr>
-            <a:spLocks noGrp="1"/>
-          </p:cNvSpPr>
-          <p:nvPr>
-            <p:ph type="sldNum" sz="quarter" idx="5"/>
-          </p:nvPr>
-        </p:nvSpPr>
-        <p:spPr/>
-        <p:txBody>
-          <a:bodyPr/>
-          <a:lstStyle/>
-          <a:p>
-            <a:fld id="{DF030C05-EF6C-9847-8923-580D76870F8E}" type="slidenum">
-              <a:rPr lang="en-AU" smtClean="0"/>
-              <a:t>51</a:t>
             </a:fld>
             <a:endParaRPr lang="en-AU"/>
           </a:p>
@@ -5724,7 +5655,7 @@
           <a:p>
             <a:fld id="{88D38747-4367-4BD2-8D51-C97E202738E2}" type="datetime1">
               <a:rPr lang="en-US" smtClean="0"/>
-              <a:t>5/15/2023</a:t>
+              <a:t>5/13/2024</a:t>
             </a:fld>
             <a:endParaRPr lang="en-US" dirty="0"/>
           </a:p>
@@ -6029,7 +5960,7 @@
           <a:p>
             <a:fld id="{11F1B079-7EF0-44EE-B798-BCC497C9F3B2}" type="datetime1">
               <a:rPr lang="en-US" smtClean="0"/>
-              <a:t>5/15/2023</a:t>
+              <a:t>5/13/2024</a:t>
             </a:fld>
             <a:endParaRPr lang="en-US" dirty="0"/>
           </a:p>
@@ -6223,7 +6154,7 @@
           <a:p>
             <a:fld id="{28FF70A8-1D13-4657-95F0-A9EA54967B8D}" type="datetime1">
               <a:rPr lang="en-US" smtClean="0"/>
-              <a:t>5/15/2023</a:t>
+              <a:t>5/13/2024</a:t>
             </a:fld>
             <a:endParaRPr lang="en-US" dirty="0"/>
           </a:p>
@@ -6486,7 +6417,7 @@
           <a:p>
             <a:fld id="{21EB90AC-71BD-4C7F-8ACA-7B3F18292E63}" type="datetime1">
               <a:rPr lang="en-US" smtClean="0"/>
-              <a:t>5/15/2023</a:t>
+              <a:t>5/13/2024</a:t>
             </a:fld>
             <a:endParaRPr lang="en-US" dirty="0"/>
           </a:p>
@@ -6922,7 +6853,7 @@
           <a:p>
             <a:fld id="{4E6EFC2C-8905-46F0-B443-CE905B76BA01}" type="datetime1">
               <a:rPr lang="en-US" smtClean="0"/>
-              <a:t>5/15/2023</a:t>
+              <a:t>5/13/2024</a:t>
             </a:fld>
             <a:endParaRPr lang="en-US" dirty="0"/>
           </a:p>
@@ -7459,7 +7390,7 @@
           <a:p>
             <a:fld id="{D9079DC3-C9B5-499E-9140-0DC28B7074E2}" type="datetime1">
               <a:rPr lang="en-US" smtClean="0"/>
-              <a:t>5/15/2023</a:t>
+              <a:t>5/13/2024</a:t>
             </a:fld>
             <a:endParaRPr lang="en-US" dirty="0"/>
           </a:p>
@@ -8341,7 +8272,7 @@
           <a:p>
             <a:fld id="{30BB33EA-E472-4D22-9C03-A9C14AA21CED}" type="datetime1">
               <a:rPr lang="en-US" smtClean="0"/>
-              <a:t>5/15/2023</a:t>
+              <a:t>5/13/2024</a:t>
             </a:fld>
             <a:endParaRPr lang="en-US" dirty="0"/>
           </a:p>
@@ -8511,7 +8442,7 @@
           <a:p>
             <a:fld id="{217E833E-1B6D-415F-AD29-75AE8C43BD0D}" type="datetime1">
               <a:rPr lang="en-US" smtClean="0"/>
-              <a:t>5/15/2023</a:t>
+              <a:t>5/13/2024</a:t>
             </a:fld>
             <a:endParaRPr lang="en-US" dirty="0"/>
           </a:p>
@@ -8695,7 +8626,7 @@
           <a:p>
             <a:fld id="{8452596F-08A7-4B70-989A-F2B1CF31E66B}" type="datetime1">
               <a:rPr lang="en-US" smtClean="0"/>
-              <a:t>5/15/2023</a:t>
+              <a:t>5/13/2024</a:t>
             </a:fld>
             <a:endParaRPr lang="en-US" dirty="0"/>
           </a:p>
@@ -8865,7 +8796,7 @@
           <a:p>
             <a:fld id="{73C55A3C-5767-4844-A0A3-83778C2E5409}" type="datetime1">
               <a:rPr lang="en-US" smtClean="0"/>
-              <a:t>5/15/2023</a:t>
+              <a:t>5/13/2024</a:t>
             </a:fld>
             <a:endParaRPr lang="en-US" dirty="0"/>
           </a:p>
@@ -9109,7 +9040,7 @@
           <a:p>
             <a:fld id="{CAE507A8-A5CF-4D38-AB86-7EDDA87A85D4}" type="datetime1">
               <a:rPr lang="en-US" smtClean="0"/>
-              <a:t>5/15/2023</a:t>
+              <a:t>5/13/2024</a:t>
             </a:fld>
             <a:endParaRPr lang="en-US" dirty="0"/>
           </a:p>
@@ -9351,7 +9282,7 @@
           <a:p>
             <a:fld id="{BDFCD27C-8599-43EF-BA1D-14DDC1946E06}" type="datetime1">
               <a:rPr lang="en-US" smtClean="0"/>
-              <a:t>5/15/2023</a:t>
+              <a:t>5/13/2024</a:t>
             </a:fld>
             <a:endParaRPr lang="en-US" dirty="0"/>
           </a:p>
@@ -9832,7 +9763,7 @@
           <a:p>
             <a:fld id="{49343D99-809A-49C0-96E5-4250D0B498EE}" type="datetime1">
               <a:rPr lang="en-US" smtClean="0"/>
-              <a:t>5/15/2023</a:t>
+              <a:t>5/13/2024</a:t>
             </a:fld>
             <a:endParaRPr lang="en-US" dirty="0"/>
           </a:p>
@@ -9950,7 +9881,7 @@
           <a:p>
             <a:fld id="{A143DE9B-B678-4EFB-BB7D-A4370204A0B0}" type="datetime1">
               <a:rPr lang="en-US" smtClean="0"/>
-              <a:t>5/15/2023</a:t>
+              <a:t>5/13/2024</a:t>
             </a:fld>
             <a:endParaRPr lang="en-US" dirty="0"/>
           </a:p>
@@ -10045,7 +9976,7 @@
           <a:p>
             <a:fld id="{E68812DA-F765-4142-A6A3-A8ED7235E082}" type="datetime1">
               <a:rPr lang="en-US" smtClean="0"/>
-              <a:t>5/15/2023</a:t>
+              <a:t>5/13/2024</a:t>
             </a:fld>
             <a:endParaRPr lang="en-US" dirty="0"/>
           </a:p>
@@ -10300,7 +10231,7 @@
           <a:p>
             <a:fld id="{3E0277FD-7DE6-41D4-930D-AC99F5AFE54E}" type="datetime1">
               <a:rPr lang="en-US" smtClean="0"/>
-              <a:t>5/15/2023</a:t>
+              <a:t>5/13/2024</a:t>
             </a:fld>
             <a:endParaRPr lang="en-US" dirty="0"/>
           </a:p>
@@ -10607,7 +10538,7 @@
           <a:p>
             <a:fld id="{9EA15526-7079-4B7B-987C-1B5FAE11A0FF}" type="datetime1">
               <a:rPr lang="en-US" smtClean="0"/>
-              <a:t>5/15/2023</a:t>
+              <a:t>5/13/2024</a:t>
             </a:fld>
             <a:endParaRPr lang="en-US" dirty="0"/>
           </a:p>
@@ -10842,7 +10773,7 @@
           <a:p>
             <a:fld id="{073ED0CC-082F-4160-86E5-0D6041F12778}" type="datetime1">
               <a:rPr lang="en-US" smtClean="0"/>
-              <a:t>5/15/2023</a:t>
+              <a:t>5/13/2024</a:t>
             </a:fld>
             <a:endParaRPr lang="en-US" dirty="0"/>
           </a:p>
@@ -11753,7 +11684,7 @@
           </a:effectLst>
           <a:extLst>
             <a:ext uri="{91240B29-F687-4f45-9708-019B960494DF}">
-              <a14:hiddenLine xmlns="" xmlns:a14="http://schemas.microsoft.com/office/drawing/2010/main" xmlns:p14="http://schemas.microsoft.com/office/powerpoint/2010/main" xmlns:a16="http://schemas.microsoft.com/office/drawing/2014/main" w="9525">
+              <a14:hiddenLine xmlns:a16="http://schemas.microsoft.com/office/drawing/2014/main" xmlns:p14="http://schemas.microsoft.com/office/powerpoint/2010/main" xmlns:a14="http://schemas.microsoft.com/office/drawing/2010/main" xmlns="" w="9525">
                 <a:solidFill>
                   <a:srgbClr val="000000"/>
                 </a:solidFill>
@@ -12188,7 +12119,7 @@
         <p:spPr>
           <a:xfrm>
             <a:off x="919119" y="93306"/>
-            <a:ext cx="10353762" cy="725844"/>
+            <a:ext cx="10353762" cy="843396"/>
           </a:xfrm>
         </p:spPr>
         <p:txBody>
@@ -12197,7 +12128,7 @@
           <a:p>
             <a:r>
               <a:rPr lang="en-AU" dirty="0"/>
-              <a:t>Exam Instructions</a:t>
+              <a:t>Exam Topics</a:t>
             </a:r>
           </a:p>
         </p:txBody>
@@ -12220,64 +12151,81 @@
         </p:nvSpPr>
         <p:spPr>
           <a:xfrm>
-            <a:off x="480969" y="990600"/>
-            <a:ext cx="9482181" cy="5200650"/>
+            <a:off x="556956" y="936702"/>
+            <a:ext cx="11307942" cy="5374888"/>
           </a:xfrm>
         </p:spPr>
         <p:txBody>
           <a:bodyPr>
-            <a:normAutofit/>
+            <a:noAutofit/>
           </a:bodyPr>
           <a:lstStyle/>
           <a:p>
             <a:r>
-              <a:rPr lang="en-AU" sz="2800" dirty="0"/>
-              <a:t>For online exam :</a:t>
+              <a:rPr lang="en-AU" sz="2600" dirty="0"/>
+              <a:t>6 topics (pre-recorded videos and live-lectures)</a:t>
             </a:r>
           </a:p>
           <a:p>
             <a:pPr lvl="1"/>
             <a:r>
-              <a:rPr lang="en-AU" sz="2800" dirty="0"/>
-              <a:t>Answer the exam inside LMS. </a:t>
+              <a:rPr lang="en-AU" sz="2600" dirty="0"/>
+              <a:t>Cryptography (2 themed questions)</a:t>
             </a:r>
           </a:p>
           <a:p>
             <a:pPr lvl="1"/>
             <a:r>
-              <a:rPr lang="en-AU" sz="2800" dirty="0"/>
-              <a:t>The exam will be submitted automatically when the time expires. </a:t>
+              <a:rPr lang="en-AU" sz="2600" dirty="0"/>
+              <a:t>Computers and Networks including labs 3, 4 (1 themed question)</a:t>
             </a:r>
           </a:p>
           <a:p>
             <a:pPr lvl="1"/>
             <a:r>
-              <a:rPr lang="en-AU" sz="2800" dirty="0"/>
-              <a:t>Save your answers regularly to ensure that you don't lose your work.</a:t>
+              <a:rPr lang="en-AU" sz="2600" dirty="0"/>
+              <a:t>Vulnerabilities (1 themed question)</a:t>
             </a:r>
           </a:p>
           <a:p>
             <a:pPr lvl="1"/>
             <a:r>
-              <a:rPr lang="en-AU" sz="2800" dirty="0"/>
-              <a:t>You should clearly state which questions of the exam you are answering.</a:t>
-            </a:r>
-          </a:p>
-          <a:p>
-            <a:endParaRPr lang="en-AU" sz="2800" dirty="0"/>
-          </a:p>
-          <a:p>
-            <a:pPr marL="36900" indent="0">
-              <a:buNone/>
-            </a:pPr>
-            <a:endParaRPr lang="en-AU" dirty="0"/>
+              <a:rPr lang="en-AU" sz="2600" dirty="0"/>
+              <a:t>Incidents (1 themed question)</a:t>
+            </a:r>
+          </a:p>
+          <a:p>
+            <a:pPr lvl="1"/>
+            <a:r>
+              <a:rPr lang="en-AU" sz="2600" dirty="0"/>
+              <a:t>AI in cybersecurity (1 themed question)</a:t>
+            </a:r>
+          </a:p>
+          <a:p>
+            <a:pPr lvl="1"/>
+            <a:r>
+              <a:rPr lang="en-AU" sz="2600" dirty="0"/>
+              <a:t>Forensics (1 themed question)</a:t>
+            </a:r>
+          </a:p>
+          <a:p>
+            <a:r>
+              <a:rPr lang="en-AU" sz="2600" dirty="0"/>
+              <a:t>A themed question describes a scenario, based on which, a few questions are asked. </a:t>
+            </a:r>
+          </a:p>
+          <a:p>
+            <a:r>
+              <a:rPr lang="en-AU" sz="2600" dirty="0"/>
+              <a:t>Demos in the live lectures will NOT be examined.</a:t>
+            </a:r>
           </a:p>
         </p:txBody>
       </p:sp>
     </p:spTree>
     <p:extLst>
       <p:ext uri="{BB962C8B-B14F-4D97-AF65-F5344CB8AC3E}">
-        <p14:creationId xmlns:p14="http://schemas.microsoft.com/office/powerpoint/2010/main" val="811672812"/>
+        <p14:creationId xmlns:p14="http://schemas.microsoft.com/office/powerpoint/2010/main" val="4009072888"/>
       </p:ext>
     </p:extLst>
   </p:cSld>
@@ -12309,7 +12257,7 @@
           <p:cNvPr id="2" name="Title 1">
             <a:extLst>
               <a:ext uri="{FF2B5EF4-FFF2-40B4-BE49-F238E27FC236}">
-                <a16:creationId xmlns:a16="http://schemas.microsoft.com/office/drawing/2014/main" id="{5C4F01C5-5333-2248-B03B-703C97F7CC69}"/>
+                <a16:creationId xmlns:a16="http://schemas.microsoft.com/office/drawing/2014/main" id="{92B3B218-E6B7-E949-9413-DBDFA9A361B9}"/>
               </a:ext>
             </a:extLst>
           </p:cNvPr>
@@ -12322,106 +12270,675 @@
         </p:nvSpPr>
         <p:spPr>
           <a:xfrm>
-            <a:off x="919119" y="93306"/>
-            <a:ext cx="10353762" cy="843396"/>
+            <a:off x="913795" y="38100"/>
+            <a:ext cx="10353762" cy="543791"/>
           </a:xfrm>
         </p:spPr>
         <p:txBody>
-          <a:bodyPr/>
+          <a:bodyPr>
+            <a:normAutofit fontScale="90000"/>
+          </a:bodyPr>
           <a:lstStyle/>
           <a:p>
             <a:r>
               <a:rPr lang="en-AU" dirty="0"/>
-              <a:t>Exam Topics</a:t>
-            </a:r>
-          </a:p>
-        </p:txBody>
-      </p:sp>
-      <p:sp>
-        <p:nvSpPr>
-          <p:cNvPr id="3" name="Content Placeholder 2">
+              <a:t>Example Question 1</a:t>
+            </a:r>
+          </a:p>
+        </p:txBody>
+      </p:sp>
+      <p:sp>
+        <p:nvSpPr>
+          <p:cNvPr id="7" name="TextBox 6">
             <a:extLst>
               <a:ext uri="{FF2B5EF4-FFF2-40B4-BE49-F238E27FC236}">
-                <a16:creationId xmlns:a16="http://schemas.microsoft.com/office/drawing/2014/main" id="{F7DD7DCB-C7E2-1B4F-BD83-3B7AF005DD76}"/>
+                <a16:creationId xmlns:a16="http://schemas.microsoft.com/office/drawing/2014/main" id="{75E0A5E3-B5A7-40C6-9FE8-508ABF9E1458}"/>
               </a:ext>
             </a:extLst>
           </p:cNvPr>
-          <p:cNvSpPr>
-            <a:spLocks noGrp="1"/>
-          </p:cNvSpPr>
-          <p:nvPr>
-            <p:ph idx="1"/>
-          </p:nvPr>
+          <p:cNvSpPr txBox="1"/>
+          <p:nvPr/>
         </p:nvSpPr>
         <p:spPr>
           <a:xfrm>
-            <a:off x="556956" y="936702"/>
-            <a:ext cx="11307942" cy="5374888"/>
+            <a:off x="266007" y="633591"/>
+            <a:ext cx="11720945" cy="6186309"/>
           </a:xfrm>
+          <a:prstGeom prst="rect">
+            <a:avLst/>
+          </a:prstGeom>
+          <a:noFill/>
         </p:spPr>
         <p:txBody>
-          <a:bodyPr>
-            <a:noAutofit/>
+          <a:bodyPr wrap="square">
+            <a:spAutoFit/>
           </a:bodyPr>
           <a:lstStyle/>
           <a:p>
-            <a:r>
-              <a:rPr lang="en-AU" sz="2600" dirty="0"/>
-              <a:t>6 topics (pre-recorded videos and live-lectures)</a:t>
-            </a:r>
-          </a:p>
-          <a:p>
-            <a:pPr lvl="1"/>
-            <a:r>
-              <a:rPr lang="en-AU" sz="2600" dirty="0"/>
-              <a:t>Cryptography (2 themed questions)</a:t>
-            </a:r>
-          </a:p>
-          <a:p>
-            <a:pPr lvl="1"/>
-            <a:r>
-              <a:rPr lang="en-AU" sz="2600" dirty="0"/>
-              <a:t>Computers and Networks including labs 3, 4 (1 themed question)</a:t>
-            </a:r>
-          </a:p>
-          <a:p>
-            <a:pPr lvl="1"/>
-            <a:r>
-              <a:rPr lang="en-AU" sz="2600" dirty="0"/>
-              <a:t>Vulnerabilities (1 themed question)</a:t>
-            </a:r>
-          </a:p>
-          <a:p>
-            <a:pPr lvl="1"/>
-            <a:r>
-              <a:rPr lang="en-AU" sz="2600" dirty="0"/>
-              <a:t>Incidents (1 themed question)</a:t>
-            </a:r>
-          </a:p>
-          <a:p>
-            <a:pPr lvl="1"/>
-            <a:r>
-              <a:rPr lang="en-AU" sz="2600" dirty="0"/>
-              <a:t>AI in cybersecurity (1 themed question)</a:t>
-            </a:r>
-          </a:p>
-          <a:p>
-            <a:pPr lvl="1"/>
-            <a:r>
-              <a:rPr lang="en-AU" sz="2600" dirty="0"/>
-              <a:t>Forensics (1 themed question)</a:t>
-            </a:r>
-          </a:p>
-          <a:p>
-            <a:r>
-              <a:rPr lang="en-AU" sz="2600" dirty="0"/>
-              <a:t>A themed question describes a scenario, based on which, a few questions are asked. </a:t>
-            </a:r>
-          </a:p>
-          <a:p>
-            <a:r>
-              <a:rPr lang="en-AU" sz="2600" dirty="0"/>
-              <a:t>Demos in the live lectures will NOT be examined.</a:t>
+            <a:pPr fontAlgn="base"/>
+            <a:r>
+              <a:rPr lang="en-AU" sz="2200" dirty="0">
+                <a:ln>
+                  <a:solidFill>
+                    <a:schemeClr val="bg1">
+                      <a:lumMod val="75000"/>
+                      <a:lumOff val="25000"/>
+                      <a:alpha val="10000"/>
+                    </a:schemeClr>
+                  </a:solidFill>
+                </a:ln>
+                <a:solidFill>
+                  <a:schemeClr val="tx2"/>
+                </a:solidFill>
+                <a:effectLst>
+                  <a:outerShdw blurRad="9525" dist="25400" dir="14640000" algn="tl" rotWithShape="0">
+                    <a:schemeClr val="bg1">
+                      <a:alpha val="30000"/>
+                    </a:schemeClr>
+                  </a:outerShdw>
+                </a:effectLst>
+              </a:rPr>
+              <a:t>[14 marks total] Dirty COW (Dirty copy-on-write) is a computer security vulnerability for the Linux kernel that affected many Linux-based operating systems. It is a local privilege escalation bug that exploits a race condition in the implementation of the copy-on-write mechanism in the kernel's memory-management subsystem. The exploit allows an attacker to obtain root permissions on a Linux device, also known as privilege escalation. </a:t>
+            </a:r>
+          </a:p>
+          <a:p>
+            <a:pPr fontAlgn="base"/>
+            <a:endParaRPr lang="en-AU" sz="2200" dirty="0">
+              <a:ln>
+                <a:solidFill>
+                  <a:schemeClr val="bg1">
+                    <a:lumMod val="75000"/>
+                    <a:lumOff val="25000"/>
+                    <a:alpha val="10000"/>
+                  </a:schemeClr>
+                </a:solidFill>
+              </a:ln>
+              <a:solidFill>
+                <a:schemeClr val="tx2"/>
+              </a:solidFill>
+              <a:effectLst>
+                <a:outerShdw blurRad="9525" dist="25400" dir="14640000" algn="tl" rotWithShape="0">
+                  <a:schemeClr val="bg1">
+                    <a:alpha val="30000"/>
+                  </a:schemeClr>
+                </a:outerShdw>
+              </a:effectLst>
+            </a:endParaRPr>
+          </a:p>
+          <a:p>
+            <a:pPr fontAlgn="base"/>
+            <a:r>
+              <a:rPr lang="en-AU" sz="2200" dirty="0">
+                <a:ln>
+                  <a:solidFill>
+                    <a:schemeClr val="bg1">
+                      <a:lumMod val="75000"/>
+                      <a:lumOff val="25000"/>
+                      <a:alpha val="10000"/>
+                    </a:schemeClr>
+                  </a:solidFill>
+                </a:ln>
+                <a:solidFill>
+                  <a:srgbClr val="FF0000"/>
+                </a:solidFill>
+                <a:effectLst>
+                  <a:outerShdw blurRad="9525" dist="25400" dir="14640000" algn="tl" rotWithShape="0">
+                    <a:schemeClr val="bg1">
+                      <a:alpha val="30000"/>
+                    </a:schemeClr>
+                  </a:outerShdw>
+                </a:effectLst>
+              </a:rPr>
+              <a:t>a)</a:t>
+            </a:r>
+            <a:r>
+              <a:rPr lang="en-AU" sz="2200" dirty="0">
+                <a:ln>
+                  <a:solidFill>
+                    <a:schemeClr val="bg1">
+                      <a:lumMod val="75000"/>
+                      <a:lumOff val="25000"/>
+                      <a:alpha val="10000"/>
+                    </a:schemeClr>
+                  </a:solidFill>
+                </a:ln>
+                <a:solidFill>
+                  <a:schemeClr val="tx2"/>
+                </a:solidFill>
+                <a:effectLst>
+                  <a:outerShdw blurRad="9525" dist="25400" dir="14640000" algn="tl" rotWithShape="0">
+                    <a:schemeClr val="bg1">
+                      <a:alpha val="30000"/>
+                    </a:schemeClr>
+                  </a:outerShdw>
+                </a:effectLst>
+              </a:rPr>
+              <a:t> [4 marks] Describe some malicious actions that an attacker with root permissions gained through privilege escalation can perform. Include the associated </a:t>
+            </a:r>
+            <a:r>
+              <a:rPr lang="en-AU" sz="2200" dirty="0" err="1">
+                <a:ln>
+                  <a:solidFill>
+                    <a:schemeClr val="bg1">
+                      <a:lumMod val="75000"/>
+                      <a:lumOff val="25000"/>
+                      <a:alpha val="10000"/>
+                    </a:schemeClr>
+                  </a:solidFill>
+                </a:ln>
+                <a:solidFill>
+                  <a:schemeClr val="tx2"/>
+                </a:solidFill>
+                <a:effectLst>
+                  <a:outerShdw blurRad="9525" dist="25400" dir="14640000" algn="tl" rotWithShape="0">
+                    <a:schemeClr val="bg1">
+                      <a:alpha val="30000"/>
+                    </a:schemeClr>
+                  </a:outerShdw>
+                </a:effectLst>
+              </a:rPr>
+              <a:t>linux</a:t>
+            </a:r>
+            <a:r>
+              <a:rPr lang="en-AU" sz="2200" dirty="0">
+                <a:ln>
+                  <a:solidFill>
+                    <a:schemeClr val="bg1">
+                      <a:lumMod val="75000"/>
+                      <a:lumOff val="25000"/>
+                      <a:alpha val="10000"/>
+                    </a:schemeClr>
+                  </a:solidFill>
+                </a:ln>
+                <a:solidFill>
+                  <a:schemeClr val="tx2"/>
+                </a:solidFill>
+                <a:effectLst>
+                  <a:outerShdw blurRad="9525" dist="25400" dir="14640000" algn="tl" rotWithShape="0">
+                    <a:schemeClr val="bg1">
+                      <a:alpha val="30000"/>
+                    </a:schemeClr>
+                  </a:outerShdw>
+                </a:effectLst>
+              </a:rPr>
+              <a:t> commands for each action, or the commands at each step of the action.</a:t>
+            </a:r>
+          </a:p>
+          <a:p>
+            <a:pPr fontAlgn="base"/>
+            <a:r>
+              <a:rPr lang="en-AU" sz="2200" dirty="0">
+                <a:ln>
+                  <a:solidFill>
+                    <a:schemeClr val="bg1">
+                      <a:lumMod val="75000"/>
+                      <a:lumOff val="25000"/>
+                      <a:alpha val="10000"/>
+                    </a:schemeClr>
+                  </a:solidFill>
+                </a:ln>
+                <a:solidFill>
+                  <a:srgbClr val="FF0000"/>
+                </a:solidFill>
+                <a:effectLst>
+                  <a:outerShdw blurRad="9525" dist="25400" dir="14640000" algn="tl" rotWithShape="0">
+                    <a:schemeClr val="bg1">
+                      <a:alpha val="30000"/>
+                    </a:schemeClr>
+                  </a:outerShdw>
+                </a:effectLst>
+              </a:rPr>
+              <a:t>b)</a:t>
+            </a:r>
+            <a:r>
+              <a:rPr lang="en-AU" sz="2200" dirty="0">
+                <a:ln>
+                  <a:solidFill>
+                    <a:schemeClr val="bg1">
+                      <a:lumMod val="75000"/>
+                      <a:lumOff val="25000"/>
+                      <a:alpha val="10000"/>
+                    </a:schemeClr>
+                  </a:solidFill>
+                </a:ln>
+                <a:solidFill>
+                  <a:schemeClr val="tx2"/>
+                </a:solidFill>
+                <a:effectLst>
+                  <a:outerShdw blurRad="9525" dist="25400" dir="14640000" algn="tl" rotWithShape="0">
+                    <a:schemeClr val="bg1">
+                      <a:alpha val="30000"/>
+                    </a:schemeClr>
+                  </a:outerShdw>
+                </a:effectLst>
+              </a:rPr>
+              <a:t> [4 marks] What do these directories contain?</a:t>
+            </a:r>
+          </a:p>
+          <a:p>
+            <a:pPr marL="228600" fontAlgn="base"/>
+            <a:r>
+              <a:rPr lang="en-AU" sz="2200" dirty="0">
+                <a:ln>
+                  <a:solidFill>
+                    <a:schemeClr val="bg1">
+                      <a:lumMod val="75000"/>
+                      <a:lumOff val="25000"/>
+                      <a:alpha val="10000"/>
+                    </a:schemeClr>
+                  </a:solidFill>
+                </a:ln>
+                <a:solidFill>
+                  <a:schemeClr val="tx2"/>
+                </a:solidFill>
+                <a:effectLst>
+                  <a:outerShdw blurRad="9525" dist="25400" dir="14640000" algn="tl" rotWithShape="0">
+                    <a:schemeClr val="bg1">
+                      <a:alpha val="30000"/>
+                    </a:schemeClr>
+                  </a:outerShdw>
+                </a:effectLst>
+              </a:rPr>
+              <a:t>- /home</a:t>
+            </a:r>
+          </a:p>
+          <a:p>
+            <a:pPr marL="228600" fontAlgn="base"/>
+            <a:r>
+              <a:rPr lang="en-AU" sz="2200" dirty="0">
+                <a:ln>
+                  <a:solidFill>
+                    <a:schemeClr val="bg1">
+                      <a:lumMod val="75000"/>
+                      <a:lumOff val="25000"/>
+                      <a:alpha val="10000"/>
+                    </a:schemeClr>
+                  </a:solidFill>
+                </a:ln>
+                <a:solidFill>
+                  <a:schemeClr val="tx2"/>
+                </a:solidFill>
+                <a:effectLst>
+                  <a:outerShdw blurRad="9525" dist="25400" dir="14640000" algn="tl" rotWithShape="0">
+                    <a:schemeClr val="bg1">
+                      <a:alpha val="30000"/>
+                    </a:schemeClr>
+                  </a:outerShdw>
+                </a:effectLst>
+              </a:rPr>
+              <a:t>- /</a:t>
+            </a:r>
+            <a:r>
+              <a:rPr lang="en-AU" sz="2200" dirty="0" err="1">
+                <a:ln>
+                  <a:solidFill>
+                    <a:schemeClr val="bg1">
+                      <a:lumMod val="75000"/>
+                      <a:lumOff val="25000"/>
+                      <a:alpha val="10000"/>
+                    </a:schemeClr>
+                  </a:solidFill>
+                </a:ln>
+                <a:solidFill>
+                  <a:schemeClr val="tx2"/>
+                </a:solidFill>
+                <a:effectLst>
+                  <a:outerShdw blurRad="9525" dist="25400" dir="14640000" algn="tl" rotWithShape="0">
+                    <a:schemeClr val="bg1">
+                      <a:alpha val="30000"/>
+                    </a:schemeClr>
+                  </a:outerShdw>
+                </a:effectLst>
+              </a:rPr>
+              <a:t>mnt</a:t>
+            </a:r>
+            <a:endParaRPr lang="en-AU" sz="2200" dirty="0">
+              <a:ln>
+                <a:solidFill>
+                  <a:schemeClr val="bg1">
+                    <a:lumMod val="75000"/>
+                    <a:lumOff val="25000"/>
+                    <a:alpha val="10000"/>
+                  </a:schemeClr>
+                </a:solidFill>
+              </a:ln>
+              <a:solidFill>
+                <a:schemeClr val="tx2"/>
+              </a:solidFill>
+              <a:effectLst>
+                <a:outerShdw blurRad="9525" dist="25400" dir="14640000" algn="tl" rotWithShape="0">
+                  <a:schemeClr val="bg1">
+                    <a:alpha val="30000"/>
+                  </a:schemeClr>
+                </a:outerShdw>
+              </a:effectLst>
+            </a:endParaRPr>
+          </a:p>
+          <a:p>
+            <a:pPr marL="228600" fontAlgn="base"/>
+            <a:r>
+              <a:rPr lang="en-AU" sz="2200" dirty="0">
+                <a:ln>
+                  <a:solidFill>
+                    <a:schemeClr val="bg1">
+                      <a:lumMod val="75000"/>
+                      <a:lumOff val="25000"/>
+                      <a:alpha val="10000"/>
+                    </a:schemeClr>
+                  </a:solidFill>
+                </a:ln>
+                <a:solidFill>
+                  <a:schemeClr val="tx2"/>
+                </a:solidFill>
+                <a:effectLst>
+                  <a:outerShdw blurRad="9525" dist="25400" dir="14640000" algn="tl" rotWithShape="0">
+                    <a:schemeClr val="bg1">
+                      <a:alpha val="30000"/>
+                    </a:schemeClr>
+                  </a:outerShdw>
+                </a:effectLst>
+              </a:rPr>
+              <a:t>- /</a:t>
+            </a:r>
+            <a:r>
+              <a:rPr lang="en-AU" sz="2200" dirty="0" err="1">
+                <a:ln>
+                  <a:solidFill>
+                    <a:schemeClr val="bg1">
+                      <a:lumMod val="75000"/>
+                      <a:lumOff val="25000"/>
+                      <a:alpha val="10000"/>
+                    </a:schemeClr>
+                  </a:solidFill>
+                </a:ln>
+                <a:solidFill>
+                  <a:schemeClr val="tx2"/>
+                </a:solidFill>
+                <a:effectLst>
+                  <a:outerShdw blurRad="9525" dist="25400" dir="14640000" algn="tl" rotWithShape="0">
+                    <a:schemeClr val="bg1">
+                      <a:alpha val="30000"/>
+                    </a:schemeClr>
+                  </a:outerShdw>
+                </a:effectLst>
+              </a:rPr>
+              <a:t>usr</a:t>
+            </a:r>
+            <a:r>
+              <a:rPr lang="en-AU" sz="2200" dirty="0">
+                <a:ln>
+                  <a:solidFill>
+                    <a:schemeClr val="bg1">
+                      <a:lumMod val="75000"/>
+                      <a:lumOff val="25000"/>
+                      <a:alpha val="10000"/>
+                    </a:schemeClr>
+                  </a:solidFill>
+                </a:ln>
+                <a:solidFill>
+                  <a:schemeClr val="tx2"/>
+                </a:solidFill>
+                <a:effectLst>
+                  <a:outerShdw blurRad="9525" dist="25400" dir="14640000" algn="tl" rotWithShape="0">
+                    <a:schemeClr val="bg1">
+                      <a:alpha val="30000"/>
+                    </a:schemeClr>
+                  </a:outerShdw>
+                </a:effectLst>
+              </a:rPr>
+              <a:t>/local</a:t>
+            </a:r>
+          </a:p>
+          <a:p>
+            <a:pPr marL="228600" fontAlgn="base"/>
+            <a:r>
+              <a:rPr lang="en-AU" sz="2200" dirty="0">
+                <a:ln>
+                  <a:solidFill>
+                    <a:schemeClr val="bg1">
+                      <a:lumMod val="75000"/>
+                      <a:lumOff val="25000"/>
+                      <a:alpha val="10000"/>
+                    </a:schemeClr>
+                  </a:solidFill>
+                </a:ln>
+                <a:solidFill>
+                  <a:schemeClr val="tx2"/>
+                </a:solidFill>
+                <a:effectLst>
+                  <a:outerShdw blurRad="9525" dist="25400" dir="14640000" algn="tl" rotWithShape="0">
+                    <a:schemeClr val="bg1">
+                      <a:alpha val="30000"/>
+                    </a:schemeClr>
+                  </a:outerShdw>
+                </a:effectLst>
+              </a:rPr>
+              <a:t>- /opt</a:t>
+            </a:r>
+          </a:p>
+          <a:p>
+            <a:pPr fontAlgn="base"/>
+            <a:r>
+              <a:rPr lang="en-AU" sz="2200" dirty="0">
+                <a:ln>
+                  <a:solidFill>
+                    <a:schemeClr val="bg1">
+                      <a:lumMod val="75000"/>
+                      <a:lumOff val="25000"/>
+                      <a:alpha val="10000"/>
+                    </a:schemeClr>
+                  </a:solidFill>
+                </a:ln>
+                <a:solidFill>
+                  <a:srgbClr val="FF0000"/>
+                </a:solidFill>
+                <a:effectLst>
+                  <a:outerShdw blurRad="9525" dist="25400" dir="14640000" algn="tl" rotWithShape="0">
+                    <a:schemeClr val="bg1">
+                      <a:alpha val="30000"/>
+                    </a:schemeClr>
+                  </a:outerShdw>
+                </a:effectLst>
+              </a:rPr>
+              <a:t>c) </a:t>
+            </a:r>
+            <a:r>
+              <a:rPr lang="en-AU" sz="2200" dirty="0">
+                <a:ln>
+                  <a:solidFill>
+                    <a:schemeClr val="bg1">
+                      <a:lumMod val="75000"/>
+                      <a:lumOff val="25000"/>
+                      <a:alpha val="10000"/>
+                    </a:schemeClr>
+                  </a:solidFill>
+                </a:ln>
+                <a:solidFill>
+                  <a:schemeClr val="tx2"/>
+                </a:solidFill>
+                <a:effectLst>
+                  <a:outerShdw blurRad="9525" dist="25400" dir="14640000" algn="tl" rotWithShape="0">
+                    <a:schemeClr val="bg1">
+                      <a:alpha val="30000"/>
+                    </a:schemeClr>
+                  </a:outerShdw>
+                </a:effectLst>
+              </a:rPr>
+              <a:t>[2 marks] Write a command to find all files that start with the string "host" (e.g., host123.txt, </a:t>
+            </a:r>
+            <a:r>
+              <a:rPr lang="en-AU" sz="2200" dirty="0" err="1">
+                <a:ln>
+                  <a:solidFill>
+                    <a:schemeClr val="bg1">
+                      <a:lumMod val="75000"/>
+                      <a:lumOff val="25000"/>
+                      <a:alpha val="10000"/>
+                    </a:schemeClr>
+                  </a:solidFill>
+                </a:ln>
+                <a:solidFill>
+                  <a:schemeClr val="tx2"/>
+                </a:solidFill>
+                <a:effectLst>
+                  <a:outerShdw blurRad="9525" dist="25400" dir="14640000" algn="tl" rotWithShape="0">
+                    <a:schemeClr val="bg1">
+                      <a:alpha val="30000"/>
+                    </a:schemeClr>
+                  </a:outerShdw>
+                </a:effectLst>
+              </a:rPr>
+              <a:t>host_cmd.conf</a:t>
+            </a:r>
+            <a:r>
+              <a:rPr lang="en-AU" sz="2200" dirty="0">
+                <a:ln>
+                  <a:solidFill>
+                    <a:schemeClr val="bg1">
+                      <a:lumMod val="75000"/>
+                      <a:lumOff val="25000"/>
+                      <a:alpha val="10000"/>
+                    </a:schemeClr>
+                  </a:solidFill>
+                </a:ln>
+                <a:solidFill>
+                  <a:schemeClr val="tx2"/>
+                </a:solidFill>
+                <a:effectLst>
+                  <a:outerShdw blurRad="9525" dist="25400" dir="14640000" algn="tl" rotWithShape="0">
+                    <a:schemeClr val="bg1">
+                      <a:alpha val="30000"/>
+                    </a:schemeClr>
+                  </a:outerShdw>
+                </a:effectLst>
+              </a:rPr>
+              <a:t>, hostname, etc.) located in the currently logged-in user’s home directory.</a:t>
+            </a:r>
+          </a:p>
+          <a:p>
+            <a:pPr fontAlgn="base"/>
+            <a:r>
+              <a:rPr lang="en-AU" sz="2200" dirty="0">
+                <a:ln>
+                  <a:solidFill>
+                    <a:schemeClr val="bg1">
+                      <a:lumMod val="75000"/>
+                      <a:lumOff val="25000"/>
+                      <a:alpha val="10000"/>
+                    </a:schemeClr>
+                  </a:solidFill>
+                </a:ln>
+                <a:solidFill>
+                  <a:srgbClr val="FF0000"/>
+                </a:solidFill>
+                <a:effectLst>
+                  <a:outerShdw blurRad="9525" dist="25400" dir="14640000" algn="tl" rotWithShape="0">
+                    <a:schemeClr val="bg1">
+                      <a:alpha val="30000"/>
+                    </a:schemeClr>
+                  </a:outerShdw>
+                </a:effectLst>
+              </a:rPr>
+              <a:t>d)</a:t>
+            </a:r>
+            <a:r>
+              <a:rPr lang="en-AU" sz="2200" dirty="0">
+                <a:ln>
+                  <a:solidFill>
+                    <a:schemeClr val="bg1">
+                      <a:lumMod val="75000"/>
+                      <a:lumOff val="25000"/>
+                      <a:alpha val="10000"/>
+                    </a:schemeClr>
+                  </a:solidFill>
+                </a:ln>
+                <a:solidFill>
+                  <a:schemeClr val="tx2"/>
+                </a:solidFill>
+                <a:effectLst>
+                  <a:outerShdw blurRad="9525" dist="25400" dir="14640000" algn="tl" rotWithShape="0">
+                    <a:schemeClr val="bg1">
+                      <a:alpha val="30000"/>
+                    </a:schemeClr>
+                  </a:outerShdw>
+                </a:effectLst>
+              </a:rPr>
+              <a:t> [4 marks] You are provided with a permission string as follows: -</a:t>
+            </a:r>
+            <a:r>
+              <a:rPr lang="en-AU" sz="2200" dirty="0" err="1">
+                <a:ln>
+                  <a:solidFill>
+                    <a:schemeClr val="bg1">
+                      <a:lumMod val="75000"/>
+                      <a:lumOff val="25000"/>
+                      <a:alpha val="10000"/>
+                    </a:schemeClr>
+                  </a:solidFill>
+                </a:ln>
+                <a:solidFill>
+                  <a:schemeClr val="tx2"/>
+                </a:solidFill>
+                <a:effectLst>
+                  <a:outerShdw blurRad="9525" dist="25400" dir="14640000" algn="tl" rotWithShape="0">
+                    <a:schemeClr val="bg1">
+                      <a:alpha val="30000"/>
+                    </a:schemeClr>
+                  </a:outerShdw>
+                </a:effectLst>
+              </a:rPr>
+              <a:t>rwxrw</a:t>
+            </a:r>
+            <a:r>
+              <a:rPr lang="en-AU" sz="2200" dirty="0">
+                <a:ln>
+                  <a:solidFill>
+                    <a:schemeClr val="bg1">
+                      <a:lumMod val="75000"/>
+                      <a:lumOff val="25000"/>
+                      <a:alpha val="10000"/>
+                    </a:schemeClr>
+                  </a:solidFill>
+                </a:ln>
+                <a:solidFill>
+                  <a:schemeClr val="tx2"/>
+                </a:solidFill>
+                <a:effectLst>
+                  <a:outerShdw blurRad="9525" dist="25400" dir="14640000" algn="tl" rotWithShape="0">
+                    <a:schemeClr val="bg1">
+                      <a:alpha val="30000"/>
+                    </a:schemeClr>
+                  </a:outerShdw>
+                </a:effectLst>
+              </a:rPr>
+              <a:t>-r--</a:t>
+            </a:r>
+          </a:p>
+          <a:p>
+            <a:pPr fontAlgn="base"/>
+            <a:r>
+              <a:rPr lang="en-AU" sz="2200" dirty="0">
+                <a:ln>
+                  <a:solidFill>
+                    <a:schemeClr val="bg1">
+                      <a:lumMod val="75000"/>
+                      <a:lumOff val="25000"/>
+                      <a:alpha val="10000"/>
+                    </a:schemeClr>
+                  </a:solidFill>
+                </a:ln>
+                <a:solidFill>
+                  <a:schemeClr val="tx2"/>
+                </a:solidFill>
+                <a:effectLst>
+                  <a:outerShdw blurRad="9525" dist="25400" dir="14640000" algn="tl" rotWithShape="0">
+                    <a:schemeClr val="bg1">
+                      <a:alpha val="30000"/>
+                    </a:schemeClr>
+                  </a:outerShdw>
+                </a:effectLst>
+              </a:rPr>
+              <a:t>What does it mean? </a:t>
             </a:r>
           </a:p>
         </p:txBody>
@@ -12429,7 +12946,7 @@
     </p:spTree>
     <p:extLst>
       <p:ext uri="{BB962C8B-B14F-4D97-AF65-F5344CB8AC3E}">
-        <p14:creationId xmlns:p14="http://schemas.microsoft.com/office/powerpoint/2010/main" val="4009072888"/>
+        <p14:creationId xmlns:p14="http://schemas.microsoft.com/office/powerpoint/2010/main" val="182683393"/>
       </p:ext>
     </p:extLst>
   </p:cSld>
@@ -12475,13 +12992,11 @@
         <p:spPr>
           <a:xfrm>
             <a:off x="913795" y="38100"/>
-            <a:ext cx="10353762" cy="543791"/>
+            <a:ext cx="10353762" cy="1257300"/>
           </a:xfrm>
         </p:spPr>
         <p:txBody>
-          <a:bodyPr>
-            <a:normAutofit fontScale="90000"/>
-          </a:bodyPr>
+          <a:bodyPr/>
           <a:lstStyle/>
           <a:p>
             <a:r>
@@ -12505,8 +13020,8 @@
         </p:nvSpPr>
         <p:spPr>
           <a:xfrm>
-            <a:off x="266007" y="633591"/>
-            <a:ext cx="11720945" cy="6186309"/>
+            <a:off x="381779" y="1295400"/>
+            <a:ext cx="11039907" cy="2246769"/>
           </a:xfrm>
           <a:prstGeom prst="rect">
             <a:avLst/>
@@ -12521,7 +13036,7 @@
           <a:p>
             <a:pPr fontAlgn="base"/>
             <a:r>
-              <a:rPr lang="en-AU" sz="2200" dirty="0">
+              <a:rPr lang="en-AU" sz="2800" dirty="0">
                 <a:ln>
                   <a:solidFill>
                     <a:schemeClr val="bg1">
@@ -12542,12 +13057,60 @@
                   </a:outerShdw>
                 </a:effectLst>
               </a:rPr>
-              <a:t>[14 marks total] Dirty COW (Dirty copy-on-write) is a computer security vulnerability for the Linux kernel that affected many Linux-based operating systems. It is a local privilege escalation bug that exploits a race condition in the implementation of the copy-on-write mechanism in the kernel's memory-management subsystem. The exploit allows an attacker to obtain root permissions on a Linux device, also known as privilege escalation. </a:t>
+              <a:t>a) [4 marks] Describe some malicious actions that an attacker with root permissions gained through privilege escalation can perform. Include the associated </a:t>
+            </a:r>
+            <a:r>
+              <a:rPr lang="en-AU" sz="2800" dirty="0" err="1">
+                <a:ln>
+                  <a:solidFill>
+                    <a:schemeClr val="bg1">
+                      <a:lumMod val="75000"/>
+                      <a:lumOff val="25000"/>
+                      <a:alpha val="10000"/>
+                    </a:schemeClr>
+                  </a:solidFill>
+                </a:ln>
+                <a:solidFill>
+                  <a:schemeClr val="tx2"/>
+                </a:solidFill>
+                <a:effectLst>
+                  <a:outerShdw blurRad="9525" dist="25400" dir="14640000" algn="tl" rotWithShape="0">
+                    <a:schemeClr val="bg1">
+                      <a:alpha val="30000"/>
+                    </a:schemeClr>
+                  </a:outerShdw>
+                </a:effectLst>
+              </a:rPr>
+              <a:t>linux</a:t>
+            </a:r>
+            <a:r>
+              <a:rPr lang="en-AU" sz="2800" dirty="0">
+                <a:ln>
+                  <a:solidFill>
+                    <a:schemeClr val="bg1">
+                      <a:lumMod val="75000"/>
+                      <a:lumOff val="25000"/>
+                      <a:alpha val="10000"/>
+                    </a:schemeClr>
+                  </a:solidFill>
+                </a:ln>
+                <a:solidFill>
+                  <a:schemeClr val="tx2"/>
+                </a:solidFill>
+                <a:effectLst>
+                  <a:outerShdw blurRad="9525" dist="25400" dir="14640000" algn="tl" rotWithShape="0">
+                    <a:schemeClr val="bg1">
+                      <a:alpha val="30000"/>
+                    </a:schemeClr>
+                  </a:outerShdw>
+                </a:effectLst>
+              </a:rPr>
+              <a:t> commands for each action, or the commands at each step of the action.</a:t>
             </a:r>
           </a:p>
           <a:p>
             <a:pPr fontAlgn="base"/>
-            <a:endParaRPr lang="en-AU" sz="2200" dirty="0">
+            <a:endParaRPr lang="en-AU" sz="2800" dirty="0">
               <a:ln>
                 <a:solidFill>
                   <a:schemeClr val="bg1">
@@ -12569,588 +13132,12 @@
               </a:effectLst>
             </a:endParaRPr>
           </a:p>
-          <a:p>
-            <a:pPr fontAlgn="base"/>
-            <a:r>
-              <a:rPr lang="en-AU" sz="2200" dirty="0">
-                <a:ln>
-                  <a:solidFill>
-                    <a:schemeClr val="bg1">
-                      <a:lumMod val="75000"/>
-                      <a:lumOff val="25000"/>
-                      <a:alpha val="10000"/>
-                    </a:schemeClr>
-                  </a:solidFill>
-                </a:ln>
-                <a:solidFill>
-                  <a:srgbClr val="FF0000"/>
-                </a:solidFill>
-                <a:effectLst>
-                  <a:outerShdw blurRad="9525" dist="25400" dir="14640000" algn="tl" rotWithShape="0">
-                    <a:schemeClr val="bg1">
-                      <a:alpha val="30000"/>
-                    </a:schemeClr>
-                  </a:outerShdw>
-                </a:effectLst>
-              </a:rPr>
-              <a:t>a)</a:t>
-            </a:r>
-            <a:r>
-              <a:rPr lang="en-AU" sz="2200" dirty="0">
-                <a:ln>
-                  <a:solidFill>
-                    <a:schemeClr val="bg1">
-                      <a:lumMod val="75000"/>
-                      <a:lumOff val="25000"/>
-                      <a:alpha val="10000"/>
-                    </a:schemeClr>
-                  </a:solidFill>
-                </a:ln>
-                <a:solidFill>
-                  <a:schemeClr val="tx2"/>
-                </a:solidFill>
-                <a:effectLst>
-                  <a:outerShdw blurRad="9525" dist="25400" dir="14640000" algn="tl" rotWithShape="0">
-                    <a:schemeClr val="bg1">
-                      <a:alpha val="30000"/>
-                    </a:schemeClr>
-                  </a:outerShdw>
-                </a:effectLst>
-              </a:rPr>
-              <a:t> [4 marks] Describe some malicious actions that an attacker with root permissions gained through privilege escalation can perform. Include the associated </a:t>
-            </a:r>
-            <a:r>
-              <a:rPr lang="en-AU" sz="2200" dirty="0" err="1">
-                <a:ln>
-                  <a:solidFill>
-                    <a:schemeClr val="bg1">
-                      <a:lumMod val="75000"/>
-                      <a:lumOff val="25000"/>
-                      <a:alpha val="10000"/>
-                    </a:schemeClr>
-                  </a:solidFill>
-                </a:ln>
-                <a:solidFill>
-                  <a:schemeClr val="tx2"/>
-                </a:solidFill>
-                <a:effectLst>
-                  <a:outerShdw blurRad="9525" dist="25400" dir="14640000" algn="tl" rotWithShape="0">
-                    <a:schemeClr val="bg1">
-                      <a:alpha val="30000"/>
-                    </a:schemeClr>
-                  </a:outerShdw>
-                </a:effectLst>
-              </a:rPr>
-              <a:t>linux</a:t>
-            </a:r>
-            <a:r>
-              <a:rPr lang="en-AU" sz="2200" dirty="0">
-                <a:ln>
-                  <a:solidFill>
-                    <a:schemeClr val="bg1">
-                      <a:lumMod val="75000"/>
-                      <a:lumOff val="25000"/>
-                      <a:alpha val="10000"/>
-                    </a:schemeClr>
-                  </a:solidFill>
-                </a:ln>
-                <a:solidFill>
-                  <a:schemeClr val="tx2"/>
-                </a:solidFill>
-                <a:effectLst>
-                  <a:outerShdw blurRad="9525" dist="25400" dir="14640000" algn="tl" rotWithShape="0">
-                    <a:schemeClr val="bg1">
-                      <a:alpha val="30000"/>
-                    </a:schemeClr>
-                  </a:outerShdw>
-                </a:effectLst>
-              </a:rPr>
-              <a:t> commands for each action, or the commands at each step of the action.</a:t>
-            </a:r>
-          </a:p>
-          <a:p>
-            <a:pPr fontAlgn="base"/>
-            <a:r>
-              <a:rPr lang="en-AU" sz="2200" dirty="0">
-                <a:ln>
-                  <a:solidFill>
-                    <a:schemeClr val="bg1">
-                      <a:lumMod val="75000"/>
-                      <a:lumOff val="25000"/>
-                      <a:alpha val="10000"/>
-                    </a:schemeClr>
-                  </a:solidFill>
-                </a:ln>
-                <a:solidFill>
-                  <a:srgbClr val="FF0000"/>
-                </a:solidFill>
-                <a:effectLst>
-                  <a:outerShdw blurRad="9525" dist="25400" dir="14640000" algn="tl" rotWithShape="0">
-                    <a:schemeClr val="bg1">
-                      <a:alpha val="30000"/>
-                    </a:schemeClr>
-                  </a:outerShdw>
-                </a:effectLst>
-              </a:rPr>
-              <a:t>b)</a:t>
-            </a:r>
-            <a:r>
-              <a:rPr lang="en-AU" sz="2200" dirty="0">
-                <a:ln>
-                  <a:solidFill>
-                    <a:schemeClr val="bg1">
-                      <a:lumMod val="75000"/>
-                      <a:lumOff val="25000"/>
-                      <a:alpha val="10000"/>
-                    </a:schemeClr>
-                  </a:solidFill>
-                </a:ln>
-                <a:solidFill>
-                  <a:schemeClr val="tx2"/>
-                </a:solidFill>
-                <a:effectLst>
-                  <a:outerShdw blurRad="9525" dist="25400" dir="14640000" algn="tl" rotWithShape="0">
-                    <a:schemeClr val="bg1">
-                      <a:alpha val="30000"/>
-                    </a:schemeClr>
-                  </a:outerShdw>
-                </a:effectLst>
-              </a:rPr>
-              <a:t> [4 marks] What do these directories contain?</a:t>
-            </a:r>
-          </a:p>
-          <a:p>
-            <a:pPr marL="228600" fontAlgn="base"/>
-            <a:r>
-              <a:rPr lang="en-AU" sz="2200" dirty="0">
-                <a:ln>
-                  <a:solidFill>
-                    <a:schemeClr val="bg1">
-                      <a:lumMod val="75000"/>
-                      <a:lumOff val="25000"/>
-                      <a:alpha val="10000"/>
-                    </a:schemeClr>
-                  </a:solidFill>
-                </a:ln>
-                <a:solidFill>
-                  <a:schemeClr val="tx2"/>
-                </a:solidFill>
-                <a:effectLst>
-                  <a:outerShdw blurRad="9525" dist="25400" dir="14640000" algn="tl" rotWithShape="0">
-                    <a:schemeClr val="bg1">
-                      <a:alpha val="30000"/>
-                    </a:schemeClr>
-                  </a:outerShdw>
-                </a:effectLst>
-              </a:rPr>
-              <a:t>- /home</a:t>
-            </a:r>
-          </a:p>
-          <a:p>
-            <a:pPr marL="228600" fontAlgn="base"/>
-            <a:r>
-              <a:rPr lang="en-AU" sz="2200" dirty="0">
-                <a:ln>
-                  <a:solidFill>
-                    <a:schemeClr val="bg1">
-                      <a:lumMod val="75000"/>
-                      <a:lumOff val="25000"/>
-                      <a:alpha val="10000"/>
-                    </a:schemeClr>
-                  </a:solidFill>
-                </a:ln>
-                <a:solidFill>
-                  <a:schemeClr val="tx2"/>
-                </a:solidFill>
-                <a:effectLst>
-                  <a:outerShdw blurRad="9525" dist="25400" dir="14640000" algn="tl" rotWithShape="0">
-                    <a:schemeClr val="bg1">
-                      <a:alpha val="30000"/>
-                    </a:schemeClr>
-                  </a:outerShdw>
-                </a:effectLst>
-              </a:rPr>
-              <a:t>- /</a:t>
-            </a:r>
-            <a:r>
-              <a:rPr lang="en-AU" sz="2200" dirty="0" err="1">
-                <a:ln>
-                  <a:solidFill>
-                    <a:schemeClr val="bg1">
-                      <a:lumMod val="75000"/>
-                      <a:lumOff val="25000"/>
-                      <a:alpha val="10000"/>
-                    </a:schemeClr>
-                  </a:solidFill>
-                </a:ln>
-                <a:solidFill>
-                  <a:schemeClr val="tx2"/>
-                </a:solidFill>
-                <a:effectLst>
-                  <a:outerShdw blurRad="9525" dist="25400" dir="14640000" algn="tl" rotWithShape="0">
-                    <a:schemeClr val="bg1">
-                      <a:alpha val="30000"/>
-                    </a:schemeClr>
-                  </a:outerShdw>
-                </a:effectLst>
-              </a:rPr>
-              <a:t>mnt</a:t>
-            </a:r>
-            <a:endParaRPr lang="en-AU" sz="2200" dirty="0">
-              <a:ln>
-                <a:solidFill>
-                  <a:schemeClr val="bg1">
-                    <a:lumMod val="75000"/>
-                    <a:lumOff val="25000"/>
-                    <a:alpha val="10000"/>
-                  </a:schemeClr>
-                </a:solidFill>
-              </a:ln>
-              <a:solidFill>
-                <a:schemeClr val="tx2"/>
-              </a:solidFill>
-              <a:effectLst>
-                <a:outerShdw blurRad="9525" dist="25400" dir="14640000" algn="tl" rotWithShape="0">
-                  <a:schemeClr val="bg1">
-                    <a:alpha val="30000"/>
-                  </a:schemeClr>
-                </a:outerShdw>
-              </a:effectLst>
-            </a:endParaRPr>
-          </a:p>
-          <a:p>
-            <a:pPr marL="228600" fontAlgn="base"/>
-            <a:r>
-              <a:rPr lang="en-AU" sz="2200" dirty="0">
-                <a:ln>
-                  <a:solidFill>
-                    <a:schemeClr val="bg1">
-                      <a:lumMod val="75000"/>
-                      <a:lumOff val="25000"/>
-                      <a:alpha val="10000"/>
-                    </a:schemeClr>
-                  </a:solidFill>
-                </a:ln>
-                <a:solidFill>
-                  <a:schemeClr val="tx2"/>
-                </a:solidFill>
-                <a:effectLst>
-                  <a:outerShdw blurRad="9525" dist="25400" dir="14640000" algn="tl" rotWithShape="0">
-                    <a:schemeClr val="bg1">
-                      <a:alpha val="30000"/>
-                    </a:schemeClr>
-                  </a:outerShdw>
-                </a:effectLst>
-              </a:rPr>
-              <a:t>- /</a:t>
-            </a:r>
-            <a:r>
-              <a:rPr lang="en-AU" sz="2200" dirty="0" err="1">
-                <a:ln>
-                  <a:solidFill>
-                    <a:schemeClr val="bg1">
-                      <a:lumMod val="75000"/>
-                      <a:lumOff val="25000"/>
-                      <a:alpha val="10000"/>
-                    </a:schemeClr>
-                  </a:solidFill>
-                </a:ln>
-                <a:solidFill>
-                  <a:schemeClr val="tx2"/>
-                </a:solidFill>
-                <a:effectLst>
-                  <a:outerShdw blurRad="9525" dist="25400" dir="14640000" algn="tl" rotWithShape="0">
-                    <a:schemeClr val="bg1">
-                      <a:alpha val="30000"/>
-                    </a:schemeClr>
-                  </a:outerShdw>
-                </a:effectLst>
-              </a:rPr>
-              <a:t>usr</a:t>
-            </a:r>
-            <a:r>
-              <a:rPr lang="en-AU" sz="2200" dirty="0">
-                <a:ln>
-                  <a:solidFill>
-                    <a:schemeClr val="bg1">
-                      <a:lumMod val="75000"/>
-                      <a:lumOff val="25000"/>
-                      <a:alpha val="10000"/>
-                    </a:schemeClr>
-                  </a:solidFill>
-                </a:ln>
-                <a:solidFill>
-                  <a:schemeClr val="tx2"/>
-                </a:solidFill>
-                <a:effectLst>
-                  <a:outerShdw blurRad="9525" dist="25400" dir="14640000" algn="tl" rotWithShape="0">
-                    <a:schemeClr val="bg1">
-                      <a:alpha val="30000"/>
-                    </a:schemeClr>
-                  </a:outerShdw>
-                </a:effectLst>
-              </a:rPr>
-              <a:t>/local</a:t>
-            </a:r>
-          </a:p>
-          <a:p>
-            <a:pPr marL="228600" fontAlgn="base"/>
-            <a:r>
-              <a:rPr lang="en-AU" sz="2200" dirty="0">
-                <a:ln>
-                  <a:solidFill>
-                    <a:schemeClr val="bg1">
-                      <a:lumMod val="75000"/>
-                      <a:lumOff val="25000"/>
-                      <a:alpha val="10000"/>
-                    </a:schemeClr>
-                  </a:solidFill>
-                </a:ln>
-                <a:solidFill>
-                  <a:schemeClr val="tx2"/>
-                </a:solidFill>
-                <a:effectLst>
-                  <a:outerShdw blurRad="9525" dist="25400" dir="14640000" algn="tl" rotWithShape="0">
-                    <a:schemeClr val="bg1">
-                      <a:alpha val="30000"/>
-                    </a:schemeClr>
-                  </a:outerShdw>
-                </a:effectLst>
-              </a:rPr>
-              <a:t>- /opt</a:t>
-            </a:r>
-          </a:p>
-          <a:p>
-            <a:pPr fontAlgn="base"/>
-            <a:r>
-              <a:rPr lang="en-AU" sz="2200" dirty="0">
-                <a:ln>
-                  <a:solidFill>
-                    <a:schemeClr val="bg1">
-                      <a:lumMod val="75000"/>
-                      <a:lumOff val="25000"/>
-                      <a:alpha val="10000"/>
-                    </a:schemeClr>
-                  </a:solidFill>
-                </a:ln>
-                <a:solidFill>
-                  <a:srgbClr val="FF0000"/>
-                </a:solidFill>
-                <a:effectLst>
-                  <a:outerShdw blurRad="9525" dist="25400" dir="14640000" algn="tl" rotWithShape="0">
-                    <a:schemeClr val="bg1">
-                      <a:alpha val="30000"/>
-                    </a:schemeClr>
-                  </a:outerShdw>
-                </a:effectLst>
-              </a:rPr>
-              <a:t>c) </a:t>
-            </a:r>
-            <a:r>
-              <a:rPr lang="en-AU" sz="2200" dirty="0">
-                <a:ln>
-                  <a:solidFill>
-                    <a:schemeClr val="bg1">
-                      <a:lumMod val="75000"/>
-                      <a:lumOff val="25000"/>
-                      <a:alpha val="10000"/>
-                    </a:schemeClr>
-                  </a:solidFill>
-                </a:ln>
-                <a:solidFill>
-                  <a:schemeClr val="tx2"/>
-                </a:solidFill>
-                <a:effectLst>
-                  <a:outerShdw blurRad="9525" dist="25400" dir="14640000" algn="tl" rotWithShape="0">
-                    <a:schemeClr val="bg1">
-                      <a:alpha val="30000"/>
-                    </a:schemeClr>
-                  </a:outerShdw>
-                </a:effectLst>
-              </a:rPr>
-              <a:t>[2 marks] Write a command to find all files that start with the string "host" (e.g., host123.txt, </a:t>
-            </a:r>
-            <a:r>
-              <a:rPr lang="en-AU" sz="2200" dirty="0" err="1">
-                <a:ln>
-                  <a:solidFill>
-                    <a:schemeClr val="bg1">
-                      <a:lumMod val="75000"/>
-                      <a:lumOff val="25000"/>
-                      <a:alpha val="10000"/>
-                    </a:schemeClr>
-                  </a:solidFill>
-                </a:ln>
-                <a:solidFill>
-                  <a:schemeClr val="tx2"/>
-                </a:solidFill>
-                <a:effectLst>
-                  <a:outerShdw blurRad="9525" dist="25400" dir="14640000" algn="tl" rotWithShape="0">
-                    <a:schemeClr val="bg1">
-                      <a:alpha val="30000"/>
-                    </a:schemeClr>
-                  </a:outerShdw>
-                </a:effectLst>
-              </a:rPr>
-              <a:t>host_cmd.conf</a:t>
-            </a:r>
-            <a:r>
-              <a:rPr lang="en-AU" sz="2200" dirty="0">
-                <a:ln>
-                  <a:solidFill>
-                    <a:schemeClr val="bg1">
-                      <a:lumMod val="75000"/>
-                      <a:lumOff val="25000"/>
-                      <a:alpha val="10000"/>
-                    </a:schemeClr>
-                  </a:solidFill>
-                </a:ln>
-                <a:solidFill>
-                  <a:schemeClr val="tx2"/>
-                </a:solidFill>
-                <a:effectLst>
-                  <a:outerShdw blurRad="9525" dist="25400" dir="14640000" algn="tl" rotWithShape="0">
-                    <a:schemeClr val="bg1">
-                      <a:alpha val="30000"/>
-                    </a:schemeClr>
-                  </a:outerShdw>
-                </a:effectLst>
-              </a:rPr>
-              <a:t>, hostname, etc.) located in the currently logged-in user’s home directory.</a:t>
-            </a:r>
-          </a:p>
-          <a:p>
-            <a:pPr fontAlgn="base"/>
-            <a:r>
-              <a:rPr lang="en-AU" sz="2200" dirty="0">
-                <a:ln>
-                  <a:solidFill>
-                    <a:schemeClr val="bg1">
-                      <a:lumMod val="75000"/>
-                      <a:lumOff val="25000"/>
-                      <a:alpha val="10000"/>
-                    </a:schemeClr>
-                  </a:solidFill>
-                </a:ln>
-                <a:solidFill>
-                  <a:srgbClr val="FF0000"/>
-                </a:solidFill>
-                <a:effectLst>
-                  <a:outerShdw blurRad="9525" dist="25400" dir="14640000" algn="tl" rotWithShape="0">
-                    <a:schemeClr val="bg1">
-                      <a:alpha val="30000"/>
-                    </a:schemeClr>
-                  </a:outerShdw>
-                </a:effectLst>
-              </a:rPr>
-              <a:t>d)</a:t>
-            </a:r>
-            <a:r>
-              <a:rPr lang="en-AU" sz="2200" dirty="0">
-                <a:ln>
-                  <a:solidFill>
-                    <a:schemeClr val="bg1">
-                      <a:lumMod val="75000"/>
-                      <a:lumOff val="25000"/>
-                      <a:alpha val="10000"/>
-                    </a:schemeClr>
-                  </a:solidFill>
-                </a:ln>
-                <a:solidFill>
-                  <a:schemeClr val="tx2"/>
-                </a:solidFill>
-                <a:effectLst>
-                  <a:outerShdw blurRad="9525" dist="25400" dir="14640000" algn="tl" rotWithShape="0">
-                    <a:schemeClr val="bg1">
-                      <a:alpha val="30000"/>
-                    </a:schemeClr>
-                  </a:outerShdw>
-                </a:effectLst>
-              </a:rPr>
-              <a:t> [4 marks] You are provided with a permission string as follows: -</a:t>
-            </a:r>
-            <a:r>
-              <a:rPr lang="en-AU" sz="2200" dirty="0" err="1">
-                <a:ln>
-                  <a:solidFill>
-                    <a:schemeClr val="bg1">
-                      <a:lumMod val="75000"/>
-                      <a:lumOff val="25000"/>
-                      <a:alpha val="10000"/>
-                    </a:schemeClr>
-                  </a:solidFill>
-                </a:ln>
-                <a:solidFill>
-                  <a:schemeClr val="tx2"/>
-                </a:solidFill>
-                <a:effectLst>
-                  <a:outerShdw blurRad="9525" dist="25400" dir="14640000" algn="tl" rotWithShape="0">
-                    <a:schemeClr val="bg1">
-                      <a:alpha val="30000"/>
-                    </a:schemeClr>
-                  </a:outerShdw>
-                </a:effectLst>
-              </a:rPr>
-              <a:t>rwxrw</a:t>
-            </a:r>
-            <a:r>
-              <a:rPr lang="en-AU" sz="2200" dirty="0">
-                <a:ln>
-                  <a:solidFill>
-                    <a:schemeClr val="bg1">
-                      <a:lumMod val="75000"/>
-                      <a:lumOff val="25000"/>
-                      <a:alpha val="10000"/>
-                    </a:schemeClr>
-                  </a:solidFill>
-                </a:ln>
-                <a:solidFill>
-                  <a:schemeClr val="tx2"/>
-                </a:solidFill>
-                <a:effectLst>
-                  <a:outerShdw blurRad="9525" dist="25400" dir="14640000" algn="tl" rotWithShape="0">
-                    <a:schemeClr val="bg1">
-                      <a:alpha val="30000"/>
-                    </a:schemeClr>
-                  </a:outerShdw>
-                </a:effectLst>
-              </a:rPr>
-              <a:t>-r--</a:t>
-            </a:r>
-          </a:p>
-          <a:p>
-            <a:pPr fontAlgn="base"/>
-            <a:r>
-              <a:rPr lang="en-AU" sz="2200" dirty="0">
-                <a:ln>
-                  <a:solidFill>
-                    <a:schemeClr val="bg1">
-                      <a:lumMod val="75000"/>
-                      <a:lumOff val="25000"/>
-                      <a:alpha val="10000"/>
-                    </a:schemeClr>
-                  </a:solidFill>
-                </a:ln>
-                <a:solidFill>
-                  <a:schemeClr val="tx2"/>
-                </a:solidFill>
-                <a:effectLst>
-                  <a:outerShdw blurRad="9525" dist="25400" dir="14640000" algn="tl" rotWithShape="0">
-                    <a:schemeClr val="bg1">
-                      <a:alpha val="30000"/>
-                    </a:schemeClr>
-                  </a:outerShdw>
-                </a:effectLst>
-              </a:rPr>
-              <a:t>What does it mean? </a:t>
-            </a:r>
-          </a:p>
         </p:txBody>
       </p:sp>
     </p:spTree>
     <p:extLst>
       <p:ext uri="{BB962C8B-B14F-4D97-AF65-F5344CB8AC3E}">
-        <p14:creationId xmlns:p14="http://schemas.microsoft.com/office/powerpoint/2010/main" val="182683393"/>
+        <p14:creationId xmlns:p14="http://schemas.microsoft.com/office/powerpoint/2010/main" val="3392029162"/>
       </p:ext>
     </p:extLst>
   </p:cSld>
@@ -13225,7 +13212,7 @@
         <p:spPr>
           <a:xfrm>
             <a:off x="381779" y="1295400"/>
-            <a:ext cx="11039907" cy="2246769"/>
+            <a:ext cx="11439160" cy="4401205"/>
           </a:xfrm>
           <a:prstGeom prst="rect">
             <a:avLst/>
@@ -13336,12 +13323,130 @@
               </a:effectLst>
             </a:endParaRPr>
           </a:p>
+          <a:p>
+            <a:pPr marL="342900" lvl="0" indent="-342900" fontAlgn="base">
+              <a:buFont typeface="Symbol" panose="05050102010706020507" pitchFamily="18" charset="2"/>
+              <a:buChar char=""/>
+            </a:pPr>
+            <a:r>
+              <a:rPr lang="en-US" sz="2800" dirty="0">
+                <a:solidFill>
+                  <a:srgbClr val="FF0000"/>
+                </a:solidFill>
+                <a:ea typeface="Times New Roman" panose="02020603050405020304" pitchFamily="18" charset="0"/>
+              </a:rPr>
+              <a:t>[2 marks] </a:t>
+            </a:r>
+            <a:r>
+              <a:rPr lang="en-AU" sz="2800" dirty="0">
+                <a:solidFill>
+                  <a:srgbClr val="FF0000"/>
+                </a:solidFill>
+                <a:effectLst/>
+                <a:ea typeface="Times New Roman" panose="02020603050405020304" pitchFamily="18" charset="0"/>
+              </a:rPr>
+              <a:t>Removing files: rm –rf *</a:t>
+            </a:r>
+            <a:endParaRPr lang="en-AU" sz="2800" dirty="0">
+              <a:effectLst/>
+              <a:ea typeface="Times New Roman" panose="02020603050405020304" pitchFamily="18" charset="0"/>
+            </a:endParaRPr>
+          </a:p>
+          <a:p>
+            <a:pPr marL="342900" lvl="0" indent="-342900" fontAlgn="base">
+              <a:buFont typeface="Symbol" panose="05050102010706020507" pitchFamily="18" charset="2"/>
+              <a:buChar char=""/>
+            </a:pPr>
+            <a:r>
+              <a:rPr lang="en-AU" sz="2800" dirty="0">
+                <a:solidFill>
+                  <a:srgbClr val="FF0000"/>
+                </a:solidFill>
+                <a:effectLst/>
+                <a:ea typeface="Times New Roman" panose="02020603050405020304" pitchFamily="18" charset="0"/>
+              </a:rPr>
+              <a:t>[2 marks] Discovering user groups/passwords and escalate a user’s permission: cat /etc/passwd; </a:t>
+            </a:r>
+            <a:r>
+              <a:rPr lang="en-AU" sz="2800" dirty="0" err="1">
+                <a:solidFill>
+                  <a:srgbClr val="FF0000"/>
+                </a:solidFill>
+                <a:effectLst/>
+                <a:ea typeface="Times New Roman" panose="02020603050405020304" pitchFamily="18" charset="0"/>
+              </a:rPr>
+              <a:t>usermod</a:t>
+            </a:r>
+            <a:r>
+              <a:rPr lang="en-AU" sz="2800" dirty="0">
+                <a:solidFill>
+                  <a:srgbClr val="FF0000"/>
+                </a:solidFill>
+                <a:effectLst/>
+                <a:ea typeface="Times New Roman" panose="02020603050405020304" pitchFamily="18" charset="0"/>
+              </a:rPr>
+              <a:t> –u 0 Alice (Alice is a regular user)</a:t>
+            </a:r>
+            <a:endParaRPr lang="en-AU" sz="2800" dirty="0">
+              <a:effectLst/>
+              <a:ea typeface="Times New Roman" panose="02020603050405020304" pitchFamily="18" charset="0"/>
+            </a:endParaRPr>
+          </a:p>
+          <a:p>
+            <a:pPr marL="342900" lvl="0" indent="-342900" fontAlgn="base">
+              <a:buFont typeface="Symbol" panose="05050102010706020507" pitchFamily="18" charset="2"/>
+              <a:buChar char=""/>
+            </a:pPr>
+            <a:r>
+              <a:rPr lang="en-AU" sz="2800" dirty="0">
+                <a:solidFill>
+                  <a:srgbClr val="FF0000"/>
+                </a:solidFill>
+                <a:effectLst/>
+                <a:ea typeface="Times New Roman" panose="02020603050405020304" pitchFamily="18" charset="0"/>
+              </a:rPr>
+              <a:t>[2 marks] </a:t>
+            </a:r>
+            <a:r>
+              <a:rPr lang="en-AU" sz="2800" dirty="0">
+                <a:solidFill>
+                  <a:srgbClr val="FF0000"/>
+                </a:solidFill>
+                <a:ea typeface="Times New Roman" panose="02020603050405020304" pitchFamily="18" charset="0"/>
+              </a:rPr>
+              <a:t>Running a malicious </a:t>
+            </a:r>
+            <a:r>
+              <a:rPr lang="en-AU" sz="2800" dirty="0">
+                <a:solidFill>
+                  <a:srgbClr val="FF0000"/>
+                </a:solidFill>
+                <a:effectLst/>
+                <a:ea typeface="Times New Roman" panose="02020603050405020304" pitchFamily="18" charset="0"/>
+              </a:rPr>
+              <a:t>docker container: docker -run -it –rm </a:t>
+            </a:r>
+            <a:r>
+              <a:rPr lang="en-AU" sz="2800" dirty="0" err="1">
+                <a:solidFill>
+                  <a:srgbClr val="FF0000"/>
+                </a:solidFill>
+                <a:effectLst/>
+                <a:ea typeface="Times New Roman" panose="02020603050405020304" pitchFamily="18" charset="0"/>
+              </a:rPr>
+              <a:t>a_malicious_container</a:t>
+            </a:r>
+            <a:endParaRPr lang="en-AU" sz="2800" dirty="0">
+              <a:effectLst/>
+              <a:ea typeface="Times New Roman" panose="02020603050405020304" pitchFamily="18" charset="0"/>
+            </a:endParaRPr>
+          </a:p>
         </p:txBody>
       </p:sp>
     </p:spTree>
     <p:extLst>
       <p:ext uri="{BB962C8B-B14F-4D97-AF65-F5344CB8AC3E}">
-        <p14:creationId xmlns:p14="http://schemas.microsoft.com/office/powerpoint/2010/main" val="3392029162"/>
+        <p14:creationId xmlns:p14="http://schemas.microsoft.com/office/powerpoint/2010/main" val="214179768"/>
       </p:ext>
     </p:extLst>
   </p:cSld>
@@ -13386,8 +13491,8 @@
         </p:nvSpPr>
         <p:spPr>
           <a:xfrm>
-            <a:off x="913795" y="38100"/>
-            <a:ext cx="10353762" cy="1257300"/>
+            <a:off x="1087037" y="231905"/>
+            <a:ext cx="10353762" cy="702350"/>
           </a:xfrm>
         </p:spPr>
         <p:txBody>
@@ -13415,8 +13520,8 @@
         </p:nvSpPr>
         <p:spPr>
           <a:xfrm>
-            <a:off x="381779" y="1295400"/>
-            <a:ext cx="11439160" cy="4401205"/>
+            <a:off x="924443" y="1226198"/>
+            <a:ext cx="9821487" cy="2677656"/>
           </a:xfrm>
           <a:prstGeom prst="rect">
             <a:avLst/>
@@ -13452,7 +13557,61 @@
                   </a:outerShdw>
                 </a:effectLst>
               </a:rPr>
-              <a:t>a) [4 marks] Describe some malicious actions that an attacker with root permissions gained through privilege escalation can perform. Include the associated </a:t>
+              <a:t>b) [4 marks] What do these directories contain?</a:t>
+            </a:r>
+          </a:p>
+          <a:p>
+            <a:pPr marL="228600" fontAlgn="base"/>
+            <a:r>
+              <a:rPr lang="en-AU" sz="2800" dirty="0">
+                <a:ln>
+                  <a:solidFill>
+                    <a:schemeClr val="bg1">
+                      <a:lumMod val="75000"/>
+                      <a:lumOff val="25000"/>
+                      <a:alpha val="10000"/>
+                    </a:schemeClr>
+                  </a:solidFill>
+                </a:ln>
+                <a:solidFill>
+                  <a:schemeClr val="tx2"/>
+                </a:solidFill>
+                <a:effectLst>
+                  <a:outerShdw blurRad="9525" dist="25400" dir="14640000" algn="tl" rotWithShape="0">
+                    <a:schemeClr val="bg1">
+                      <a:alpha val="30000"/>
+                    </a:schemeClr>
+                  </a:outerShdw>
+                </a:effectLst>
+              </a:rPr>
+              <a:t>- /home</a:t>
+            </a:r>
+          </a:p>
+          <a:p>
+            <a:pPr marL="228600" fontAlgn="base"/>
+            <a:r>
+              <a:rPr lang="en-AU" sz="2800" dirty="0">
+                <a:ln>
+                  <a:solidFill>
+                    <a:schemeClr val="bg1">
+                      <a:lumMod val="75000"/>
+                      <a:lumOff val="25000"/>
+                      <a:alpha val="10000"/>
+                    </a:schemeClr>
+                  </a:solidFill>
+                </a:ln>
+                <a:solidFill>
+                  <a:schemeClr val="tx2"/>
+                </a:solidFill>
+                <a:effectLst>
+                  <a:outerShdw blurRad="9525" dist="25400" dir="14640000" algn="tl" rotWithShape="0">
+                    <a:schemeClr val="bg1">
+                      <a:alpha val="30000"/>
+                    </a:schemeClr>
+                  </a:outerShdw>
+                </a:effectLst>
+              </a:rPr>
+              <a:t>- /</a:t>
             </a:r>
             <a:r>
               <a:rPr lang="en-AU" sz="2800" dirty="0" err="1">
@@ -13476,35 +13635,8 @@
                   </a:outerShdw>
                 </a:effectLst>
               </a:rPr>
-              <a:t>linux</a:t>
-            </a:r>
-            <a:r>
-              <a:rPr lang="en-AU" sz="2800" dirty="0">
-                <a:ln>
-                  <a:solidFill>
-                    <a:schemeClr val="bg1">
-                      <a:lumMod val="75000"/>
-                      <a:lumOff val="25000"/>
-                      <a:alpha val="10000"/>
-                    </a:schemeClr>
-                  </a:solidFill>
-                </a:ln>
-                <a:solidFill>
-                  <a:schemeClr val="tx2"/>
-                </a:solidFill>
-                <a:effectLst>
-                  <a:outerShdw blurRad="9525" dist="25400" dir="14640000" algn="tl" rotWithShape="0">
-                    <a:schemeClr val="bg1">
-                      <a:alpha val="30000"/>
-                    </a:schemeClr>
-                  </a:outerShdw>
-                </a:effectLst>
-              </a:rPr>
-              <a:t> commands for each action, or the commands at each step of the action.</a:t>
-            </a:r>
-          </a:p>
-          <a:p>
-            <a:pPr fontAlgn="base"/>
+              <a:t>mnt</a:t>
+            </a:r>
             <a:endParaRPr lang="en-AU" sz="2800" dirty="0">
               <a:ln>
                 <a:solidFill>
@@ -13528,121 +13660,129 @@
             </a:endParaRPr>
           </a:p>
           <a:p>
-            <a:pPr marL="342900" lvl="0" indent="-342900" fontAlgn="base">
-              <a:buFont typeface="Symbol" panose="05050102010706020507" pitchFamily="18" charset="2"/>
-              <a:buChar char=""/>
-            </a:pPr>
-            <a:r>
-              <a:rPr lang="en-US" sz="2800" dirty="0">
-                <a:solidFill>
-                  <a:srgbClr val="FF0000"/>
-                </a:solidFill>
-                <a:ea typeface="Times New Roman" panose="02020603050405020304" pitchFamily="18" charset="0"/>
+            <a:pPr marL="228600" fontAlgn="base"/>
+            <a:r>
+              <a:rPr lang="en-AU" sz="2800" dirty="0">
+                <a:ln>
+                  <a:solidFill>
+                    <a:schemeClr val="bg1">
+                      <a:lumMod val="75000"/>
+                      <a:lumOff val="25000"/>
+                      <a:alpha val="10000"/>
+                    </a:schemeClr>
+                  </a:solidFill>
+                </a:ln>
+                <a:solidFill>
+                  <a:schemeClr val="tx2"/>
+                </a:solidFill>
+                <a:effectLst>
+                  <a:outerShdw blurRad="9525" dist="25400" dir="14640000" algn="tl" rotWithShape="0">
+                    <a:schemeClr val="bg1">
+                      <a:alpha val="30000"/>
+                    </a:schemeClr>
+                  </a:outerShdw>
+                </a:effectLst>
               </a:rPr>
-              <a:t>[2 marks] </a:t>
+              <a:t>- /</a:t>
+            </a:r>
+            <a:r>
+              <a:rPr lang="en-AU" sz="2800" dirty="0" err="1">
+                <a:ln>
+                  <a:solidFill>
+                    <a:schemeClr val="bg1">
+                      <a:lumMod val="75000"/>
+                      <a:lumOff val="25000"/>
+                      <a:alpha val="10000"/>
+                    </a:schemeClr>
+                  </a:solidFill>
+                </a:ln>
+                <a:solidFill>
+                  <a:schemeClr val="tx2"/>
+                </a:solidFill>
+                <a:effectLst>
+                  <a:outerShdw blurRad="9525" dist="25400" dir="14640000" algn="tl" rotWithShape="0">
+                    <a:schemeClr val="bg1">
+                      <a:alpha val="30000"/>
+                    </a:schemeClr>
+                  </a:outerShdw>
+                </a:effectLst>
+              </a:rPr>
+              <a:t>usr</a:t>
             </a:r>
             <a:r>
               <a:rPr lang="en-AU" sz="2800" dirty="0">
-                <a:solidFill>
-                  <a:srgbClr val="FF0000"/>
-                </a:solidFill>
-                <a:effectLst/>
-                <a:ea typeface="Times New Roman" panose="02020603050405020304" pitchFamily="18" charset="0"/>
+                <a:ln>
+                  <a:solidFill>
+                    <a:schemeClr val="bg1">
+                      <a:lumMod val="75000"/>
+                      <a:lumOff val="25000"/>
+                      <a:alpha val="10000"/>
+                    </a:schemeClr>
+                  </a:solidFill>
+                </a:ln>
+                <a:solidFill>
+                  <a:schemeClr val="tx2"/>
+                </a:solidFill>
+                <a:effectLst>
+                  <a:outerShdw blurRad="9525" dist="25400" dir="14640000" algn="tl" rotWithShape="0">
+                    <a:schemeClr val="bg1">
+                      <a:alpha val="30000"/>
+                    </a:schemeClr>
+                  </a:outerShdw>
+                </a:effectLst>
               </a:rPr>
-              <a:t>Removing files: rm –rf *</a:t>
-            </a:r>
+              <a:t>/local</a:t>
+            </a:r>
+          </a:p>
+          <a:p>
+            <a:pPr marL="228600" fontAlgn="base"/>
+            <a:r>
+              <a:rPr lang="en-AU" sz="2800" dirty="0">
+                <a:ln>
+                  <a:solidFill>
+                    <a:schemeClr val="bg1">
+                      <a:lumMod val="75000"/>
+                      <a:lumOff val="25000"/>
+                      <a:alpha val="10000"/>
+                    </a:schemeClr>
+                  </a:solidFill>
+                </a:ln>
+                <a:solidFill>
+                  <a:schemeClr val="tx2"/>
+                </a:solidFill>
+                <a:effectLst>
+                  <a:outerShdw blurRad="9525" dist="25400" dir="14640000" algn="tl" rotWithShape="0">
+                    <a:schemeClr val="bg1">
+                      <a:alpha val="30000"/>
+                    </a:schemeClr>
+                  </a:outerShdw>
+                </a:effectLst>
+              </a:rPr>
+              <a:t>- /opt</a:t>
+            </a:r>
+          </a:p>
+          <a:p>
+            <a:pPr marL="228600" fontAlgn="base"/>
             <a:endParaRPr lang="en-AU" sz="2800" dirty="0">
-              <a:effectLst/>
-              <a:ea typeface="Times New Roman" panose="02020603050405020304" pitchFamily="18" charset="0"/>
-            </a:endParaRPr>
-          </a:p>
-          <a:p>
-            <a:pPr marL="342900" lvl="0" indent="-342900" fontAlgn="base">
-              <a:buFont typeface="Symbol" panose="05050102010706020507" pitchFamily="18" charset="2"/>
-              <a:buChar char=""/>
-            </a:pPr>
-            <a:r>
-              <a:rPr lang="en-AU" sz="2800" dirty="0">
-                <a:solidFill>
-                  <a:srgbClr val="FF0000"/>
-                </a:solidFill>
-                <a:effectLst/>
-                <a:ea typeface="Times New Roman" panose="02020603050405020304" pitchFamily="18" charset="0"/>
-              </a:rPr>
-              <a:t>[2 marks] Discovering user groups/passwords and escalate a user’s permission: cat /etc/passwd; </a:t>
-            </a:r>
-            <a:r>
-              <a:rPr lang="en-AU" sz="2800" dirty="0" err="1">
-                <a:solidFill>
-                  <a:srgbClr val="FF0000"/>
-                </a:solidFill>
-                <a:effectLst/>
-                <a:ea typeface="Times New Roman" panose="02020603050405020304" pitchFamily="18" charset="0"/>
-              </a:rPr>
-              <a:t>usermod</a:t>
-            </a:r>
-            <a:r>
-              <a:rPr lang="en-AU" sz="2800" dirty="0">
-                <a:solidFill>
-                  <a:srgbClr val="FF0000"/>
-                </a:solidFill>
-                <a:effectLst/>
-                <a:ea typeface="Times New Roman" panose="02020603050405020304" pitchFamily="18" charset="0"/>
-              </a:rPr>
-              <a:t> –u 0 Alice (Alice is a regular user)</a:t>
-            </a:r>
-            <a:endParaRPr lang="en-AU" sz="2800" dirty="0">
-              <a:effectLst/>
-              <a:ea typeface="Times New Roman" panose="02020603050405020304" pitchFamily="18" charset="0"/>
-            </a:endParaRPr>
-          </a:p>
-          <a:p>
-            <a:pPr marL="342900" lvl="0" indent="-342900" fontAlgn="base">
-              <a:buFont typeface="Symbol" panose="05050102010706020507" pitchFamily="18" charset="2"/>
-              <a:buChar char=""/>
-            </a:pPr>
-            <a:r>
-              <a:rPr lang="en-AU" sz="2800" dirty="0">
-                <a:solidFill>
-                  <a:srgbClr val="FF0000"/>
-                </a:solidFill>
-                <a:effectLst/>
-                <a:ea typeface="Times New Roman" panose="02020603050405020304" pitchFamily="18" charset="0"/>
-              </a:rPr>
-              <a:t>[2 marks] </a:t>
-            </a:r>
-            <a:r>
-              <a:rPr lang="en-AU" sz="2800" dirty="0">
-                <a:solidFill>
-                  <a:srgbClr val="FF0000"/>
-                </a:solidFill>
-                <a:ea typeface="Times New Roman" panose="02020603050405020304" pitchFamily="18" charset="0"/>
-              </a:rPr>
-              <a:t>Running a malicious </a:t>
-            </a:r>
-            <a:r>
-              <a:rPr lang="en-AU" sz="2800" dirty="0">
-                <a:solidFill>
-                  <a:srgbClr val="FF0000"/>
-                </a:solidFill>
-                <a:effectLst/>
-                <a:ea typeface="Times New Roman" panose="02020603050405020304" pitchFamily="18" charset="0"/>
-              </a:rPr>
-              <a:t>docker container: docker -run -it –rm </a:t>
-            </a:r>
-            <a:r>
-              <a:rPr lang="en-AU" sz="2800" dirty="0" err="1">
-                <a:solidFill>
-                  <a:srgbClr val="FF0000"/>
-                </a:solidFill>
-                <a:effectLst/>
-                <a:ea typeface="Times New Roman" panose="02020603050405020304" pitchFamily="18" charset="0"/>
-              </a:rPr>
-              <a:t>a_malicious_container</a:t>
-            </a:r>
-            <a:endParaRPr lang="en-AU" sz="2800" dirty="0">
-              <a:effectLst/>
-              <a:ea typeface="Times New Roman" panose="02020603050405020304" pitchFamily="18" charset="0"/>
+              <a:ln>
+                <a:solidFill>
+                  <a:schemeClr val="bg1">
+                    <a:lumMod val="75000"/>
+                    <a:lumOff val="25000"/>
+                    <a:alpha val="10000"/>
+                  </a:schemeClr>
+                </a:solidFill>
+              </a:ln>
+              <a:solidFill>
+                <a:schemeClr val="tx2"/>
+              </a:solidFill>
+              <a:effectLst>
+                <a:outerShdw blurRad="9525" dist="25400" dir="14640000" algn="tl" rotWithShape="0">
+                  <a:schemeClr val="bg1">
+                    <a:alpha val="30000"/>
+                  </a:schemeClr>
+                </a:outerShdw>
+              </a:effectLst>
             </a:endParaRPr>
           </a:p>
         </p:txBody>
@@ -13650,7 +13790,7 @@
     </p:spTree>
     <p:extLst>
       <p:ext uri="{BB962C8B-B14F-4D97-AF65-F5344CB8AC3E}">
-        <p14:creationId xmlns:p14="http://schemas.microsoft.com/office/powerpoint/2010/main" val="214179768"/>
+        <p14:creationId xmlns:p14="http://schemas.microsoft.com/office/powerpoint/2010/main" val="3890419788"/>
       </p:ext>
     </p:extLst>
   </p:cSld>
@@ -13695,7 +13835,7 @@
         </p:nvSpPr>
         <p:spPr>
           <a:xfrm>
-            <a:off x="1087037" y="231905"/>
+            <a:off x="919119" y="351175"/>
             <a:ext cx="10353762" cy="702350"/>
           </a:xfrm>
         </p:spPr>
@@ -13725,7 +13865,7 @@
         <p:spPr>
           <a:xfrm>
             <a:off x="924443" y="1226198"/>
-            <a:ext cx="9821487" cy="2677656"/>
+            <a:ext cx="9821487" cy="4401205"/>
           </a:xfrm>
           <a:prstGeom prst="rect">
             <a:avLst/>
@@ -13989,12 +14129,104 @@
               </a:effectLst>
             </a:endParaRPr>
           </a:p>
+          <a:p>
+            <a:pPr marL="342900" lvl="0" indent="-342900" fontAlgn="base">
+              <a:buFont typeface="Symbol" panose="05050102010706020507" pitchFamily="18" charset="2"/>
+              <a:buChar char=""/>
+            </a:pPr>
+            <a:r>
+              <a:rPr lang="en-US" sz="2800" dirty="0">
+                <a:solidFill>
+                  <a:srgbClr val="FF0000"/>
+                </a:solidFill>
+                <a:ea typeface="Times New Roman" panose="02020603050405020304" pitchFamily="18" charset="0"/>
+              </a:rPr>
+              <a:t>[1 mark] </a:t>
+            </a:r>
+            <a:r>
+              <a:rPr lang="en-AU" sz="2800" dirty="0">
+                <a:solidFill>
+                  <a:srgbClr val="FF0000"/>
+                </a:solidFill>
+              </a:rPr>
+              <a:t>user home directories</a:t>
+            </a:r>
+          </a:p>
+          <a:p>
+            <a:pPr marL="342900" lvl="0" indent="-342900" fontAlgn="base">
+              <a:buFont typeface="Symbol" panose="05050102010706020507" pitchFamily="18" charset="2"/>
+              <a:buChar char=""/>
+            </a:pPr>
+            <a:r>
+              <a:rPr lang="en-US" sz="2800" dirty="0">
+                <a:solidFill>
+                  <a:srgbClr val="FF0000"/>
+                </a:solidFill>
+                <a:ea typeface="Times New Roman" panose="02020603050405020304" pitchFamily="18" charset="0"/>
+              </a:rPr>
+              <a:t>[1 mark] </a:t>
+            </a:r>
+            <a:r>
+              <a:rPr lang="en-AU" sz="2800" dirty="0">
+                <a:solidFill>
+                  <a:srgbClr val="FF0000"/>
+                </a:solidFill>
+              </a:rPr>
+              <a:t>location for mounting temporary filesystems</a:t>
+            </a:r>
+          </a:p>
+          <a:p>
+            <a:pPr marL="342900" lvl="0" indent="-342900" fontAlgn="base">
+              <a:buFont typeface="Symbol" panose="05050102010706020507" pitchFamily="18" charset="2"/>
+              <a:buChar char=""/>
+            </a:pPr>
+            <a:r>
+              <a:rPr lang="en-US" sz="2800" dirty="0">
+                <a:solidFill>
+                  <a:srgbClr val="FF0000"/>
+                </a:solidFill>
+                <a:ea typeface="Times New Roman" panose="02020603050405020304" pitchFamily="18" charset="0"/>
+              </a:rPr>
+              <a:t>[1 mark] </a:t>
+            </a:r>
+            <a:r>
+              <a:rPr lang="en-AU" sz="2800" dirty="0">
+                <a:solidFill>
+                  <a:srgbClr val="FF0000"/>
+                </a:solidFill>
+              </a:rPr>
+              <a:t>users programs that users have installed from source.</a:t>
+            </a:r>
+          </a:p>
+          <a:p>
+            <a:pPr marL="342900" lvl="0" indent="-342900" fontAlgn="base">
+              <a:buFont typeface="Symbol" panose="05050102010706020507" pitchFamily="18" charset="2"/>
+              <a:buChar char=""/>
+            </a:pPr>
+            <a:r>
+              <a:rPr lang="en-US" sz="2800" dirty="0">
+                <a:solidFill>
+                  <a:srgbClr val="FF0000"/>
+                </a:solidFill>
+                <a:ea typeface="Times New Roman" panose="02020603050405020304" pitchFamily="18" charset="0"/>
+              </a:rPr>
+              <a:t>[1 mark] </a:t>
+            </a:r>
+            <a:r>
+              <a:rPr lang="en-AU" sz="2800" dirty="0">
+                <a:solidFill>
+                  <a:srgbClr val="FF0000"/>
+                </a:solidFill>
+              </a:rPr>
+              <a:t>optional add-on applications</a:t>
+            </a:r>
+          </a:p>
         </p:txBody>
       </p:sp>
     </p:spTree>
     <p:extLst>
       <p:ext uri="{BB962C8B-B14F-4D97-AF65-F5344CB8AC3E}">
-        <p14:creationId xmlns:p14="http://schemas.microsoft.com/office/powerpoint/2010/main" val="3890419788"/>
+        <p14:creationId xmlns:p14="http://schemas.microsoft.com/office/powerpoint/2010/main" val="3626462958"/>
       </p:ext>
     </p:extLst>
   </p:cSld>
@@ -14039,8 +14271,8 @@
         </p:nvSpPr>
         <p:spPr>
           <a:xfrm>
-            <a:off x="919119" y="351175"/>
-            <a:ext cx="10353762" cy="702350"/>
+            <a:off x="1093904" y="442999"/>
+            <a:ext cx="10353762" cy="809798"/>
           </a:xfrm>
         </p:spPr>
         <p:txBody>
@@ -14068,8 +14300,8 @@
         </p:nvSpPr>
         <p:spPr>
           <a:xfrm>
-            <a:off x="924443" y="1226198"/>
-            <a:ext cx="9821487" cy="4401205"/>
+            <a:off x="884439" y="1371745"/>
+            <a:ext cx="9522229" cy="1384995"/>
           </a:xfrm>
           <a:prstGeom prst="rect">
             <a:avLst/>
@@ -14105,11 +14337,32 @@
                   </a:outerShdw>
                 </a:effectLst>
               </a:rPr>
-              <a:t>b) [4 marks] What do these directories contain?</a:t>
-            </a:r>
-          </a:p>
-          <a:p>
-            <a:pPr marL="228600" fontAlgn="base"/>
+              <a:t>c) [2 marks] Write a command to find all files that start with the string "host" (e.g., host123.txt, </a:t>
+            </a:r>
+            <a:r>
+              <a:rPr lang="en-AU" sz="2800" dirty="0" err="1">
+                <a:ln>
+                  <a:solidFill>
+                    <a:schemeClr val="bg1">
+                      <a:lumMod val="75000"/>
+                      <a:lumOff val="25000"/>
+                      <a:alpha val="10000"/>
+                    </a:schemeClr>
+                  </a:solidFill>
+                </a:ln>
+                <a:solidFill>
+                  <a:schemeClr val="tx2"/>
+                </a:solidFill>
+                <a:effectLst>
+                  <a:outerShdw blurRad="9525" dist="25400" dir="14640000" algn="tl" rotWithShape="0">
+                    <a:schemeClr val="bg1">
+                      <a:alpha val="30000"/>
+                    </a:schemeClr>
+                  </a:outerShdw>
+                </a:effectLst>
+              </a:rPr>
+              <a:t>host_cmd.conf</a:t>
+            </a:r>
             <a:r>
               <a:rPr lang="en-AU" sz="2800" dirty="0">
                 <a:ln>
@@ -14132,297 +14385,7 @@
                   </a:outerShdw>
                 </a:effectLst>
               </a:rPr>
-              <a:t>- /home</a:t>
-            </a:r>
-          </a:p>
-          <a:p>
-            <a:pPr marL="228600" fontAlgn="base"/>
-            <a:r>
-              <a:rPr lang="en-AU" sz="2800" dirty="0">
-                <a:ln>
-                  <a:solidFill>
-                    <a:schemeClr val="bg1">
-                      <a:lumMod val="75000"/>
-                      <a:lumOff val="25000"/>
-                      <a:alpha val="10000"/>
-                    </a:schemeClr>
-                  </a:solidFill>
-                </a:ln>
-                <a:solidFill>
-                  <a:schemeClr val="tx2"/>
-                </a:solidFill>
-                <a:effectLst>
-                  <a:outerShdw blurRad="9525" dist="25400" dir="14640000" algn="tl" rotWithShape="0">
-                    <a:schemeClr val="bg1">
-                      <a:alpha val="30000"/>
-                    </a:schemeClr>
-                  </a:outerShdw>
-                </a:effectLst>
-              </a:rPr>
-              <a:t>- /</a:t>
-            </a:r>
-            <a:r>
-              <a:rPr lang="en-AU" sz="2800" dirty="0" err="1">
-                <a:ln>
-                  <a:solidFill>
-                    <a:schemeClr val="bg1">
-                      <a:lumMod val="75000"/>
-                      <a:lumOff val="25000"/>
-                      <a:alpha val="10000"/>
-                    </a:schemeClr>
-                  </a:solidFill>
-                </a:ln>
-                <a:solidFill>
-                  <a:schemeClr val="tx2"/>
-                </a:solidFill>
-                <a:effectLst>
-                  <a:outerShdw blurRad="9525" dist="25400" dir="14640000" algn="tl" rotWithShape="0">
-                    <a:schemeClr val="bg1">
-                      <a:alpha val="30000"/>
-                    </a:schemeClr>
-                  </a:outerShdw>
-                </a:effectLst>
-              </a:rPr>
-              <a:t>mnt</a:t>
-            </a:r>
-            <a:endParaRPr lang="en-AU" sz="2800" dirty="0">
-              <a:ln>
-                <a:solidFill>
-                  <a:schemeClr val="bg1">
-                    <a:lumMod val="75000"/>
-                    <a:lumOff val="25000"/>
-                    <a:alpha val="10000"/>
-                  </a:schemeClr>
-                </a:solidFill>
-              </a:ln>
-              <a:solidFill>
-                <a:schemeClr val="tx2"/>
-              </a:solidFill>
-              <a:effectLst>
-                <a:outerShdw blurRad="9525" dist="25400" dir="14640000" algn="tl" rotWithShape="0">
-                  <a:schemeClr val="bg1">
-                    <a:alpha val="30000"/>
-                  </a:schemeClr>
-                </a:outerShdw>
-              </a:effectLst>
-            </a:endParaRPr>
-          </a:p>
-          <a:p>
-            <a:pPr marL="228600" fontAlgn="base"/>
-            <a:r>
-              <a:rPr lang="en-AU" sz="2800" dirty="0">
-                <a:ln>
-                  <a:solidFill>
-                    <a:schemeClr val="bg1">
-                      <a:lumMod val="75000"/>
-                      <a:lumOff val="25000"/>
-                      <a:alpha val="10000"/>
-                    </a:schemeClr>
-                  </a:solidFill>
-                </a:ln>
-                <a:solidFill>
-                  <a:schemeClr val="tx2"/>
-                </a:solidFill>
-                <a:effectLst>
-                  <a:outerShdw blurRad="9525" dist="25400" dir="14640000" algn="tl" rotWithShape="0">
-                    <a:schemeClr val="bg1">
-                      <a:alpha val="30000"/>
-                    </a:schemeClr>
-                  </a:outerShdw>
-                </a:effectLst>
-              </a:rPr>
-              <a:t>- /</a:t>
-            </a:r>
-            <a:r>
-              <a:rPr lang="en-AU" sz="2800" dirty="0" err="1">
-                <a:ln>
-                  <a:solidFill>
-                    <a:schemeClr val="bg1">
-                      <a:lumMod val="75000"/>
-                      <a:lumOff val="25000"/>
-                      <a:alpha val="10000"/>
-                    </a:schemeClr>
-                  </a:solidFill>
-                </a:ln>
-                <a:solidFill>
-                  <a:schemeClr val="tx2"/>
-                </a:solidFill>
-                <a:effectLst>
-                  <a:outerShdw blurRad="9525" dist="25400" dir="14640000" algn="tl" rotWithShape="0">
-                    <a:schemeClr val="bg1">
-                      <a:alpha val="30000"/>
-                    </a:schemeClr>
-                  </a:outerShdw>
-                </a:effectLst>
-              </a:rPr>
-              <a:t>usr</a:t>
-            </a:r>
-            <a:r>
-              <a:rPr lang="en-AU" sz="2800" dirty="0">
-                <a:ln>
-                  <a:solidFill>
-                    <a:schemeClr val="bg1">
-                      <a:lumMod val="75000"/>
-                      <a:lumOff val="25000"/>
-                      <a:alpha val="10000"/>
-                    </a:schemeClr>
-                  </a:solidFill>
-                </a:ln>
-                <a:solidFill>
-                  <a:schemeClr val="tx2"/>
-                </a:solidFill>
-                <a:effectLst>
-                  <a:outerShdw blurRad="9525" dist="25400" dir="14640000" algn="tl" rotWithShape="0">
-                    <a:schemeClr val="bg1">
-                      <a:alpha val="30000"/>
-                    </a:schemeClr>
-                  </a:outerShdw>
-                </a:effectLst>
-              </a:rPr>
-              <a:t>/local</a:t>
-            </a:r>
-          </a:p>
-          <a:p>
-            <a:pPr marL="228600" fontAlgn="base"/>
-            <a:r>
-              <a:rPr lang="en-AU" sz="2800" dirty="0">
-                <a:ln>
-                  <a:solidFill>
-                    <a:schemeClr val="bg1">
-                      <a:lumMod val="75000"/>
-                      <a:lumOff val="25000"/>
-                      <a:alpha val="10000"/>
-                    </a:schemeClr>
-                  </a:solidFill>
-                </a:ln>
-                <a:solidFill>
-                  <a:schemeClr val="tx2"/>
-                </a:solidFill>
-                <a:effectLst>
-                  <a:outerShdw blurRad="9525" dist="25400" dir="14640000" algn="tl" rotWithShape="0">
-                    <a:schemeClr val="bg1">
-                      <a:alpha val="30000"/>
-                    </a:schemeClr>
-                  </a:outerShdw>
-                </a:effectLst>
-              </a:rPr>
-              <a:t>- /opt</a:t>
-            </a:r>
-          </a:p>
-          <a:p>
-            <a:pPr marL="228600" fontAlgn="base"/>
-            <a:endParaRPr lang="en-AU" sz="2800" dirty="0">
-              <a:ln>
-                <a:solidFill>
-                  <a:schemeClr val="bg1">
-                    <a:lumMod val="75000"/>
-                    <a:lumOff val="25000"/>
-                    <a:alpha val="10000"/>
-                  </a:schemeClr>
-                </a:solidFill>
-              </a:ln>
-              <a:solidFill>
-                <a:schemeClr val="tx2"/>
-              </a:solidFill>
-              <a:effectLst>
-                <a:outerShdw blurRad="9525" dist="25400" dir="14640000" algn="tl" rotWithShape="0">
-                  <a:schemeClr val="bg1">
-                    <a:alpha val="30000"/>
-                  </a:schemeClr>
-                </a:outerShdw>
-              </a:effectLst>
-            </a:endParaRPr>
-          </a:p>
-          <a:p>
-            <a:pPr marL="342900" lvl="0" indent="-342900" fontAlgn="base">
-              <a:buFont typeface="Symbol" panose="05050102010706020507" pitchFamily="18" charset="2"/>
-              <a:buChar char=""/>
-            </a:pPr>
-            <a:r>
-              <a:rPr lang="en-US" sz="2800" dirty="0">
-                <a:solidFill>
-                  <a:srgbClr val="FF0000"/>
-                </a:solidFill>
-                <a:ea typeface="Times New Roman" panose="02020603050405020304" pitchFamily="18" charset="0"/>
-              </a:rPr>
-              <a:t>[1 mark] </a:t>
-            </a:r>
-            <a:r>
-              <a:rPr lang="en-AU" sz="2800" dirty="0">
-                <a:solidFill>
-                  <a:srgbClr val="FF0000"/>
-                </a:solidFill>
-              </a:rPr>
-              <a:t>user home directories</a:t>
-            </a:r>
-          </a:p>
-          <a:p>
-            <a:pPr marL="342900" lvl="0" indent="-342900" fontAlgn="base">
-              <a:buFont typeface="Symbol" panose="05050102010706020507" pitchFamily="18" charset="2"/>
-              <a:buChar char=""/>
-            </a:pPr>
-            <a:r>
-              <a:rPr lang="en-US" sz="2800" dirty="0">
-                <a:solidFill>
-                  <a:srgbClr val="FF0000"/>
-                </a:solidFill>
-                <a:ea typeface="Times New Roman" panose="02020603050405020304" pitchFamily="18" charset="0"/>
-              </a:rPr>
-              <a:t>[1 mark] </a:t>
-            </a:r>
-            <a:r>
-              <a:rPr lang="en-AU" sz="2800" dirty="0">
-                <a:solidFill>
-                  <a:srgbClr val="FF0000"/>
-                </a:solidFill>
-              </a:rPr>
-              <a:t>location for mounting temporary filesystems</a:t>
-            </a:r>
-          </a:p>
-          <a:p>
-            <a:pPr marL="342900" lvl="0" indent="-342900" fontAlgn="base">
-              <a:buFont typeface="Symbol" panose="05050102010706020507" pitchFamily="18" charset="2"/>
-              <a:buChar char=""/>
-            </a:pPr>
-            <a:r>
-              <a:rPr lang="en-US" sz="2800" dirty="0">
-                <a:solidFill>
-                  <a:srgbClr val="FF0000"/>
-                </a:solidFill>
-                <a:ea typeface="Times New Roman" panose="02020603050405020304" pitchFamily="18" charset="0"/>
-              </a:rPr>
-              <a:t>[1 mark] </a:t>
-            </a:r>
-            <a:r>
-              <a:rPr lang="en-AU" sz="2800" dirty="0">
-                <a:solidFill>
-                  <a:srgbClr val="FF0000"/>
-                </a:solidFill>
-              </a:rPr>
-              <a:t>users programs that users have installed from source.</a:t>
-            </a:r>
-          </a:p>
-          <a:p>
-            <a:pPr marL="342900" lvl="0" indent="-342900" fontAlgn="base">
-              <a:buFont typeface="Symbol" panose="05050102010706020507" pitchFamily="18" charset="2"/>
-              <a:buChar char=""/>
-            </a:pPr>
-            <a:r>
-              <a:rPr lang="en-US" sz="2800" dirty="0">
-                <a:solidFill>
-                  <a:srgbClr val="FF0000"/>
-                </a:solidFill>
-                <a:ea typeface="Times New Roman" panose="02020603050405020304" pitchFamily="18" charset="0"/>
-              </a:rPr>
-              <a:t>[1 mark] </a:t>
-            </a:r>
-            <a:r>
-              <a:rPr lang="en-AU" sz="2800" dirty="0">
-                <a:solidFill>
-                  <a:srgbClr val="FF0000"/>
-                </a:solidFill>
-              </a:rPr>
-              <a:t>optional add-on applications</a:t>
+              <a:t>, hostname, etc.) located in the currently logged-in user’s home directory.</a:t>
             </a:r>
           </a:p>
         </p:txBody>
@@ -14430,7 +14393,7 @@
     </p:spTree>
     <p:extLst>
       <p:ext uri="{BB962C8B-B14F-4D97-AF65-F5344CB8AC3E}">
-        <p14:creationId xmlns:p14="http://schemas.microsoft.com/office/powerpoint/2010/main" val="3626462958"/>
+        <p14:creationId xmlns:p14="http://schemas.microsoft.com/office/powerpoint/2010/main" val="3667523257"/>
       </p:ext>
     </p:extLst>
   </p:cSld>
@@ -14475,7 +14438,7 @@
         </p:nvSpPr>
         <p:spPr>
           <a:xfrm>
-            <a:off x="1093904" y="442999"/>
+            <a:off x="919119" y="442999"/>
             <a:ext cx="10353762" cy="809798"/>
           </a:xfrm>
         </p:spPr>
@@ -14505,7 +14468,7 @@
         <p:spPr>
           <a:xfrm>
             <a:off x="884439" y="1371745"/>
-            <a:ext cx="9522229" cy="1384995"/>
+            <a:ext cx="9522229" cy="2246769"/>
           </a:xfrm>
           <a:prstGeom prst="rect">
             <a:avLst/>
@@ -14541,7 +14504,7 @@
                   </a:outerShdw>
                 </a:effectLst>
               </a:rPr>
-              <a:t>c) [2 marks] Write a command to find all files that start with the string "host" (e.g., host123.txt, </a:t>
+              <a:t>c) [2 marks] Write a command to find all files that starts with the string "host" (e.g., host123.txt, </a:t>
             </a:r>
             <a:r>
               <a:rPr lang="en-AU" sz="2800" dirty="0" err="1">
@@ -14589,15 +14552,68 @@
                   </a:outerShdw>
                 </a:effectLst>
               </a:rPr>
-              <a:t>, hostname, etc.) located in the currently logged-in user’s home directory.</a:t>
-            </a:r>
+              <a:t>, hostname etc.) located in the currently logged-in user’s home directory.</a:t>
+            </a:r>
+          </a:p>
+          <a:p>
+            <a:pPr fontAlgn="base"/>
+            <a:endParaRPr lang="en-AU" sz="2800" dirty="0">
+              <a:ln>
+                <a:solidFill>
+                  <a:schemeClr val="bg1">
+                    <a:lumMod val="75000"/>
+                    <a:lumOff val="25000"/>
+                    <a:alpha val="10000"/>
+                  </a:schemeClr>
+                </a:solidFill>
+              </a:ln>
+              <a:solidFill>
+                <a:schemeClr val="tx2"/>
+              </a:solidFill>
+              <a:effectLst>
+                <a:outerShdw blurRad="9525" dist="25400" dir="14640000" algn="tl" rotWithShape="0">
+                  <a:schemeClr val="bg1">
+                    <a:alpha val="30000"/>
+                  </a:schemeClr>
+                </a:outerShdw>
+              </a:effectLst>
+            </a:endParaRPr>
+          </a:p>
+          <a:p>
+            <a:pPr marL="342900" lvl="0" indent="-342900" fontAlgn="base">
+              <a:buFont typeface="Symbol" panose="05050102010706020507" pitchFamily="18" charset="2"/>
+              <a:buChar char=""/>
+            </a:pPr>
+            <a:r>
+              <a:rPr lang="en-US" sz="2800" dirty="0">
+                <a:solidFill>
+                  <a:srgbClr val="FF0000"/>
+                </a:solidFill>
+                <a:ea typeface="Times New Roman" panose="02020603050405020304" pitchFamily="18" charset="0"/>
+              </a:rPr>
+              <a:t>[2 marks] </a:t>
+            </a:r>
+            <a:r>
+              <a:rPr lang="en-AU" sz="2800" dirty="0">
+                <a:solidFill>
+                  <a:srgbClr val="FF0000"/>
+                </a:solidFill>
+                <a:effectLst/>
+                <a:ea typeface="Times New Roman" panose="02020603050405020304" pitchFamily="18" charset="0"/>
+              </a:rPr>
+              <a:t>find ~/ -name 'host*'</a:t>
+            </a:r>
+            <a:endParaRPr lang="en-AU" sz="2800" dirty="0">
+              <a:effectLst/>
+              <a:ea typeface="Times New Roman" panose="02020603050405020304" pitchFamily="18" charset="0"/>
+            </a:endParaRPr>
           </a:p>
         </p:txBody>
       </p:sp>
     </p:spTree>
     <p:extLst>
       <p:ext uri="{BB962C8B-B14F-4D97-AF65-F5344CB8AC3E}">
-        <p14:creationId xmlns:p14="http://schemas.microsoft.com/office/powerpoint/2010/main" val="3667523257"/>
+        <p14:creationId xmlns:p14="http://schemas.microsoft.com/office/powerpoint/2010/main" val="1628170773"/>
       </p:ext>
     </p:extLst>
   </p:cSld>
@@ -14717,7 +14733,7 @@
         </p:nvSpPr>
         <p:spPr>
           <a:xfrm>
-            <a:off x="919119" y="442999"/>
+            <a:off x="919119" y="255814"/>
             <a:ext cx="10353762" cy="809798"/>
           </a:xfrm>
         </p:spPr>
@@ -14746,8 +14762,8 @@
         </p:nvSpPr>
         <p:spPr>
           <a:xfrm>
-            <a:off x="884439" y="1371745"/>
-            <a:ext cx="9522229" cy="2246769"/>
+            <a:off x="651682" y="1536174"/>
+            <a:ext cx="10487372" cy="830997"/>
           </a:xfrm>
           <a:prstGeom prst="rect">
             <a:avLst/>
@@ -14762,7 +14778,7 @@
           <a:p>
             <a:pPr fontAlgn="base"/>
             <a:r>
-              <a:rPr lang="en-AU" sz="2800" dirty="0">
+              <a:rPr lang="en-AU" sz="2400" dirty="0">
                 <a:ln>
                   <a:solidFill>
                     <a:schemeClr val="bg1">
@@ -14783,10 +14799,10 @@
                   </a:outerShdw>
                 </a:effectLst>
               </a:rPr>
-              <a:t>c) [2 marks] Write a command to find all files that starts with the string "host" (e.g., host123.txt, </a:t>
-            </a:r>
-            <a:r>
-              <a:rPr lang="en-AU" sz="2800" dirty="0" err="1">
+              <a:t>d) [4 marks] You are provided with a permission string as follows: -</a:t>
+            </a:r>
+            <a:r>
+              <a:rPr lang="en-AU" sz="2400" dirty="0" err="1">
                 <a:ln>
                   <a:solidFill>
                     <a:schemeClr val="bg1">
@@ -14807,10 +14823,10 @@
                   </a:outerShdw>
                 </a:effectLst>
               </a:rPr>
-              <a:t>host_cmd.conf</a:t>
-            </a:r>
-            <a:r>
-              <a:rPr lang="en-AU" sz="2800" dirty="0">
+              <a:t>rwxrw</a:t>
+            </a:r>
+            <a:r>
+              <a:rPr lang="en-AU" sz="2400" dirty="0">
                 <a:ln>
                   <a:solidFill>
                     <a:schemeClr val="bg1">
@@ -14831,68 +14847,42 @@
                   </a:outerShdw>
                 </a:effectLst>
               </a:rPr>
-              <a:t>, hostname etc.) located in the currently logged-in user’s home directory.</a:t>
+              <a:t>-r—</a:t>
             </a:r>
           </a:p>
           <a:p>
             <a:pPr fontAlgn="base"/>
-            <a:endParaRPr lang="en-AU" sz="2800" dirty="0">
-              <a:ln>
-                <a:solidFill>
-                  <a:schemeClr val="bg1">
-                    <a:lumMod val="75000"/>
-                    <a:lumOff val="25000"/>
-                    <a:alpha val="10000"/>
-                  </a:schemeClr>
-                </a:solidFill>
-              </a:ln>
-              <a:solidFill>
-                <a:schemeClr val="tx2"/>
-              </a:solidFill>
-              <a:effectLst>
-                <a:outerShdw blurRad="9525" dist="25400" dir="14640000" algn="tl" rotWithShape="0">
-                  <a:schemeClr val="bg1">
-                    <a:alpha val="30000"/>
-                  </a:schemeClr>
-                </a:outerShdw>
-              </a:effectLst>
-            </a:endParaRPr>
-          </a:p>
-          <a:p>
-            <a:pPr marL="342900" lvl="0" indent="-342900" fontAlgn="base">
-              <a:buFont typeface="Symbol" panose="05050102010706020507" pitchFamily="18" charset="2"/>
-              <a:buChar char=""/>
-            </a:pPr>
-            <a:r>
-              <a:rPr lang="en-US" sz="2800" dirty="0">
-                <a:solidFill>
-                  <a:srgbClr val="FF0000"/>
-                </a:solidFill>
-                <a:ea typeface="Times New Roman" panose="02020603050405020304" pitchFamily="18" charset="0"/>
+            <a:r>
+              <a:rPr lang="en-AU" sz="2400" dirty="0">
+                <a:ln>
+                  <a:solidFill>
+                    <a:schemeClr val="bg1">
+                      <a:lumMod val="75000"/>
+                      <a:lumOff val="25000"/>
+                      <a:alpha val="10000"/>
+                    </a:schemeClr>
+                  </a:solidFill>
+                </a:ln>
+                <a:solidFill>
+                  <a:schemeClr val="tx2"/>
+                </a:solidFill>
+                <a:effectLst>
+                  <a:outerShdw blurRad="9525" dist="25400" dir="14640000" algn="tl" rotWithShape="0">
+                    <a:schemeClr val="bg1">
+                      <a:alpha val="30000"/>
+                    </a:schemeClr>
+                  </a:outerShdw>
+                </a:effectLst>
               </a:rPr>
-              <a:t>[2 marks] </a:t>
-            </a:r>
-            <a:r>
-              <a:rPr lang="en-AU" sz="2800" dirty="0">
-                <a:solidFill>
-                  <a:srgbClr val="FF0000"/>
-                </a:solidFill>
-                <a:effectLst/>
-                <a:ea typeface="Times New Roman" panose="02020603050405020304" pitchFamily="18" charset="0"/>
-              </a:rPr>
-              <a:t>find ~/ -name 'host*'</a:t>
-            </a:r>
-            <a:endParaRPr lang="en-AU" sz="2800" dirty="0">
-              <a:effectLst/>
-              <a:ea typeface="Times New Roman" panose="02020603050405020304" pitchFamily="18" charset="0"/>
-            </a:endParaRPr>
+              <a:t>What does it mean? </a:t>
+            </a:r>
           </a:p>
         </p:txBody>
       </p:sp>
     </p:spTree>
     <p:extLst>
       <p:ext uri="{BB962C8B-B14F-4D97-AF65-F5344CB8AC3E}">
-        <p14:creationId xmlns:p14="http://schemas.microsoft.com/office/powerpoint/2010/main" val="1628170773"/>
+        <p14:creationId xmlns:p14="http://schemas.microsoft.com/office/powerpoint/2010/main" val="3592248448"/>
       </p:ext>
     </p:extLst>
   </p:cSld>
@@ -14967,7 +14957,7 @@
         <p:spPr>
           <a:xfrm>
             <a:off x="651682" y="1536174"/>
-            <a:ext cx="10487372" cy="830997"/>
+            <a:ext cx="10487372" cy="4893647"/>
           </a:xfrm>
           <a:prstGeom prst="rect">
             <a:avLst/>
@@ -15081,12 +15071,136 @@
               <a:t>What does it mean? </a:t>
             </a:r>
           </a:p>
+          <a:p>
+            <a:endParaRPr lang="en-AU" sz="2400" dirty="0">
+              <a:solidFill>
+                <a:srgbClr val="FF0000"/>
+              </a:solidFill>
+              <a:effectLst/>
+              <a:ea typeface="Times New Roman" panose="02020603050405020304" pitchFamily="18" charset="0"/>
+            </a:endParaRPr>
+          </a:p>
+          <a:p>
+            <a:pPr marL="342900" lvl="0" indent="-342900" fontAlgn="base">
+              <a:buFont typeface="Symbol" panose="05050102010706020507" pitchFamily="18" charset="2"/>
+              <a:buChar char=""/>
+            </a:pPr>
+            <a:r>
+              <a:rPr lang="en-US" sz="2400" dirty="0">
+                <a:solidFill>
+                  <a:srgbClr val="FF0000"/>
+                </a:solidFill>
+                <a:ea typeface="Times New Roman" panose="02020603050405020304" pitchFamily="18" charset="0"/>
+              </a:rPr>
+              <a:t>[1 mark] </a:t>
+            </a:r>
+            <a:r>
+              <a:rPr lang="en-US" sz="2400" dirty="0">
+                <a:solidFill>
+                  <a:srgbClr val="FF0000"/>
+                </a:solidFill>
+              </a:rPr>
+              <a:t>The first character indicates the file type. Here, the "-" denotes a regular file.</a:t>
+            </a:r>
+            <a:endParaRPr lang="en-AU" sz="2400" dirty="0">
+              <a:solidFill>
+                <a:srgbClr val="FF0000"/>
+              </a:solidFill>
+            </a:endParaRPr>
+          </a:p>
+          <a:p>
+            <a:pPr marL="342900" lvl="0" indent="-342900" fontAlgn="base">
+              <a:buFont typeface="Symbol" panose="05050102010706020507" pitchFamily="18" charset="2"/>
+              <a:buChar char=""/>
+            </a:pPr>
+            <a:r>
+              <a:rPr lang="en-US" sz="2400" dirty="0">
+                <a:solidFill>
+                  <a:srgbClr val="FF0000"/>
+                </a:solidFill>
+                <a:ea typeface="Times New Roman" panose="02020603050405020304" pitchFamily="18" charset="0"/>
+              </a:rPr>
+              <a:t>[1 mark] </a:t>
+            </a:r>
+            <a:r>
+              <a:rPr lang="en-US" sz="2400" dirty="0">
+                <a:solidFill>
+                  <a:srgbClr val="FF0000"/>
+                </a:solidFill>
+              </a:rPr>
+              <a:t>The next three characters indicate the permissions granted to the owner of the file. Here, the owner has read, write, and execute permissions.</a:t>
+            </a:r>
+            <a:endParaRPr lang="en-AU" sz="2400" dirty="0">
+              <a:solidFill>
+                <a:srgbClr val="FF0000"/>
+              </a:solidFill>
+            </a:endParaRPr>
+          </a:p>
+          <a:p>
+            <a:pPr marL="342900" lvl="0" indent="-342900" fontAlgn="base">
+              <a:buFont typeface="Symbol" panose="05050102010706020507" pitchFamily="18" charset="2"/>
+              <a:buChar char=""/>
+            </a:pPr>
+            <a:r>
+              <a:rPr lang="en-US" sz="2400" dirty="0">
+                <a:solidFill>
+                  <a:srgbClr val="FF0000"/>
+                </a:solidFill>
+                <a:ea typeface="Times New Roman" panose="02020603050405020304" pitchFamily="18" charset="0"/>
+              </a:rPr>
+              <a:t>[1 mark] </a:t>
+            </a:r>
+            <a:r>
+              <a:rPr lang="en-US" sz="2400" dirty="0">
+                <a:solidFill>
+                  <a:srgbClr val="FF0000"/>
+                </a:solidFill>
+              </a:rPr>
+              <a:t>The following three characters indicate the permissions granted to the group that the file belongs to. Here, the group has only read and write permissions</a:t>
+            </a:r>
+            <a:r>
+              <a:rPr lang="en-AU" sz="2400" dirty="0">
+                <a:solidFill>
+                  <a:srgbClr val="FF0000"/>
+                </a:solidFill>
+              </a:rPr>
+              <a:t>.</a:t>
+            </a:r>
+          </a:p>
+          <a:p>
+            <a:pPr marL="342900" lvl="0" indent="-342900" fontAlgn="base">
+              <a:buFont typeface="Symbol" panose="05050102010706020507" pitchFamily="18" charset="2"/>
+              <a:buChar char=""/>
+            </a:pPr>
+            <a:r>
+              <a:rPr lang="en-US" sz="2400" dirty="0">
+                <a:solidFill>
+                  <a:srgbClr val="FF0000"/>
+                </a:solidFill>
+                <a:ea typeface="Times New Roman" panose="02020603050405020304" pitchFamily="18" charset="0"/>
+              </a:rPr>
+              <a:t>[1 mark] </a:t>
+            </a:r>
+            <a:r>
+              <a:rPr lang="en-US" sz="2400" dirty="0">
+                <a:solidFill>
+                  <a:srgbClr val="FF0000"/>
+                </a:solidFill>
+              </a:rPr>
+              <a:t>The last three characters indicate the permissions granted to other users who are not the owner or part of the group. Here, others only have read permission.</a:t>
+            </a:r>
+            <a:endParaRPr lang="en-AU" sz="2400" dirty="0">
+              <a:solidFill>
+                <a:srgbClr val="FF0000"/>
+              </a:solidFill>
+            </a:endParaRPr>
+          </a:p>
         </p:txBody>
       </p:sp>
     </p:spTree>
     <p:extLst>
       <p:ext uri="{BB962C8B-B14F-4D97-AF65-F5344CB8AC3E}">
-        <p14:creationId xmlns:p14="http://schemas.microsoft.com/office/powerpoint/2010/main" val="3592248448"/>
+        <p14:creationId xmlns:p14="http://schemas.microsoft.com/office/powerpoint/2010/main" val="3533530707"/>
       </p:ext>
     </p:extLst>
   </p:cSld>
@@ -15131,8 +15245,8 @@
         </p:nvSpPr>
         <p:spPr>
           <a:xfrm>
-            <a:off x="919119" y="255814"/>
-            <a:ext cx="10353762" cy="809798"/>
+            <a:off x="913795" y="38100"/>
+            <a:ext cx="10353762" cy="710045"/>
           </a:xfrm>
         </p:spPr>
         <p:txBody>
@@ -15141,7 +15255,7 @@
           <a:p>
             <a:r>
               <a:rPr lang="en-AU" dirty="0"/>
-              <a:t>Example Question 1</a:t>
+              <a:t>Example Question 2</a:t>
             </a:r>
           </a:p>
         </p:txBody>
@@ -15160,8 +15274,8 @@
         </p:nvSpPr>
         <p:spPr>
           <a:xfrm>
-            <a:off x="651682" y="1536174"/>
-            <a:ext cx="10487372" cy="4893647"/>
+            <a:off x="266007" y="748145"/>
+            <a:ext cx="11720945" cy="5509200"/>
           </a:xfrm>
           <a:prstGeom prst="rect">
             <a:avLst/>
@@ -15174,9 +15288,8 @@
           </a:bodyPr>
           <a:lstStyle/>
           <a:p>
-            <a:pPr fontAlgn="base"/>
-            <a:r>
-              <a:rPr lang="en-AU" sz="2400" dirty="0">
+            <a:r>
+              <a:rPr lang="en-AU" sz="2200" dirty="0">
                 <a:ln>
                   <a:solidFill>
                     <a:schemeClr val="bg1">
@@ -15197,10 +15310,10 @@
                   </a:outerShdw>
                 </a:effectLst>
               </a:rPr>
-              <a:t>d) [4 marks] You are provided with a permission string as follows: -</a:t>
-            </a:r>
-            <a:r>
-              <a:rPr lang="en-AU" sz="2400" dirty="0" err="1">
+              <a:t>[10 marks total] The CEO of Australia’s leading take-away chicken restaurant, ‘Chicken Delight’, received an email to his company email at </a:t>
+            </a:r>
+            <a:r>
+              <a:rPr lang="en-AU" sz="2200" dirty="0">
                 <a:ln>
                   <a:solidFill>
                     <a:schemeClr val="bg1">
@@ -15220,11 +15333,12 @@
                     </a:schemeClr>
                   </a:outerShdw>
                 </a:effectLst>
+                <a:hlinkClick r:id="rId3"/>
               </a:rPr>
-              <a:t>rwxrw</a:t>
-            </a:r>
-            <a:r>
-              <a:rPr lang="en-AU" sz="2400" dirty="0">
+              <a:t>ceo@chickendelight.com</a:t>
+            </a:r>
+            <a:r>
+              <a:rPr lang="en-AU" sz="2200" dirty="0">
                 <a:ln>
                   <a:solidFill>
                     <a:schemeClr val="bg1">
@@ -15245,13 +15359,10 @@
                   </a:outerShdw>
                 </a:effectLst>
               </a:rPr>
-              <a:t>-r—</a:t>
-            </a:r>
-          </a:p>
-          <a:p>
-            <a:pPr fontAlgn="base"/>
-            <a:r>
-              <a:rPr lang="en-AU" sz="2400" dirty="0">
+              <a:t> from a sender at </a:t>
+            </a:r>
+            <a:r>
+              <a:rPr lang="en-AU" sz="2200" dirty="0">
                 <a:ln>
                   <a:solidFill>
                     <a:schemeClr val="bg1">
@@ -15271,132 +15382,330 @@
                     </a:schemeClr>
                   </a:outerShdw>
                 </a:effectLst>
+                <a:hlinkClick r:id="rId4"/>
               </a:rPr>
-              <a:t>What does it mean? </a:t>
-            </a:r>
-          </a:p>
-          <a:p>
-            <a:endParaRPr lang="en-AU" sz="2400" dirty="0">
+              <a:t>chockendelight@gmail.com</a:t>
+            </a:r>
+            <a:r>
+              <a:rPr lang="en-AU" sz="2200" dirty="0">
+                <a:ln>
+                  <a:solidFill>
+                    <a:schemeClr val="bg1">
+                      <a:lumMod val="75000"/>
+                      <a:lumOff val="25000"/>
+                      <a:alpha val="10000"/>
+                    </a:schemeClr>
+                  </a:solidFill>
+                </a:ln>
+                <a:solidFill>
+                  <a:schemeClr val="tx2"/>
+                </a:solidFill>
+                <a:effectLst>
+                  <a:outerShdw blurRad="9525" dist="25400" dir="14640000" algn="tl" rotWithShape="0">
+                    <a:schemeClr val="bg1">
+                      <a:alpha val="30000"/>
+                    </a:schemeClr>
+                  </a:outerShdw>
+                </a:effectLst>
+              </a:rPr>
+              <a:t>. The email claims to be the new Chicken Delight finance executive. The email asked the CEO to verify the company’s bank details for a new finance system by clicking on a bit.ly link provided in the email. The CEO clicked the link, causing Chicken Delight to lose over $80,000. As a result, the CEO was fired last night.</a:t>
+            </a:r>
+          </a:p>
+          <a:p>
+            <a:endParaRPr lang="en-AU" sz="2200" dirty="0">
+              <a:ln>
+                <a:solidFill>
+                  <a:schemeClr val="bg1">
+                    <a:lumMod val="75000"/>
+                    <a:lumOff val="25000"/>
+                    <a:alpha val="10000"/>
+                  </a:schemeClr>
+                </a:solidFill>
+              </a:ln>
               <a:solidFill>
-                <a:srgbClr val="FF0000"/>
+                <a:schemeClr val="tx2"/>
               </a:solidFill>
-              <a:effectLst/>
-              <a:ea typeface="Times New Roman" panose="02020603050405020304" pitchFamily="18" charset="0"/>
+              <a:effectLst>
+                <a:outerShdw blurRad="9525" dist="25400" dir="14640000" algn="tl" rotWithShape="0">
+                  <a:schemeClr val="bg1">
+                    <a:alpha val="30000"/>
+                  </a:schemeClr>
+                </a:outerShdw>
+              </a:effectLst>
             </a:endParaRPr>
           </a:p>
           <a:p>
-            <a:pPr marL="342900" lvl="0" indent="-342900" fontAlgn="base">
-              <a:buFont typeface="Symbol" panose="05050102010706020507" pitchFamily="18" charset="2"/>
-              <a:buChar char=""/>
-            </a:pPr>
-            <a:r>
-              <a:rPr lang="en-US" sz="2400" dirty="0">
+            <a:r>
+              <a:rPr lang="en-AU" sz="2200" dirty="0">
+                <a:ln>
+                  <a:solidFill>
+                    <a:schemeClr val="bg1">
+                      <a:lumMod val="75000"/>
+                      <a:lumOff val="25000"/>
+                      <a:alpha val="10000"/>
+                    </a:schemeClr>
+                  </a:solidFill>
+                </a:ln>
                 <a:solidFill>
                   <a:srgbClr val="FF0000"/>
                 </a:solidFill>
-                <a:ea typeface="Times New Roman" panose="02020603050405020304" pitchFamily="18" charset="0"/>
+                <a:effectLst>
+                  <a:outerShdw blurRad="9525" dist="25400" dir="14640000" algn="tl" rotWithShape="0">
+                    <a:schemeClr val="bg1">
+                      <a:alpha val="30000"/>
+                    </a:schemeClr>
+                  </a:outerShdw>
+                </a:effectLst>
               </a:rPr>
-              <a:t>[1 mark] </a:t>
-            </a:r>
-            <a:r>
-              <a:rPr lang="en-US" sz="2400" dirty="0">
+              <a:t>a) </a:t>
+            </a:r>
+            <a:r>
+              <a:rPr lang="en-AU" sz="2200" dirty="0">
+                <a:ln>
+                  <a:solidFill>
+                    <a:schemeClr val="bg1">
+                      <a:lumMod val="75000"/>
+                      <a:lumOff val="25000"/>
+                      <a:alpha val="10000"/>
+                    </a:schemeClr>
+                  </a:solidFill>
+                </a:ln>
+                <a:solidFill>
+                  <a:schemeClr val="tx2"/>
+                </a:solidFill>
+                <a:effectLst>
+                  <a:outerShdw blurRad="9525" dist="25400" dir="14640000" algn="tl" rotWithShape="0">
+                    <a:schemeClr val="bg1">
+                      <a:alpha val="30000"/>
+                    </a:schemeClr>
+                  </a:outerShdw>
+                </a:effectLst>
+              </a:rPr>
+              <a:t>[1 mark] Which specific Social Engineering Threat is this? </a:t>
+            </a:r>
+          </a:p>
+          <a:p>
+            <a:r>
+              <a:rPr lang="en-AU" sz="2200" dirty="0">
+                <a:ln>
+                  <a:solidFill>
+                    <a:schemeClr val="bg1">
+                      <a:lumMod val="75000"/>
+                      <a:lumOff val="25000"/>
+                      <a:alpha val="10000"/>
+                    </a:schemeClr>
+                  </a:solidFill>
+                </a:ln>
                 <a:solidFill>
                   <a:srgbClr val="FF0000"/>
                 </a:solidFill>
+                <a:effectLst>
+                  <a:outerShdw blurRad="9525" dist="25400" dir="14640000" algn="tl" rotWithShape="0">
+                    <a:schemeClr val="bg1">
+                      <a:alpha val="30000"/>
+                    </a:schemeClr>
+                  </a:outerShdw>
+                </a:effectLst>
               </a:rPr>
-              <a:t>The first character indicates the file type. Here, the "-" denotes a regular file.</a:t>
-            </a:r>
-            <a:endParaRPr lang="en-AU" sz="2400" dirty="0">
+              <a:t>b)</a:t>
+            </a:r>
+            <a:r>
+              <a:rPr lang="en-AU" sz="2200" dirty="0">
+                <a:ln>
+                  <a:solidFill>
+                    <a:schemeClr val="bg1">
+                      <a:lumMod val="75000"/>
+                      <a:lumOff val="25000"/>
+                      <a:alpha val="10000"/>
+                    </a:schemeClr>
+                  </a:solidFill>
+                </a:ln>
+                <a:solidFill>
+                  <a:schemeClr val="tx2"/>
+                </a:solidFill>
+                <a:effectLst>
+                  <a:outerShdw blurRad="9525" dist="25400" dir="14640000" algn="tl" rotWithShape="0">
+                    <a:schemeClr val="bg1">
+                      <a:alpha val="30000"/>
+                    </a:schemeClr>
+                  </a:outerShdw>
+                </a:effectLst>
+              </a:rPr>
+              <a:t> [2 marks] How could the company mitigate similar attacks in the future? </a:t>
+            </a:r>
+          </a:p>
+          <a:p>
+            <a:r>
+              <a:rPr lang="en-AU" sz="2200" dirty="0">
+                <a:ln>
+                  <a:solidFill>
+                    <a:schemeClr val="bg1">
+                      <a:lumMod val="75000"/>
+                      <a:lumOff val="25000"/>
+                      <a:alpha val="10000"/>
+                    </a:schemeClr>
+                  </a:solidFill>
+                </a:ln>
+                <a:solidFill>
+                  <a:srgbClr val="FF0000"/>
+                </a:solidFill>
+                <a:effectLst>
+                  <a:outerShdw blurRad="9525" dist="25400" dir="14640000" algn="tl" rotWithShape="0">
+                    <a:schemeClr val="bg1">
+                      <a:alpha val="30000"/>
+                    </a:schemeClr>
+                  </a:outerShdw>
+                </a:effectLst>
+              </a:rPr>
+              <a:t>c)</a:t>
+            </a:r>
+            <a:r>
+              <a:rPr lang="en-AU" sz="2200" dirty="0">
+                <a:ln>
+                  <a:solidFill>
+                    <a:schemeClr val="bg1">
+                      <a:lumMod val="75000"/>
+                      <a:lumOff val="25000"/>
+                      <a:alpha val="10000"/>
+                    </a:schemeClr>
+                  </a:solidFill>
+                </a:ln>
+                <a:solidFill>
+                  <a:schemeClr val="tx2"/>
+                </a:solidFill>
+                <a:effectLst>
+                  <a:outerShdw blurRad="9525" dist="25400" dir="14640000" algn="tl" rotWithShape="0">
+                    <a:schemeClr val="bg1">
+                      <a:alpha val="30000"/>
+                    </a:schemeClr>
+                  </a:outerShdw>
+                </a:effectLst>
+              </a:rPr>
+              <a:t> [2 marks] Can you name some features of the email that the CEO may have failed to pick up on? </a:t>
+            </a:r>
+          </a:p>
+          <a:p>
+            <a:r>
+              <a:rPr lang="en-AU" sz="2200" dirty="0">
+                <a:ln>
+                  <a:solidFill>
+                    <a:schemeClr val="bg1">
+                      <a:lumMod val="75000"/>
+                      <a:lumOff val="25000"/>
+                      <a:alpha val="10000"/>
+                    </a:schemeClr>
+                  </a:solidFill>
+                </a:ln>
+                <a:solidFill>
+                  <a:srgbClr val="FF0000"/>
+                </a:solidFill>
+                <a:effectLst>
+                  <a:outerShdw blurRad="9525" dist="25400" dir="14640000" algn="tl" rotWithShape="0">
+                    <a:schemeClr val="bg1">
+                      <a:alpha val="30000"/>
+                    </a:schemeClr>
+                  </a:outerShdw>
+                </a:effectLst>
+              </a:rPr>
+              <a:t>d)</a:t>
+            </a:r>
+            <a:r>
+              <a:rPr lang="en-AU" sz="2200" dirty="0">
+                <a:ln>
+                  <a:solidFill>
+                    <a:schemeClr val="bg1">
+                      <a:lumMod val="75000"/>
+                      <a:lumOff val="25000"/>
+                      <a:alpha val="10000"/>
+                    </a:schemeClr>
+                  </a:solidFill>
+                </a:ln>
+                <a:solidFill>
+                  <a:schemeClr val="tx2"/>
+                </a:solidFill>
+                <a:effectLst>
+                  <a:outerShdw blurRad="9525" dist="25400" dir="14640000" algn="tl" rotWithShape="0">
+                    <a:schemeClr val="bg1">
+                      <a:alpha val="30000"/>
+                    </a:schemeClr>
+                  </a:outerShdw>
+                </a:effectLst>
+              </a:rPr>
+              <a:t> [3 marks] Let’s assume you have developed a spam email filter that is currently 100% effective at filtering out spam emails. Will this solve the spam email threat? Why or why not? Justify your answer.</a:t>
+            </a:r>
+          </a:p>
+          <a:p>
+            <a:r>
+              <a:rPr lang="en-AU" sz="2200" dirty="0">
+                <a:ln>
+                  <a:solidFill>
+                    <a:schemeClr val="bg1">
+                      <a:lumMod val="75000"/>
+                      <a:lumOff val="25000"/>
+                      <a:alpha val="10000"/>
+                    </a:schemeClr>
+                  </a:solidFill>
+                </a:ln>
+                <a:solidFill>
+                  <a:srgbClr val="FF0000"/>
+                </a:solidFill>
+                <a:effectLst>
+                  <a:outerShdw blurRad="9525" dist="25400" dir="14640000" algn="tl" rotWithShape="0">
+                    <a:schemeClr val="bg1">
+                      <a:alpha val="30000"/>
+                    </a:schemeClr>
+                  </a:outerShdw>
+                </a:effectLst>
+              </a:rPr>
+              <a:t>e) </a:t>
+            </a:r>
+            <a:r>
+              <a:rPr lang="en-AU" sz="2200" dirty="0">
+                <a:ln>
+                  <a:solidFill>
+                    <a:schemeClr val="bg1">
+                      <a:lumMod val="75000"/>
+                      <a:lumOff val="25000"/>
+                      <a:alpha val="10000"/>
+                    </a:schemeClr>
+                  </a:solidFill>
+                </a:ln>
+                <a:solidFill>
+                  <a:schemeClr val="tx2"/>
+                </a:solidFill>
+                <a:effectLst>
+                  <a:outerShdw blurRad="9525" dist="25400" dir="14640000" algn="tl" rotWithShape="0">
+                    <a:schemeClr val="bg1">
+                      <a:alpha val="30000"/>
+                    </a:schemeClr>
+                  </a:outerShdw>
+                </a:effectLst>
+              </a:rPr>
+              <a:t>[2 marks] What is the difference between “junk” and “phishing” options from your email client (e.g., Microsoft Outlook)?</a:t>
+            </a:r>
+          </a:p>
+          <a:p>
+            <a:pPr fontAlgn="base"/>
+            <a:endParaRPr lang="en-AU" sz="2200" dirty="0">
+              <a:ln>
+                <a:solidFill>
+                  <a:schemeClr val="bg1">
+                    <a:lumMod val="75000"/>
+                    <a:lumOff val="25000"/>
+                    <a:alpha val="10000"/>
+                  </a:schemeClr>
+                </a:solidFill>
+              </a:ln>
               <a:solidFill>
-                <a:srgbClr val="FF0000"/>
+                <a:schemeClr val="tx2"/>
               </a:solidFill>
-            </a:endParaRPr>
-          </a:p>
-          <a:p>
-            <a:pPr marL="342900" lvl="0" indent="-342900" fontAlgn="base">
-              <a:buFont typeface="Symbol" panose="05050102010706020507" pitchFamily="18" charset="2"/>
-              <a:buChar char=""/>
-            </a:pPr>
-            <a:r>
-              <a:rPr lang="en-US" sz="2400" dirty="0">
-                <a:solidFill>
-                  <a:srgbClr val="FF0000"/>
-                </a:solidFill>
-                <a:ea typeface="Times New Roman" panose="02020603050405020304" pitchFamily="18" charset="0"/>
-              </a:rPr>
-              <a:t>[1 mark] </a:t>
-            </a:r>
-            <a:r>
-              <a:rPr lang="en-US" sz="2400" dirty="0">
-                <a:solidFill>
-                  <a:srgbClr val="FF0000"/>
-                </a:solidFill>
-              </a:rPr>
-              <a:t>The next three characters indicate the permissions granted to the owner of the file. Here, the owner has read, write, and execute permissions.</a:t>
-            </a:r>
-            <a:endParaRPr lang="en-AU" sz="2400" dirty="0">
-              <a:solidFill>
-                <a:srgbClr val="FF0000"/>
-              </a:solidFill>
-            </a:endParaRPr>
-          </a:p>
-          <a:p>
-            <a:pPr marL="342900" lvl="0" indent="-342900" fontAlgn="base">
-              <a:buFont typeface="Symbol" panose="05050102010706020507" pitchFamily="18" charset="2"/>
-              <a:buChar char=""/>
-            </a:pPr>
-            <a:r>
-              <a:rPr lang="en-US" sz="2400" dirty="0">
-                <a:solidFill>
-                  <a:srgbClr val="FF0000"/>
-                </a:solidFill>
-                <a:ea typeface="Times New Roman" panose="02020603050405020304" pitchFamily="18" charset="0"/>
-              </a:rPr>
-              <a:t>[1 mark] </a:t>
-            </a:r>
-            <a:r>
-              <a:rPr lang="en-US" sz="2400" dirty="0">
-                <a:solidFill>
-                  <a:srgbClr val="FF0000"/>
-                </a:solidFill>
-              </a:rPr>
-              <a:t>The following three characters indicate the permissions granted to the group that the file belongs to. Here, the group has only read and write permissions</a:t>
-            </a:r>
-            <a:r>
-              <a:rPr lang="en-AU" sz="2400" dirty="0">
-                <a:solidFill>
-                  <a:srgbClr val="FF0000"/>
-                </a:solidFill>
-              </a:rPr>
-              <a:t>.</a:t>
-            </a:r>
-          </a:p>
-          <a:p>
-            <a:pPr marL="342900" lvl="0" indent="-342900" fontAlgn="base">
-              <a:buFont typeface="Symbol" panose="05050102010706020507" pitchFamily="18" charset="2"/>
-              <a:buChar char=""/>
-            </a:pPr>
-            <a:r>
-              <a:rPr lang="en-US" sz="2400" dirty="0">
-                <a:solidFill>
-                  <a:srgbClr val="FF0000"/>
-                </a:solidFill>
-                <a:ea typeface="Times New Roman" panose="02020603050405020304" pitchFamily="18" charset="0"/>
-              </a:rPr>
-              <a:t>[1 mark] </a:t>
-            </a:r>
-            <a:r>
-              <a:rPr lang="en-US" sz="2400" dirty="0">
-                <a:solidFill>
-                  <a:srgbClr val="FF0000"/>
-                </a:solidFill>
-              </a:rPr>
-              <a:t>The last three characters indicate the permissions granted to other users who are not the owner or part of the group. Here, others only have read permission.</a:t>
-            </a:r>
-            <a:endParaRPr lang="en-AU" sz="2400" dirty="0">
-              <a:solidFill>
-                <a:srgbClr val="FF0000"/>
-              </a:solidFill>
+              <a:effectLst>
+                <a:outerShdw blurRad="9525" dist="25400" dir="14640000" algn="tl" rotWithShape="0">
+                  <a:schemeClr val="bg1">
+                    <a:alpha val="30000"/>
+                  </a:schemeClr>
+                </a:outerShdw>
+              </a:effectLst>
             </a:endParaRPr>
           </a:p>
         </p:txBody>
@@ -15404,7 +15713,7 @@
     </p:spTree>
     <p:extLst>
       <p:ext uri="{BB962C8B-B14F-4D97-AF65-F5344CB8AC3E}">
-        <p14:creationId xmlns:p14="http://schemas.microsoft.com/office/powerpoint/2010/main" val="3533530707"/>
+        <p14:creationId xmlns:p14="http://schemas.microsoft.com/office/powerpoint/2010/main" val="2414964948"/>
       </p:ext>
     </p:extLst>
   </p:cSld>
@@ -15449,12 +15758,14 @@
         </p:nvSpPr>
         <p:spPr>
           <a:xfrm>
-            <a:off x="913795" y="38100"/>
-            <a:ext cx="10353762" cy="710045"/>
+            <a:off x="913795" y="197127"/>
+            <a:ext cx="10353762" cy="541020"/>
           </a:xfrm>
         </p:spPr>
         <p:txBody>
-          <a:bodyPr/>
+          <a:bodyPr>
+            <a:normAutofit fontScale="90000"/>
+          </a:bodyPr>
           <a:lstStyle/>
           <a:p>
             <a:r>
@@ -15478,8 +15789,8 @@
         </p:nvSpPr>
         <p:spPr>
           <a:xfrm>
-            <a:off x="266007" y="748145"/>
-            <a:ext cx="11720945" cy="5509200"/>
+            <a:off x="230203" y="841818"/>
+            <a:ext cx="11720945" cy="461665"/>
           </a:xfrm>
           <a:prstGeom prst="rect">
             <a:avLst/>
@@ -15492,432 +15803,24 @@
           </a:bodyPr>
           <a:lstStyle/>
           <a:p>
-            <a:r>
-              <a:rPr lang="en-AU" sz="2200" dirty="0">
-                <a:ln>
-                  <a:solidFill>
-                    <a:schemeClr val="bg1">
-                      <a:lumMod val="75000"/>
-                      <a:lumOff val="25000"/>
-                      <a:alpha val="10000"/>
-                    </a:schemeClr>
-                  </a:solidFill>
-                </a:ln>
-                <a:solidFill>
-                  <a:schemeClr val="tx2"/>
-                </a:solidFill>
-                <a:effectLst>
-                  <a:outerShdw blurRad="9525" dist="25400" dir="14640000" algn="tl" rotWithShape="0">
-                    <a:schemeClr val="bg1">
-                      <a:alpha val="30000"/>
-                    </a:schemeClr>
-                  </a:outerShdw>
-                </a:effectLst>
-              </a:rPr>
-              <a:t>[10 marks total] The CEO of Australia’s leading take-away chicken restaurant, ‘Chicken Delight’, received an email to his company email at </a:t>
-            </a:r>
-            <a:r>
-              <a:rPr lang="en-AU" sz="2200" dirty="0">
-                <a:ln>
-                  <a:solidFill>
-                    <a:schemeClr val="bg1">
-                      <a:lumMod val="75000"/>
-                      <a:lumOff val="25000"/>
-                      <a:alpha val="10000"/>
-                    </a:schemeClr>
-                  </a:solidFill>
-                </a:ln>
-                <a:solidFill>
-                  <a:schemeClr val="tx2"/>
-                </a:solidFill>
-                <a:effectLst>
-                  <a:outerShdw blurRad="9525" dist="25400" dir="14640000" algn="tl" rotWithShape="0">
-                    <a:schemeClr val="bg1">
-                      <a:alpha val="30000"/>
-                    </a:schemeClr>
-                  </a:outerShdw>
-                </a:effectLst>
-                <a:hlinkClick r:id="rId3"/>
-              </a:rPr>
-              <a:t>ceo@chickendelight.com</a:t>
-            </a:r>
-            <a:r>
-              <a:rPr lang="en-AU" sz="2200" dirty="0">
-                <a:ln>
-                  <a:solidFill>
-                    <a:schemeClr val="bg1">
-                      <a:lumMod val="75000"/>
-                      <a:lumOff val="25000"/>
-                      <a:alpha val="10000"/>
-                    </a:schemeClr>
-                  </a:solidFill>
-                </a:ln>
-                <a:solidFill>
-                  <a:schemeClr val="tx2"/>
-                </a:solidFill>
-                <a:effectLst>
-                  <a:outerShdw blurRad="9525" dist="25400" dir="14640000" algn="tl" rotWithShape="0">
-                    <a:schemeClr val="bg1">
-                      <a:alpha val="30000"/>
-                    </a:schemeClr>
-                  </a:outerShdw>
-                </a:effectLst>
-              </a:rPr>
-              <a:t> from a sender at </a:t>
-            </a:r>
-            <a:r>
-              <a:rPr lang="en-AU" sz="2200" dirty="0">
-                <a:ln>
-                  <a:solidFill>
-                    <a:schemeClr val="bg1">
-                      <a:lumMod val="75000"/>
-                      <a:lumOff val="25000"/>
-                      <a:alpha val="10000"/>
-                    </a:schemeClr>
-                  </a:solidFill>
-                </a:ln>
-                <a:solidFill>
-                  <a:schemeClr val="tx2"/>
-                </a:solidFill>
-                <a:effectLst>
-                  <a:outerShdw blurRad="9525" dist="25400" dir="14640000" algn="tl" rotWithShape="0">
-                    <a:schemeClr val="bg1">
-                      <a:alpha val="30000"/>
-                    </a:schemeClr>
-                  </a:outerShdw>
-                </a:effectLst>
-                <a:hlinkClick r:id="rId4"/>
-              </a:rPr>
-              <a:t>chockendelight@gmail.com</a:t>
-            </a:r>
-            <a:r>
-              <a:rPr lang="en-AU" sz="2200" dirty="0">
-                <a:ln>
-                  <a:solidFill>
-                    <a:schemeClr val="bg1">
-                      <a:lumMod val="75000"/>
-                      <a:lumOff val="25000"/>
-                      <a:alpha val="10000"/>
-                    </a:schemeClr>
-                  </a:solidFill>
-                </a:ln>
-                <a:solidFill>
-                  <a:schemeClr val="tx2"/>
-                </a:solidFill>
-                <a:effectLst>
-                  <a:outerShdw blurRad="9525" dist="25400" dir="14640000" algn="tl" rotWithShape="0">
-                    <a:schemeClr val="bg1">
-                      <a:alpha val="30000"/>
-                    </a:schemeClr>
-                  </a:outerShdw>
-                </a:effectLst>
-              </a:rPr>
-              <a:t>. The email claims to be the new Chicken Delight finance executive. The email asked the CEO to verify the company’s bank details for a new finance system by clicking on a bit.ly link provided in the email. The CEO clicked the link, causing Chicken Delight to lose over $80,000. As a result, the CEO was fired last night.</a:t>
-            </a:r>
-          </a:p>
-          <a:p>
-            <a:endParaRPr lang="en-AU" sz="2200" dirty="0">
-              <a:ln>
-                <a:solidFill>
-                  <a:schemeClr val="bg1">
-                    <a:lumMod val="75000"/>
-                    <a:lumOff val="25000"/>
-                    <a:alpha val="10000"/>
-                  </a:schemeClr>
-                </a:solidFill>
-              </a:ln>
-              <a:solidFill>
-                <a:schemeClr val="tx2"/>
-              </a:solidFill>
-              <a:effectLst>
-                <a:outerShdw blurRad="9525" dist="25400" dir="14640000" algn="tl" rotWithShape="0">
-                  <a:schemeClr val="bg1">
-                    <a:alpha val="30000"/>
-                  </a:schemeClr>
-                </a:outerShdw>
-              </a:effectLst>
-            </a:endParaRPr>
-          </a:p>
-          <a:p>
-            <a:r>
-              <a:rPr lang="en-AU" sz="2200" dirty="0">
-                <a:ln>
-                  <a:solidFill>
-                    <a:schemeClr val="bg1">
-                      <a:lumMod val="75000"/>
-                      <a:lumOff val="25000"/>
-                      <a:alpha val="10000"/>
-                    </a:schemeClr>
-                  </a:solidFill>
-                </a:ln>
-                <a:solidFill>
-                  <a:srgbClr val="FF0000"/>
-                </a:solidFill>
-                <a:effectLst>
-                  <a:outerShdw blurRad="9525" dist="25400" dir="14640000" algn="tl" rotWithShape="0">
-                    <a:schemeClr val="bg1">
-                      <a:alpha val="30000"/>
-                    </a:schemeClr>
-                  </a:outerShdw>
-                </a:effectLst>
-              </a:rPr>
-              <a:t>a) </a:t>
-            </a:r>
-            <a:r>
-              <a:rPr lang="en-AU" sz="2200" dirty="0">
-                <a:ln>
-                  <a:solidFill>
-                    <a:schemeClr val="bg1">
-                      <a:lumMod val="75000"/>
-                      <a:lumOff val="25000"/>
-                      <a:alpha val="10000"/>
-                    </a:schemeClr>
-                  </a:solidFill>
-                </a:ln>
-                <a:solidFill>
-                  <a:schemeClr val="tx2"/>
-                </a:solidFill>
-                <a:effectLst>
-                  <a:outerShdw blurRad="9525" dist="25400" dir="14640000" algn="tl" rotWithShape="0">
-                    <a:schemeClr val="bg1">
-                      <a:alpha val="30000"/>
-                    </a:schemeClr>
-                  </a:outerShdw>
-                </a:effectLst>
+            <a:pPr marL="457200" indent="-457200">
+              <a:buAutoNum type="alphaLcParenR"/>
+            </a:pPr>
+            <a:r>
+              <a:rPr lang="en-AU" sz="2400" dirty="0">
+                <a:effectLst/>
+                <a:ea typeface="DengXian" panose="02010600030101010101" pitchFamily="2" charset="-122"/>
+                <a:cs typeface="Times New Roman" panose="02020603050405020304" pitchFamily="18" charset="0"/>
               </a:rPr>
               <a:t>[1 mark] Which specific Social Engineering Threat is this? </a:t>
             </a:r>
-          </a:p>
-          <a:p>
-            <a:r>
-              <a:rPr lang="en-AU" sz="2200" dirty="0">
-                <a:ln>
-                  <a:solidFill>
-                    <a:schemeClr val="bg1">
-                      <a:lumMod val="75000"/>
-                      <a:lumOff val="25000"/>
-                      <a:alpha val="10000"/>
-                    </a:schemeClr>
-                  </a:solidFill>
-                </a:ln>
-                <a:solidFill>
-                  <a:srgbClr val="FF0000"/>
-                </a:solidFill>
-                <a:effectLst>
-                  <a:outerShdw blurRad="9525" dist="25400" dir="14640000" algn="tl" rotWithShape="0">
-                    <a:schemeClr val="bg1">
-                      <a:alpha val="30000"/>
-                    </a:schemeClr>
-                  </a:outerShdw>
-                </a:effectLst>
-              </a:rPr>
-              <a:t>b)</a:t>
-            </a:r>
-            <a:r>
-              <a:rPr lang="en-AU" sz="2200" dirty="0">
-                <a:ln>
-                  <a:solidFill>
-                    <a:schemeClr val="bg1">
-                      <a:lumMod val="75000"/>
-                      <a:lumOff val="25000"/>
-                      <a:alpha val="10000"/>
-                    </a:schemeClr>
-                  </a:solidFill>
-                </a:ln>
-                <a:solidFill>
-                  <a:schemeClr val="tx2"/>
-                </a:solidFill>
-                <a:effectLst>
-                  <a:outerShdw blurRad="9525" dist="25400" dir="14640000" algn="tl" rotWithShape="0">
-                    <a:schemeClr val="bg1">
-                      <a:alpha val="30000"/>
-                    </a:schemeClr>
-                  </a:outerShdw>
-                </a:effectLst>
-              </a:rPr>
-              <a:t> [2 marks] How could the company mitigate similar attacks in the future? </a:t>
-            </a:r>
-          </a:p>
-          <a:p>
-            <a:r>
-              <a:rPr lang="en-AU" sz="2200" dirty="0">
-                <a:ln>
-                  <a:solidFill>
-                    <a:schemeClr val="bg1">
-                      <a:lumMod val="75000"/>
-                      <a:lumOff val="25000"/>
-                      <a:alpha val="10000"/>
-                    </a:schemeClr>
-                  </a:solidFill>
-                </a:ln>
-                <a:solidFill>
-                  <a:srgbClr val="FF0000"/>
-                </a:solidFill>
-                <a:effectLst>
-                  <a:outerShdw blurRad="9525" dist="25400" dir="14640000" algn="tl" rotWithShape="0">
-                    <a:schemeClr val="bg1">
-                      <a:alpha val="30000"/>
-                    </a:schemeClr>
-                  </a:outerShdw>
-                </a:effectLst>
-              </a:rPr>
-              <a:t>c)</a:t>
-            </a:r>
-            <a:r>
-              <a:rPr lang="en-AU" sz="2200" dirty="0">
-                <a:ln>
-                  <a:solidFill>
-                    <a:schemeClr val="bg1">
-                      <a:lumMod val="75000"/>
-                      <a:lumOff val="25000"/>
-                      <a:alpha val="10000"/>
-                    </a:schemeClr>
-                  </a:solidFill>
-                </a:ln>
-                <a:solidFill>
-                  <a:schemeClr val="tx2"/>
-                </a:solidFill>
-                <a:effectLst>
-                  <a:outerShdw blurRad="9525" dist="25400" dir="14640000" algn="tl" rotWithShape="0">
-                    <a:schemeClr val="bg1">
-                      <a:alpha val="30000"/>
-                    </a:schemeClr>
-                  </a:outerShdw>
-                </a:effectLst>
-              </a:rPr>
-              <a:t> [2 marks] Can you name some features of the email that the CEO may have failed to pick up on? </a:t>
-            </a:r>
-          </a:p>
-          <a:p>
-            <a:r>
-              <a:rPr lang="en-AU" sz="2200" dirty="0">
-                <a:ln>
-                  <a:solidFill>
-                    <a:schemeClr val="bg1">
-                      <a:lumMod val="75000"/>
-                      <a:lumOff val="25000"/>
-                      <a:alpha val="10000"/>
-                    </a:schemeClr>
-                  </a:solidFill>
-                </a:ln>
-                <a:solidFill>
-                  <a:srgbClr val="FF0000"/>
-                </a:solidFill>
-                <a:effectLst>
-                  <a:outerShdw blurRad="9525" dist="25400" dir="14640000" algn="tl" rotWithShape="0">
-                    <a:schemeClr val="bg1">
-                      <a:alpha val="30000"/>
-                    </a:schemeClr>
-                  </a:outerShdw>
-                </a:effectLst>
-              </a:rPr>
-              <a:t>d)</a:t>
-            </a:r>
-            <a:r>
-              <a:rPr lang="en-AU" sz="2200" dirty="0">
-                <a:ln>
-                  <a:solidFill>
-                    <a:schemeClr val="bg1">
-                      <a:lumMod val="75000"/>
-                      <a:lumOff val="25000"/>
-                      <a:alpha val="10000"/>
-                    </a:schemeClr>
-                  </a:solidFill>
-                </a:ln>
-                <a:solidFill>
-                  <a:schemeClr val="tx2"/>
-                </a:solidFill>
-                <a:effectLst>
-                  <a:outerShdw blurRad="9525" dist="25400" dir="14640000" algn="tl" rotWithShape="0">
-                    <a:schemeClr val="bg1">
-                      <a:alpha val="30000"/>
-                    </a:schemeClr>
-                  </a:outerShdw>
-                </a:effectLst>
-              </a:rPr>
-              <a:t> [3 marks] Let’s assume you have developed a spam email filter that is currently 100% effective at filtering out spam emails. Will this solve the spam email threat? Why or why not? Justify your answer.</a:t>
-            </a:r>
-          </a:p>
-          <a:p>
-            <a:r>
-              <a:rPr lang="en-AU" sz="2200" dirty="0">
-                <a:ln>
-                  <a:solidFill>
-                    <a:schemeClr val="bg1">
-                      <a:lumMod val="75000"/>
-                      <a:lumOff val="25000"/>
-                      <a:alpha val="10000"/>
-                    </a:schemeClr>
-                  </a:solidFill>
-                </a:ln>
-                <a:solidFill>
-                  <a:srgbClr val="FF0000"/>
-                </a:solidFill>
-                <a:effectLst>
-                  <a:outerShdw blurRad="9525" dist="25400" dir="14640000" algn="tl" rotWithShape="0">
-                    <a:schemeClr val="bg1">
-                      <a:alpha val="30000"/>
-                    </a:schemeClr>
-                  </a:outerShdw>
-                </a:effectLst>
-              </a:rPr>
-              <a:t>e) </a:t>
-            </a:r>
-            <a:r>
-              <a:rPr lang="en-AU" sz="2200" dirty="0">
-                <a:ln>
-                  <a:solidFill>
-                    <a:schemeClr val="bg1">
-                      <a:lumMod val="75000"/>
-                      <a:lumOff val="25000"/>
-                      <a:alpha val="10000"/>
-                    </a:schemeClr>
-                  </a:solidFill>
-                </a:ln>
-                <a:solidFill>
-                  <a:schemeClr val="tx2"/>
-                </a:solidFill>
-                <a:effectLst>
-                  <a:outerShdw blurRad="9525" dist="25400" dir="14640000" algn="tl" rotWithShape="0">
-                    <a:schemeClr val="bg1">
-                      <a:alpha val="30000"/>
-                    </a:schemeClr>
-                  </a:outerShdw>
-                </a:effectLst>
-              </a:rPr>
-              <a:t>[2 marks] What is the difference between “junk” and “phishing” options from your email client (e.g., Microsoft Outlook)?</a:t>
-            </a:r>
-          </a:p>
-          <a:p>
-            <a:pPr fontAlgn="base"/>
-            <a:endParaRPr lang="en-AU" sz="2200" dirty="0">
-              <a:ln>
-                <a:solidFill>
-                  <a:schemeClr val="bg1">
-                    <a:lumMod val="75000"/>
-                    <a:lumOff val="25000"/>
-                    <a:alpha val="10000"/>
-                  </a:schemeClr>
-                </a:solidFill>
-              </a:ln>
-              <a:solidFill>
-                <a:schemeClr val="tx2"/>
-              </a:solidFill>
-              <a:effectLst>
-                <a:outerShdw blurRad="9525" dist="25400" dir="14640000" algn="tl" rotWithShape="0">
-                  <a:schemeClr val="bg1">
-                    <a:alpha val="30000"/>
-                  </a:schemeClr>
-                </a:outerShdw>
-              </a:effectLst>
-            </a:endParaRPr>
           </a:p>
         </p:txBody>
       </p:sp>
     </p:spTree>
     <p:extLst>
       <p:ext uri="{BB962C8B-B14F-4D97-AF65-F5344CB8AC3E}">
-        <p14:creationId xmlns:p14="http://schemas.microsoft.com/office/powerpoint/2010/main" val="2414964948"/>
+        <p14:creationId xmlns:p14="http://schemas.microsoft.com/office/powerpoint/2010/main" val="110243109"/>
       </p:ext>
     </p:extLst>
   </p:cSld>
@@ -15962,7 +15865,7 @@
         </p:nvSpPr>
         <p:spPr>
           <a:xfrm>
-            <a:off x="913795" y="197127"/>
+            <a:off x="913795" y="38101"/>
             <a:ext cx="10353762" cy="541020"/>
           </a:xfrm>
         </p:spPr>
@@ -15993,8 +15896,8 @@
         </p:nvSpPr>
         <p:spPr>
           <a:xfrm>
-            <a:off x="230203" y="841818"/>
-            <a:ext cx="11720945" cy="461665"/>
+            <a:off x="235527" y="610986"/>
+            <a:ext cx="11720945" cy="1200329"/>
           </a:xfrm>
           <a:prstGeom prst="rect">
             <a:avLst/>
@@ -16019,12 +15922,43 @@
               <a:t>[1 mark] Which specific Social Engineering Threat is this? </a:t>
             </a:r>
           </a:p>
+          <a:p>
+            <a:pPr marL="342900" lvl="0" indent="-342900">
+              <a:buFont typeface="Symbol" panose="05050102010706020507" pitchFamily="18" charset="2"/>
+              <a:buChar char=""/>
+            </a:pPr>
+            <a:endParaRPr lang="en-AU" sz="2400" dirty="0">
+              <a:solidFill>
+                <a:srgbClr val="FF0000"/>
+              </a:solidFill>
+              <a:effectLst/>
+              <a:ea typeface="Times New Roman" panose="02020603050405020304" pitchFamily="18" charset="0"/>
+              <a:cs typeface="Arial" panose="020B0604020202020204" pitchFamily="34" charset="0"/>
+            </a:endParaRPr>
+          </a:p>
+          <a:p>
+            <a:pPr marL="342900" lvl="0" indent="-342900">
+              <a:buFont typeface="Symbol" panose="05050102010706020507" pitchFamily="18" charset="2"/>
+              <a:buChar char=""/>
+            </a:pPr>
+            <a:r>
+              <a:rPr lang="en-AU" sz="2400" dirty="0">
+                <a:solidFill>
+                  <a:srgbClr val="FF0000"/>
+                </a:solidFill>
+                <a:effectLst/>
+                <a:ea typeface="DengXian" panose="02010600030101010101" pitchFamily="2" charset="-122"/>
+                <a:cs typeface="Times New Roman" panose="02020603050405020304" pitchFamily="18" charset="0"/>
+              </a:rPr>
+              <a:t>Whale phishing</a:t>
+            </a:r>
+          </a:p>
         </p:txBody>
       </p:sp>
     </p:spTree>
     <p:extLst>
       <p:ext uri="{BB962C8B-B14F-4D97-AF65-F5344CB8AC3E}">
-        <p14:creationId xmlns:p14="http://schemas.microsoft.com/office/powerpoint/2010/main" val="110243109"/>
+        <p14:creationId xmlns:p14="http://schemas.microsoft.com/office/powerpoint/2010/main" val="2857348335"/>
       </p:ext>
     </p:extLst>
   </p:cSld>
@@ -16101,7 +16035,7 @@
         <p:spPr>
           <a:xfrm>
             <a:off x="235527" y="610986"/>
-            <a:ext cx="11720945" cy="1200329"/>
+            <a:ext cx="11720945" cy="1938992"/>
           </a:xfrm>
           <a:prstGeom prst="rect">
             <a:avLst/>
@@ -16114,16 +16048,13 @@
           </a:bodyPr>
           <a:lstStyle/>
           <a:p>
-            <a:pPr marL="457200" indent="-457200">
-              <a:buAutoNum type="alphaLcParenR"/>
-            </a:pPr>
             <a:r>
               <a:rPr lang="en-AU" sz="2400" dirty="0">
                 <a:effectLst/>
                 <a:ea typeface="DengXian" panose="02010600030101010101" pitchFamily="2" charset="-122"/>
                 <a:cs typeface="Times New Roman" panose="02020603050405020304" pitchFamily="18" charset="0"/>
               </a:rPr>
-              <a:t>[1 mark] Which specific Social Engineering Threat is this? </a:t>
+              <a:t>a) [1 mark] Which specific Social Engineering Threat is this? </a:t>
             </a:r>
           </a:p>
           <a:p>
@@ -16157,12 +16088,29 @@
               <a:t>Whale phishing</a:t>
             </a:r>
           </a:p>
+          <a:p>
+            <a:endParaRPr lang="en-AU" sz="2400" dirty="0">
+              <a:effectLst/>
+              <a:ea typeface="DengXian" panose="02010600030101010101" pitchFamily="2" charset="-122"/>
+              <a:cs typeface="Times New Roman" panose="02020603050405020304" pitchFamily="18" charset="0"/>
+            </a:endParaRPr>
+          </a:p>
+          <a:p>
+            <a:r>
+              <a:rPr lang="en-AU" sz="2400" dirty="0">
+                <a:effectLst/>
+                <a:ea typeface="DengXian" panose="02010600030101010101" pitchFamily="2" charset="-122"/>
+                <a:cs typeface="Times New Roman" panose="02020603050405020304" pitchFamily="18" charset="0"/>
+              </a:rPr>
+              <a:t>b) [2 marks] How could the company mitigate similar attacks in the future? </a:t>
+            </a:r>
+          </a:p>
         </p:txBody>
       </p:sp>
     </p:spTree>
     <p:extLst>
       <p:ext uri="{BB962C8B-B14F-4D97-AF65-F5344CB8AC3E}">
-        <p14:creationId xmlns:p14="http://schemas.microsoft.com/office/powerpoint/2010/main" val="2857348335"/>
+        <p14:creationId xmlns:p14="http://schemas.microsoft.com/office/powerpoint/2010/main" val="1690056961"/>
       </p:ext>
     </p:extLst>
   </p:cSld>
@@ -16239,7 +16187,7 @@
         <p:spPr>
           <a:xfrm>
             <a:off x="235527" y="610986"/>
-            <a:ext cx="11720945" cy="1938992"/>
+            <a:ext cx="11720945" cy="3046988"/>
           </a:xfrm>
           <a:prstGeom prst="rect">
             <a:avLst/>
@@ -16309,12 +16257,81 @@
               <a:t>b) [2 marks] How could the company mitigate similar attacks in the future? </a:t>
             </a:r>
           </a:p>
+          <a:p>
+            <a:endParaRPr lang="en-AU" sz="2400" dirty="0">
+              <a:effectLst/>
+              <a:ea typeface="DengXian" panose="02010600030101010101" pitchFamily="2" charset="-122"/>
+              <a:cs typeface="Times New Roman" panose="02020603050405020304" pitchFamily="18" charset="0"/>
+            </a:endParaRPr>
+          </a:p>
+          <a:p>
+            <a:pPr marL="342900" lvl="0" indent="-342900">
+              <a:buFont typeface="Symbol" panose="05050102010706020507" pitchFamily="18" charset="2"/>
+              <a:buChar char=""/>
+            </a:pPr>
+            <a:r>
+              <a:rPr lang="en-AU" sz="2400" dirty="0">
+                <a:solidFill>
+                  <a:srgbClr val="FF0000"/>
+                </a:solidFill>
+                <a:cs typeface="Arial" panose="020B0604020202020204" pitchFamily="34" charset="0"/>
+              </a:rPr>
+              <a:t>[2 marks] </a:t>
+            </a:r>
+            <a:r>
+              <a:rPr lang="en-AU" sz="2400" dirty="0">
+                <a:solidFill>
+                  <a:srgbClr val="FF0000"/>
+                </a:solidFill>
+                <a:effectLst/>
+                <a:ea typeface="Times New Roman" panose="02020603050405020304" pitchFamily="18" charset="0"/>
+                <a:cs typeface="Arial" panose="020B0604020202020204" pitchFamily="34" charset="0"/>
+              </a:rPr>
+              <a:t>Security awareness training: describe it. </a:t>
+            </a:r>
+            <a:endParaRPr lang="en-AU" sz="2400" dirty="0">
+              <a:effectLst/>
+              <a:ea typeface="Times New Roman" panose="02020603050405020304" pitchFamily="18" charset="0"/>
+              <a:cs typeface="Times New Roman" panose="02020603050405020304" pitchFamily="18" charset="0"/>
+            </a:endParaRPr>
+          </a:p>
+          <a:p>
+            <a:pPr marL="342900" lvl="0" indent="-342900">
+              <a:buFont typeface="Symbol" panose="05050102010706020507" pitchFamily="18" charset="2"/>
+              <a:buChar char=""/>
+            </a:pPr>
+            <a:r>
+              <a:rPr lang="en-AU" sz="2400" dirty="0">
+                <a:solidFill>
+                  <a:srgbClr val="FF0000"/>
+                </a:solidFill>
+                <a:cs typeface="Arial" panose="020B0604020202020204" pitchFamily="34" charset="0"/>
+              </a:rPr>
+              <a:t>[2 marks] </a:t>
+            </a:r>
+            <a:r>
+              <a:rPr lang="en-AU" sz="2400" dirty="0">
+                <a:solidFill>
+                  <a:srgbClr val="FF0000"/>
+                </a:solidFill>
+                <a:effectLst/>
+                <a:ea typeface="Times New Roman" panose="02020603050405020304" pitchFamily="18" charset="0"/>
+                <a:cs typeface="Arial" panose="020B0604020202020204" pitchFamily="34" charset="0"/>
+              </a:rPr>
+              <a:t>Improving spam email filtering: describe it.</a:t>
+            </a:r>
+            <a:endParaRPr lang="en-AU" sz="2400" dirty="0">
+              <a:effectLst/>
+              <a:ea typeface="Times New Roman" panose="02020603050405020304" pitchFamily="18" charset="0"/>
+              <a:cs typeface="Times New Roman" panose="02020603050405020304" pitchFamily="18" charset="0"/>
+            </a:endParaRPr>
+          </a:p>
         </p:txBody>
       </p:sp>
     </p:spTree>
     <p:extLst>
       <p:ext uri="{BB962C8B-B14F-4D97-AF65-F5344CB8AC3E}">
-        <p14:creationId xmlns:p14="http://schemas.microsoft.com/office/powerpoint/2010/main" val="1690056961"/>
+        <p14:creationId xmlns:p14="http://schemas.microsoft.com/office/powerpoint/2010/main" val="1462745473"/>
       </p:ext>
     </p:extLst>
   </p:cSld>
@@ -16391,7 +16408,7 @@
         <p:spPr>
           <a:xfrm>
             <a:off x="235527" y="610986"/>
-            <a:ext cx="11720945" cy="3046988"/>
+            <a:ext cx="11720945" cy="4154984"/>
           </a:xfrm>
           <a:prstGeom prst="rect">
             <a:avLst/>
@@ -16491,7 +16508,7 @@
                 <a:ea typeface="Times New Roman" panose="02020603050405020304" pitchFamily="18" charset="0"/>
                 <a:cs typeface="Arial" panose="020B0604020202020204" pitchFamily="34" charset="0"/>
               </a:rPr>
-              <a:t>Security awareness training: describe it. </a:t>
+              <a:t>Security awareness training: describe it.</a:t>
             </a:r>
             <a:endParaRPr lang="en-AU" sz="2400" dirty="0">
               <a:effectLst/>
@@ -16524,18 +16541,32 @@
               </a:rPr>
               <a:t>Improving spam email filtering: describe it.</a:t>
             </a:r>
+          </a:p>
+          <a:p>
+            <a:pPr lvl="0"/>
             <a:endParaRPr lang="en-AU" sz="2400" dirty="0">
-              <a:effectLst/>
-              <a:ea typeface="Times New Roman" panose="02020603050405020304" pitchFamily="18" charset="0"/>
-              <a:cs typeface="Times New Roman" panose="02020603050405020304" pitchFamily="18" charset="0"/>
+              <a:solidFill>
+                <a:srgbClr val="FF0000"/>
+              </a:solidFill>
+              <a:ea typeface="DengXian" panose="02010600030101010101" pitchFamily="2" charset="-122"/>
+              <a:cs typeface="Arial" panose="020B0604020202020204" pitchFamily="34" charset="0"/>
             </a:endParaRPr>
+          </a:p>
+          <a:p>
+            <a:r>
+              <a:rPr lang="en-AU" sz="2400" dirty="0">
+                <a:ea typeface="DengXian" panose="02010600030101010101" pitchFamily="2" charset="-122"/>
+                <a:cs typeface="Times New Roman" panose="02020603050405020304" pitchFamily="18" charset="0"/>
+              </a:rPr>
+              <a:t>c) [2 marks] Can you name some features of the email that the CEO may have failed to pick up on? </a:t>
+            </a:r>
           </a:p>
         </p:txBody>
       </p:sp>
     </p:spTree>
     <p:extLst>
       <p:ext uri="{BB962C8B-B14F-4D97-AF65-F5344CB8AC3E}">
-        <p14:creationId xmlns:p14="http://schemas.microsoft.com/office/powerpoint/2010/main" val="1462745473"/>
+        <p14:creationId xmlns:p14="http://schemas.microsoft.com/office/powerpoint/2010/main" val="56589812"/>
       </p:ext>
     </p:extLst>
   </p:cSld>
@@ -16612,7 +16643,7 @@
         <p:spPr>
           <a:xfrm>
             <a:off x="235527" y="610986"/>
-            <a:ext cx="11720945" cy="4154984"/>
+            <a:ext cx="11720945" cy="5632311"/>
           </a:xfrm>
           <a:prstGeom prst="rect">
             <a:avLst/>
@@ -16635,10 +16666,7 @@
             </a:r>
           </a:p>
           <a:p>
-            <a:pPr marL="342900" lvl="0" indent="-342900">
-              <a:buFont typeface="Symbol" panose="05050102010706020507" pitchFamily="18" charset="2"/>
-              <a:buChar char=""/>
-            </a:pPr>
+            <a:pPr lvl="0"/>
             <a:endParaRPr lang="en-AU" sz="2400" dirty="0">
               <a:solidFill>
                 <a:srgbClr val="FF0000"/>
@@ -16712,7 +16740,18 @@
                 <a:ea typeface="Times New Roman" panose="02020603050405020304" pitchFamily="18" charset="0"/>
                 <a:cs typeface="Arial" panose="020B0604020202020204" pitchFamily="34" charset="0"/>
               </a:rPr>
-              <a:t>Security awareness training: describe it.</a:t>
+              <a:t>Security awareness training: </a:t>
+            </a:r>
+            <a:r>
+              <a:rPr lang="en-AU" sz="2400">
+                <a:solidFill>
+                  <a:srgbClr val="FF0000"/>
+                </a:solidFill>
+                <a:effectLst/>
+                <a:ea typeface="Times New Roman" panose="02020603050405020304" pitchFamily="18" charset="0"/>
+                <a:cs typeface="Arial" panose="020B0604020202020204" pitchFamily="34" charset="0"/>
+              </a:rPr>
+              <a:t>describe it.</a:t>
             </a:r>
             <a:endParaRPr lang="en-AU" sz="2400" dirty="0">
               <a:effectLst/>
@@ -16745,6 +16784,11 @@
               </a:rPr>
               <a:t>Improving spam email filtering: describe it.</a:t>
             </a:r>
+            <a:endParaRPr lang="en-AU" sz="2400" dirty="0">
+              <a:effectLst/>
+              <a:ea typeface="Times New Roman" panose="02020603050405020304" pitchFamily="18" charset="0"/>
+              <a:cs typeface="Times New Roman" panose="02020603050405020304" pitchFamily="18" charset="0"/>
+            </a:endParaRPr>
           </a:p>
           <a:p>
             <a:pPr lvl="0"/>
@@ -16764,13 +16808,159 @@
               </a:rPr>
               <a:t>c) [2 marks] Can you name some features of the email that the CEO may have failed to pick up on? </a:t>
             </a:r>
+            <a:endParaRPr lang="en-AU" sz="2400" b="1" dirty="0">
+              <a:solidFill>
+                <a:srgbClr val="FF0000"/>
+              </a:solidFill>
+              <a:effectLst/>
+              <a:latin typeface="Speak Pro (Body)"/>
+              <a:ea typeface="Times New Roman" panose="02020603050405020304" pitchFamily="18" charset="0"/>
+              <a:cs typeface="Arial" panose="020B0604020202020204" pitchFamily="34" charset="0"/>
+            </a:endParaRPr>
+          </a:p>
+          <a:p>
+            <a:pPr marL="342900" indent="-342900">
+              <a:buFont typeface="Symbol" panose="05050102010706020507" pitchFamily="18" charset="2"/>
+              <a:buChar char=""/>
+            </a:pPr>
+            <a:r>
+              <a:rPr lang="en-AU" sz="2400" dirty="0">
+                <a:solidFill>
+                  <a:srgbClr val="FF0000"/>
+                </a:solidFill>
+                <a:cs typeface="Arial" panose="020B0604020202020204" pitchFamily="34" charset="0"/>
+              </a:rPr>
+              <a:t>[1 mark] very similar email domains: incorrect spelling of chicken in the email address</a:t>
+            </a:r>
+          </a:p>
+          <a:p>
+            <a:pPr marL="342900" indent="-342900">
+              <a:buFont typeface="Symbol" panose="05050102010706020507" pitchFamily="18" charset="2"/>
+              <a:buChar char=""/>
+            </a:pPr>
+            <a:r>
+              <a:rPr lang="en-AU" sz="2400" dirty="0">
+                <a:solidFill>
+                  <a:srgbClr val="FF0000"/>
+                </a:solidFill>
+                <a:cs typeface="Arial" panose="020B0604020202020204" pitchFamily="34" charset="0"/>
+              </a:rPr>
+              <a:t>[1 mark] external emails: non-company email as the CEO email has </a:t>
+            </a:r>
+            <a:r>
+              <a:rPr lang="en-AU" sz="2400" dirty="0">
+                <a:ln>
+                  <a:solidFill>
+                    <a:schemeClr val="bg1">
+                      <a:lumMod val="75000"/>
+                      <a:lumOff val="25000"/>
+                      <a:alpha val="10000"/>
+                    </a:schemeClr>
+                  </a:solidFill>
+                </a:ln>
+                <a:solidFill>
+                  <a:schemeClr val="tx2"/>
+                </a:solidFill>
+                <a:effectLst>
+                  <a:outerShdw blurRad="9525" dist="25400" dir="14640000" algn="tl" rotWithShape="0">
+                    <a:schemeClr val="bg1">
+                      <a:alpha val="30000"/>
+                    </a:schemeClr>
+                  </a:outerShdw>
+                </a:effectLst>
+                <a:hlinkClick r:id="rId3"/>
+              </a:rPr>
+              <a:t>chickendelight.com</a:t>
+            </a:r>
+            <a:r>
+              <a:rPr lang="en-AU" sz="2400" dirty="0">
+                <a:ln>
+                  <a:solidFill>
+                    <a:schemeClr val="bg1">
+                      <a:lumMod val="75000"/>
+                      <a:lumOff val="25000"/>
+                      <a:alpha val="10000"/>
+                    </a:schemeClr>
+                  </a:solidFill>
+                </a:ln>
+                <a:solidFill>
+                  <a:schemeClr val="tx2"/>
+                </a:solidFill>
+                <a:effectLst>
+                  <a:outerShdw blurRad="9525" dist="25400" dir="14640000" algn="tl" rotWithShape="0">
+                    <a:schemeClr val="bg1">
+                      <a:alpha val="30000"/>
+                    </a:schemeClr>
+                  </a:outerShdw>
+                </a:effectLst>
+              </a:rPr>
+              <a:t> </a:t>
+            </a:r>
+            <a:r>
+              <a:rPr lang="en-AU" sz="2400" dirty="0">
+                <a:solidFill>
+                  <a:srgbClr val="FF0000"/>
+                </a:solidFill>
+                <a:cs typeface="Arial" panose="020B0604020202020204" pitchFamily="34" charset="0"/>
+              </a:rPr>
+              <a:t>and the scammer has </a:t>
+            </a:r>
+            <a:r>
+              <a:rPr lang="en-AU" sz="2400" dirty="0">
+                <a:ln>
+                  <a:solidFill>
+                    <a:schemeClr val="bg1">
+                      <a:lumMod val="75000"/>
+                      <a:lumOff val="25000"/>
+                      <a:alpha val="10000"/>
+                    </a:schemeClr>
+                  </a:solidFill>
+                </a:ln>
+                <a:solidFill>
+                  <a:schemeClr val="tx2"/>
+                </a:solidFill>
+                <a:effectLst>
+                  <a:outerShdw blurRad="9525" dist="25400" dir="14640000" algn="tl" rotWithShape="0">
+                    <a:schemeClr val="bg1">
+                      <a:alpha val="30000"/>
+                    </a:schemeClr>
+                  </a:outerShdw>
+                </a:effectLst>
+                <a:hlinkClick r:id="rId4"/>
+              </a:rPr>
+              <a:t>gmail.com</a:t>
+            </a:r>
+            <a:r>
+              <a:rPr lang="en-AU" sz="2400" dirty="0">
+                <a:solidFill>
+                  <a:srgbClr val="FF0000"/>
+                </a:solidFill>
+                <a:cs typeface="Arial" panose="020B0604020202020204" pitchFamily="34" charset="0"/>
+              </a:rPr>
+              <a:t>)</a:t>
+            </a:r>
+          </a:p>
+          <a:p>
+            <a:pPr marL="342900" indent="-342900">
+              <a:buFont typeface="Symbol" panose="05050102010706020507" pitchFamily="18" charset="2"/>
+              <a:buChar char=""/>
+            </a:pPr>
+            <a:r>
+              <a:rPr lang="en-AU" sz="2400" dirty="0">
+                <a:solidFill>
+                  <a:srgbClr val="FF0000"/>
+                </a:solidFill>
+                <a:cs typeface="Arial" panose="020B0604020202020204" pitchFamily="34" charset="0"/>
+              </a:rPr>
+              <a:t>[1 mark] The CEO didn’t check the short URL link before clicking it. </a:t>
+            </a:r>
           </a:p>
         </p:txBody>
       </p:sp>
     </p:spTree>
     <p:extLst>
       <p:ext uri="{BB962C8B-B14F-4D97-AF65-F5344CB8AC3E}">
-        <p14:creationId xmlns:p14="http://schemas.microsoft.com/office/powerpoint/2010/main" val="56589812"/>
+        <p14:creationId xmlns:p14="http://schemas.microsoft.com/office/powerpoint/2010/main" val="822221007"/>
       </p:ext>
     </p:extLst>
   </p:cSld>
@@ -16815,14 +17005,12 @@
         </p:nvSpPr>
         <p:spPr>
           <a:xfrm>
-            <a:off x="913795" y="38101"/>
-            <a:ext cx="10353762" cy="541020"/>
+            <a:off x="913795" y="38100"/>
+            <a:ext cx="10353762" cy="710045"/>
           </a:xfrm>
         </p:spPr>
         <p:txBody>
-          <a:bodyPr>
-            <a:normAutofit fontScale="90000"/>
-          </a:bodyPr>
+          <a:bodyPr/>
           <a:lstStyle/>
           <a:p>
             <a:r>
@@ -16846,8 +17034,8 @@
         </p:nvSpPr>
         <p:spPr>
           <a:xfrm>
-            <a:off x="235527" y="610986"/>
-            <a:ext cx="11720945" cy="5632311"/>
+            <a:off x="235527" y="740926"/>
+            <a:ext cx="11720945" cy="1107996"/>
           </a:xfrm>
           <a:prstGeom prst="rect">
             <a:avLst/>
@@ -16861,198 +17049,7 @@
           <a:lstStyle/>
           <a:p>
             <a:r>
-              <a:rPr lang="en-AU" sz="2400" dirty="0">
-                <a:effectLst/>
-                <a:ea typeface="DengXian" panose="02010600030101010101" pitchFamily="2" charset="-122"/>
-                <a:cs typeface="Times New Roman" panose="02020603050405020304" pitchFamily="18" charset="0"/>
-              </a:rPr>
-              <a:t>a) [1 mark] Which specific Social Engineering Threat is this? </a:t>
-            </a:r>
-          </a:p>
-          <a:p>
-            <a:pPr lvl="0"/>
-            <a:endParaRPr lang="en-AU" sz="2400" dirty="0">
-              <a:solidFill>
-                <a:srgbClr val="FF0000"/>
-              </a:solidFill>
-              <a:effectLst/>
-              <a:ea typeface="Times New Roman" panose="02020603050405020304" pitchFamily="18" charset="0"/>
-              <a:cs typeface="Arial" panose="020B0604020202020204" pitchFamily="34" charset="0"/>
-            </a:endParaRPr>
-          </a:p>
-          <a:p>
-            <a:pPr marL="342900" lvl="0" indent="-342900">
-              <a:buFont typeface="Symbol" panose="05050102010706020507" pitchFamily="18" charset="2"/>
-              <a:buChar char=""/>
-            </a:pPr>
-            <a:r>
-              <a:rPr lang="en-AU" sz="2400" dirty="0">
-                <a:solidFill>
-                  <a:srgbClr val="FF0000"/>
-                </a:solidFill>
-                <a:effectLst/>
-                <a:ea typeface="DengXian" panose="02010600030101010101" pitchFamily="2" charset="-122"/>
-                <a:cs typeface="Times New Roman" panose="02020603050405020304" pitchFamily="18" charset="0"/>
-              </a:rPr>
-              <a:t>Whale phishing</a:t>
-            </a:r>
-          </a:p>
-          <a:p>
-            <a:endParaRPr lang="en-AU" sz="2400" dirty="0">
-              <a:effectLst/>
-              <a:ea typeface="DengXian" panose="02010600030101010101" pitchFamily="2" charset="-122"/>
-              <a:cs typeface="Times New Roman" panose="02020603050405020304" pitchFamily="18" charset="0"/>
-            </a:endParaRPr>
-          </a:p>
-          <a:p>
-            <a:r>
-              <a:rPr lang="en-AU" sz="2400" dirty="0">
-                <a:effectLst/>
-                <a:ea typeface="DengXian" panose="02010600030101010101" pitchFamily="2" charset="-122"/>
-                <a:cs typeface="Times New Roman" panose="02020603050405020304" pitchFamily="18" charset="0"/>
-              </a:rPr>
-              <a:t>b) [2 marks] How could the company mitigate similar attacks in the future? </a:t>
-            </a:r>
-          </a:p>
-          <a:p>
-            <a:endParaRPr lang="en-AU" sz="2400" dirty="0">
-              <a:effectLst/>
-              <a:ea typeface="DengXian" panose="02010600030101010101" pitchFamily="2" charset="-122"/>
-              <a:cs typeface="Times New Roman" panose="02020603050405020304" pitchFamily="18" charset="0"/>
-            </a:endParaRPr>
-          </a:p>
-          <a:p>
-            <a:pPr marL="342900" lvl="0" indent="-342900">
-              <a:buFont typeface="Symbol" panose="05050102010706020507" pitchFamily="18" charset="2"/>
-              <a:buChar char=""/>
-            </a:pPr>
-            <a:r>
-              <a:rPr lang="en-AU" sz="2400" dirty="0">
-                <a:solidFill>
-                  <a:srgbClr val="FF0000"/>
-                </a:solidFill>
-                <a:cs typeface="Arial" panose="020B0604020202020204" pitchFamily="34" charset="0"/>
-              </a:rPr>
-              <a:t>[2 marks] </a:t>
-            </a:r>
-            <a:r>
-              <a:rPr lang="en-AU" sz="2400" dirty="0">
-                <a:solidFill>
-                  <a:srgbClr val="FF0000"/>
-                </a:solidFill>
-                <a:effectLst/>
-                <a:ea typeface="Times New Roman" panose="02020603050405020304" pitchFamily="18" charset="0"/>
-                <a:cs typeface="Arial" panose="020B0604020202020204" pitchFamily="34" charset="0"/>
-              </a:rPr>
-              <a:t>Security awareness training: </a:t>
-            </a:r>
-            <a:r>
-              <a:rPr lang="en-AU" sz="2400">
-                <a:solidFill>
-                  <a:srgbClr val="FF0000"/>
-                </a:solidFill>
-                <a:effectLst/>
-                <a:ea typeface="Times New Roman" panose="02020603050405020304" pitchFamily="18" charset="0"/>
-                <a:cs typeface="Arial" panose="020B0604020202020204" pitchFamily="34" charset="0"/>
-              </a:rPr>
-              <a:t>describe it.</a:t>
-            </a:r>
-            <a:endParaRPr lang="en-AU" sz="2400" dirty="0">
-              <a:effectLst/>
-              <a:ea typeface="Times New Roman" panose="02020603050405020304" pitchFamily="18" charset="0"/>
-              <a:cs typeface="Times New Roman" panose="02020603050405020304" pitchFamily="18" charset="0"/>
-            </a:endParaRPr>
-          </a:p>
-          <a:p>
-            <a:pPr marL="342900" lvl="0" indent="-342900">
-              <a:buFont typeface="Symbol" panose="05050102010706020507" pitchFamily="18" charset="2"/>
-              <a:buChar char=""/>
-            </a:pPr>
-            <a:r>
-              <a:rPr lang="en-AU" sz="2400" dirty="0">
-                <a:solidFill>
-                  <a:srgbClr val="FF0000"/>
-                </a:solidFill>
-                <a:cs typeface="Arial" panose="020B0604020202020204" pitchFamily="34" charset="0"/>
-              </a:rPr>
-              <a:t>[2 marks] </a:t>
-            </a:r>
-            <a:r>
-              <a:rPr lang="en-AU" sz="2400" dirty="0">
-                <a:solidFill>
-                  <a:srgbClr val="FF0000"/>
-                </a:solidFill>
-                <a:effectLst/>
-                <a:ea typeface="Times New Roman" panose="02020603050405020304" pitchFamily="18" charset="0"/>
-                <a:cs typeface="Arial" panose="020B0604020202020204" pitchFamily="34" charset="0"/>
-              </a:rPr>
-              <a:t>Improving spam email filtering: describe it.</a:t>
-            </a:r>
-            <a:endParaRPr lang="en-AU" sz="2400" dirty="0">
-              <a:effectLst/>
-              <a:ea typeface="Times New Roman" panose="02020603050405020304" pitchFamily="18" charset="0"/>
-              <a:cs typeface="Times New Roman" panose="02020603050405020304" pitchFamily="18" charset="0"/>
-            </a:endParaRPr>
-          </a:p>
-          <a:p>
-            <a:pPr lvl="0"/>
-            <a:endParaRPr lang="en-AU" sz="2400" dirty="0">
-              <a:solidFill>
-                <a:srgbClr val="FF0000"/>
-              </a:solidFill>
-              <a:ea typeface="DengXian" panose="02010600030101010101" pitchFamily="2" charset="-122"/>
-              <a:cs typeface="Arial" panose="020B0604020202020204" pitchFamily="34" charset="0"/>
-            </a:endParaRPr>
-          </a:p>
-          <a:p>
-            <a:r>
-              <a:rPr lang="en-AU" sz="2400" dirty="0">
-                <a:ea typeface="DengXian" panose="02010600030101010101" pitchFamily="2" charset="-122"/>
-                <a:cs typeface="Times New Roman" panose="02020603050405020304" pitchFamily="18" charset="0"/>
-              </a:rPr>
-              <a:t>c) [2 marks] Can you name some features of the email that the CEO may have failed to pick up on? </a:t>
-            </a:r>
-            <a:endParaRPr lang="en-AU" sz="2400" b="1" dirty="0">
-              <a:solidFill>
-                <a:srgbClr val="FF0000"/>
-              </a:solidFill>
-              <a:effectLst/>
-              <a:latin typeface="Speak Pro (Body)"/>
-              <a:ea typeface="Times New Roman" panose="02020603050405020304" pitchFamily="18" charset="0"/>
-              <a:cs typeface="Arial" panose="020B0604020202020204" pitchFamily="34" charset="0"/>
-            </a:endParaRPr>
-          </a:p>
-          <a:p>
-            <a:pPr marL="342900" indent="-342900">
-              <a:buFont typeface="Symbol" panose="05050102010706020507" pitchFamily="18" charset="2"/>
-              <a:buChar char=""/>
-            </a:pPr>
-            <a:r>
-              <a:rPr lang="en-AU" sz="2400" dirty="0">
-                <a:solidFill>
-                  <a:srgbClr val="FF0000"/>
-                </a:solidFill>
-                <a:cs typeface="Arial" panose="020B0604020202020204" pitchFamily="34" charset="0"/>
-              </a:rPr>
-              <a:t>[1 mark] very similar email domains: incorrect spelling of chicken in the email address</a:t>
-            </a:r>
-          </a:p>
-          <a:p>
-            <a:pPr marL="342900" indent="-342900">
-              <a:buFont typeface="Symbol" panose="05050102010706020507" pitchFamily="18" charset="2"/>
-              <a:buChar char=""/>
-            </a:pPr>
-            <a:r>
-              <a:rPr lang="en-AU" sz="2400" dirty="0">
-                <a:solidFill>
-                  <a:srgbClr val="FF0000"/>
-                </a:solidFill>
-                <a:cs typeface="Arial" panose="020B0604020202020204" pitchFamily="34" charset="0"/>
-              </a:rPr>
-              <a:t>[1 mark] external emails: non-company email as the CEO email has </a:t>
-            </a:r>
-            <a:r>
-              <a:rPr lang="en-AU" sz="2400" dirty="0">
+              <a:rPr lang="en-AU" sz="2200" dirty="0">
                 <a:ln>
                   <a:solidFill>
                     <a:schemeClr val="bg1">
@@ -17072,91 +17069,8 @@
                     </a:schemeClr>
                   </a:outerShdw>
                 </a:effectLst>
-                <a:hlinkClick r:id="rId3"/>
               </a:rPr>
-              <a:t>chickendelight.com</a:t>
-            </a:r>
-            <a:r>
-              <a:rPr lang="en-AU" sz="2400" dirty="0">
-                <a:ln>
-                  <a:solidFill>
-                    <a:schemeClr val="bg1">
-                      <a:lumMod val="75000"/>
-                      <a:lumOff val="25000"/>
-                      <a:alpha val="10000"/>
-                    </a:schemeClr>
-                  </a:solidFill>
-                </a:ln>
-                <a:solidFill>
-                  <a:schemeClr val="tx2"/>
-                </a:solidFill>
-                <a:effectLst>
-                  <a:outerShdw blurRad="9525" dist="25400" dir="14640000" algn="tl" rotWithShape="0">
-                    <a:schemeClr val="bg1">
-                      <a:alpha val="30000"/>
-                    </a:schemeClr>
-                  </a:outerShdw>
-                </a:effectLst>
-              </a:rPr>
-              <a:t> </a:t>
-            </a:r>
-            <a:r>
-              <a:rPr lang="en-AU" sz="2400" dirty="0">
-                <a:solidFill>
-                  <a:srgbClr val="FF0000"/>
-                </a:solidFill>
-                <a:cs typeface="Arial" panose="020B0604020202020204" pitchFamily="34" charset="0"/>
-              </a:rPr>
-              <a:t>and the scammer has </a:t>
-            </a:r>
-            <a:r>
-              <a:rPr lang="en-AU" sz="2400" dirty="0">
-                <a:ln>
-                  <a:solidFill>
-                    <a:schemeClr val="bg1">
-                      <a:lumMod val="75000"/>
-                      <a:lumOff val="25000"/>
-                      <a:alpha val="10000"/>
-                    </a:schemeClr>
-                  </a:solidFill>
-                </a:ln>
-                <a:solidFill>
-                  <a:schemeClr val="tx2"/>
-                </a:solidFill>
-                <a:effectLst>
-                  <a:outerShdw blurRad="9525" dist="25400" dir="14640000" algn="tl" rotWithShape="0">
-                    <a:schemeClr val="bg1">
-                      <a:alpha val="30000"/>
-                    </a:schemeClr>
-                  </a:outerShdw>
-                </a:effectLst>
-                <a:hlinkClick r:id="rId4"/>
-              </a:rPr>
-              <a:t>gmail.com</a:t>
-            </a:r>
-            <a:r>
-              <a:rPr lang="en-AU" sz="2400" dirty="0">
-                <a:solidFill>
-                  <a:srgbClr val="FF0000"/>
-                </a:solidFill>
-                <a:cs typeface="Arial" panose="020B0604020202020204" pitchFamily="34" charset="0"/>
-              </a:rPr>
-              <a:t>)</a:t>
-            </a:r>
-          </a:p>
-          <a:p>
-            <a:pPr marL="342900" indent="-342900">
-              <a:buFont typeface="Symbol" panose="05050102010706020507" pitchFamily="18" charset="2"/>
-              <a:buChar char=""/>
-            </a:pPr>
-            <a:r>
-              <a:rPr lang="en-AU" sz="2400" dirty="0">
-                <a:solidFill>
-                  <a:srgbClr val="FF0000"/>
-                </a:solidFill>
-                <a:cs typeface="Arial" panose="020B0604020202020204" pitchFamily="34" charset="0"/>
-              </a:rPr>
-              <a:t>[1 mark] The CEO didn’t check the short URL link before clicking it. </a:t>
+              <a:t>d) [3 marks] Let’s assume you have developed a spam email filter that is currently 100% effective at filtering out existing spam emails. Will this solve the spam email threat? Why or why not? Justify your answer.</a:t>
             </a:r>
           </a:p>
         </p:txBody>
@@ -17164,7 +17078,7 @@
     </p:spTree>
     <p:extLst>
       <p:ext uri="{BB962C8B-B14F-4D97-AF65-F5344CB8AC3E}">
-        <p14:creationId xmlns:p14="http://schemas.microsoft.com/office/powerpoint/2010/main" val="822221007"/>
+        <p14:creationId xmlns:p14="http://schemas.microsoft.com/office/powerpoint/2010/main" val="1468594782"/>
       </p:ext>
     </p:extLst>
   </p:cSld>
@@ -17404,7 +17318,7 @@
         <p:spPr>
           <a:xfrm>
             <a:off x="235527" y="740926"/>
-            <a:ext cx="11720945" cy="1107996"/>
+            <a:ext cx="11720945" cy="4370427"/>
           </a:xfrm>
           <a:prstGeom prst="rect">
             <a:avLst/>
@@ -17442,12 +17356,103 @@
               <a:t>d) [3 marks] Let’s assume you have developed a spam email filter that is currently 100% effective at filtering out existing spam emails. Will this solve the spam email threat? Why or why not? Justify your answer.</a:t>
             </a:r>
           </a:p>
+          <a:p>
+            <a:endParaRPr lang="en-AU" sz="2400" b="1" dirty="0">
+              <a:solidFill>
+                <a:srgbClr val="FF0000"/>
+              </a:solidFill>
+              <a:effectLst/>
+              <a:latin typeface="Speak Pro (Body)"/>
+              <a:ea typeface="DengXian" panose="02010600030101010101" pitchFamily="2" charset="-122"/>
+              <a:cs typeface="Times New Roman" panose="02020603050405020304" pitchFamily="18" charset="0"/>
+            </a:endParaRPr>
+          </a:p>
+          <a:p>
+            <a:pPr marL="342900" lvl="0" indent="-342900">
+              <a:buFont typeface="Symbol" panose="05050102010706020507" pitchFamily="18" charset="2"/>
+              <a:buChar char=""/>
+            </a:pPr>
+            <a:r>
+              <a:rPr lang="en-AU" sz="2400" dirty="0">
+                <a:solidFill>
+                  <a:srgbClr val="FF0000"/>
+                </a:solidFill>
+                <a:cs typeface="Arial" panose="020B0604020202020204" pitchFamily="34" charset="0"/>
+              </a:rPr>
+              <a:t>[1 mark] saying “no” here is easier. </a:t>
+            </a:r>
+          </a:p>
+          <a:p>
+            <a:pPr marL="342900" indent="-342900">
+              <a:buFont typeface="Symbol" panose="05050102010706020507" pitchFamily="18" charset="2"/>
+              <a:buChar char=""/>
+            </a:pPr>
+            <a:r>
+              <a:rPr lang="en-AU" sz="2400" dirty="0">
+                <a:solidFill>
+                  <a:srgbClr val="FF0000"/>
+                </a:solidFill>
+                <a:cs typeface="Arial" panose="020B0604020202020204" pitchFamily="34" charset="0"/>
+              </a:rPr>
+              <a:t>[2 marks] </a:t>
+            </a:r>
+            <a:r>
+              <a:rPr lang="en-US" sz="2400" dirty="0">
+                <a:solidFill>
+                  <a:srgbClr val="FF0000"/>
+                </a:solidFill>
+                <a:cs typeface="Arial" panose="020B0604020202020204" pitchFamily="34" charset="0"/>
+              </a:rPr>
+              <a:t>spam techniques are evolving: spam email senders are constantly evolving their techniques to bypass filters and deceive recipients. They can employ various tactics such as image-based spam, and various social engineering techniques. As such, new types of spam emails can emerge that may not be effectively filtered by the existing filter.</a:t>
+            </a:r>
+            <a:endParaRPr lang="en-AU" sz="2400" dirty="0">
+              <a:solidFill>
+                <a:srgbClr val="FF0000"/>
+              </a:solidFill>
+              <a:cs typeface="Arial" panose="020B0604020202020204" pitchFamily="34" charset="0"/>
+            </a:endParaRPr>
+          </a:p>
+          <a:p>
+            <a:pPr lvl="0"/>
+            <a:endParaRPr lang="en-AU" sz="2400" dirty="0">
+              <a:solidFill>
+                <a:srgbClr val="FF0000"/>
+              </a:solidFill>
+              <a:cs typeface="Arial" panose="020B0604020202020204" pitchFamily="34" charset="0"/>
+            </a:endParaRPr>
+          </a:p>
+          <a:p>
+            <a:r>
+              <a:rPr lang="en-AU" sz="2200" dirty="0">
+                <a:ln>
+                  <a:solidFill>
+                    <a:schemeClr val="bg1">
+                      <a:lumMod val="75000"/>
+                      <a:lumOff val="25000"/>
+                      <a:alpha val="10000"/>
+                    </a:schemeClr>
+                  </a:solidFill>
+                </a:ln>
+                <a:solidFill>
+                  <a:schemeClr val="tx2"/>
+                </a:solidFill>
+                <a:effectLst>
+                  <a:outerShdw blurRad="9525" dist="25400" dir="14640000" algn="tl" rotWithShape="0">
+                    <a:schemeClr val="bg1">
+                      <a:alpha val="30000"/>
+                    </a:schemeClr>
+                  </a:outerShdw>
+                </a:effectLst>
+              </a:rPr>
+              <a:t>e) [2 marks] What is the difference between “junk” and “phishing” options from your email client (e.g., Microsoft Outlook)?</a:t>
+            </a:r>
+          </a:p>
         </p:txBody>
       </p:sp>
     </p:spTree>
     <p:extLst>
       <p:ext uri="{BB962C8B-B14F-4D97-AF65-F5344CB8AC3E}">
-        <p14:creationId xmlns:p14="http://schemas.microsoft.com/office/powerpoint/2010/main" val="1468594782"/>
+        <p14:creationId xmlns:p14="http://schemas.microsoft.com/office/powerpoint/2010/main" val="2017251195"/>
       </p:ext>
     </p:extLst>
   </p:cSld>
@@ -17522,7 +17527,7 @@
         <p:spPr>
           <a:xfrm>
             <a:off x="235527" y="740926"/>
-            <a:ext cx="11720945" cy="4370427"/>
+            <a:ext cx="11720945" cy="5847755"/>
           </a:xfrm>
           <a:prstGeom prst="rect">
             <a:avLst/>
@@ -17607,7 +17612,7 @@
                 </a:solidFill>
                 <a:cs typeface="Arial" panose="020B0604020202020204" pitchFamily="34" charset="0"/>
               </a:rPr>
-              <a:t>spam techniques are evolving: spam email senders are constantly evolving their techniques to bypass filters and deceive recipients. They can employ various tactics such as image-based spam, and various social engineering techniques. As such, new types of spam emails can emerge that may not be effectively filtered by the existing filter.</a:t>
+              <a:t>evolving spam techniques: spam email senders are constantly evolving their techniques to bypass filters and deceive recipients. They can employ various tactics such as image-based spam, and various social engineering techniques. As such, new types of spam emails can emerge that may not be effectively filtered by the existing filter.</a:t>
             </a:r>
             <a:endParaRPr lang="en-AU" sz="2400" dirty="0">
               <a:solidFill>
@@ -17651,12 +17656,93 @@
               <a:t>e) [2 marks] What is the difference between “junk” and “phishing” options from your email client (e.g., Microsoft Outlook)?</a:t>
             </a:r>
           </a:p>
+          <a:p>
+            <a:pPr marL="342900" lvl="0" indent="-342900">
+              <a:buFont typeface="Symbol" panose="05050102010706020507" pitchFamily="18" charset="2"/>
+              <a:buChar char=""/>
+            </a:pPr>
+            <a:r>
+              <a:rPr lang="en-AU" sz="2400" dirty="0">
+                <a:solidFill>
+                  <a:srgbClr val="FF0000"/>
+                </a:solidFill>
+                <a:cs typeface="Arial" panose="020B0604020202020204" pitchFamily="34" charset="0"/>
+              </a:rPr>
+              <a:t>[1 mark] </a:t>
+            </a:r>
+            <a:r>
+              <a:rPr lang="en-US" sz="2400" dirty="0">
+                <a:solidFill>
+                  <a:srgbClr val="FF0000"/>
+                </a:solidFill>
+                <a:cs typeface="Arial" panose="020B0604020202020204" pitchFamily="34" charset="0"/>
+              </a:rPr>
+              <a:t>The "junk" option helps manage unwanted or irrelevant emails, filtering out low-quality content </a:t>
+            </a:r>
+            <a:r>
+              <a:rPr lang="en-AU" sz="2400" dirty="0">
+                <a:solidFill>
+                  <a:srgbClr val="FF0000"/>
+                </a:solidFill>
+                <a:cs typeface="Arial" panose="020B0604020202020204" pitchFamily="34" charset="0"/>
+              </a:rPr>
+              <a:t>such as </a:t>
+            </a:r>
+            <a:r>
+              <a:rPr lang="en-US" sz="2400" dirty="0">
+                <a:solidFill>
+                  <a:srgbClr val="FF0000"/>
+                </a:solidFill>
+                <a:cs typeface="Arial" panose="020B0604020202020204" pitchFamily="34" charset="0"/>
+              </a:rPr>
+              <a:t>mass marketing emails and promotional offers</a:t>
+            </a:r>
+            <a:r>
+              <a:rPr lang="en-AU" sz="2400" dirty="0">
+                <a:solidFill>
+                  <a:srgbClr val="FF0000"/>
+                </a:solidFill>
+                <a:cs typeface="Arial" panose="020B0604020202020204" pitchFamily="34" charset="0"/>
+              </a:rPr>
+              <a:t>. </a:t>
+            </a:r>
+          </a:p>
+          <a:p>
+            <a:pPr marL="342900" lvl="0" indent="-342900">
+              <a:buFont typeface="Symbol" panose="05050102010706020507" pitchFamily="18" charset="2"/>
+              <a:buChar char=""/>
+            </a:pPr>
+            <a:r>
+              <a:rPr lang="en-AU" sz="2400" dirty="0">
+                <a:solidFill>
+                  <a:srgbClr val="FF0000"/>
+                </a:solidFill>
+                <a:cs typeface="Arial" panose="020B0604020202020204" pitchFamily="34" charset="0"/>
+              </a:rPr>
+              <a:t>[1 mark] The “phishing” option </a:t>
+            </a:r>
+            <a:r>
+              <a:rPr lang="en-US" sz="2400" dirty="0">
+                <a:solidFill>
+                  <a:srgbClr val="FF0000"/>
+                </a:solidFill>
+                <a:cs typeface="Arial" panose="020B0604020202020204" pitchFamily="34" charset="0"/>
+              </a:rPr>
+              <a:t>is designed to identify and report phishing emails that attempt to deceive users and steal sensitive information. </a:t>
+            </a:r>
+            <a:endParaRPr lang="en-AU" sz="2400" dirty="0">
+              <a:solidFill>
+                <a:srgbClr val="FF0000"/>
+              </a:solidFill>
+              <a:cs typeface="Arial" panose="020B0604020202020204" pitchFamily="34" charset="0"/>
+            </a:endParaRPr>
+          </a:p>
         </p:txBody>
       </p:sp>
     </p:spTree>
     <p:extLst>
       <p:ext uri="{BB962C8B-B14F-4D97-AF65-F5344CB8AC3E}">
-        <p14:creationId xmlns:p14="http://schemas.microsoft.com/office/powerpoint/2010/main" val="2017251195"/>
+        <p14:creationId xmlns:p14="http://schemas.microsoft.com/office/powerpoint/2010/main" val="3286154215"/>
       </p:ext>
     </p:extLst>
   </p:cSld>
@@ -17711,7 +17797,7 @@
           <a:p>
             <a:r>
               <a:rPr lang="en-AU" dirty="0"/>
-              <a:t>Example Question 2</a:t>
+              <a:t>Example Question 3</a:t>
             </a:r>
           </a:p>
         </p:txBody>
@@ -17730,8 +17816,8 @@
         </p:nvSpPr>
         <p:spPr>
           <a:xfrm>
-            <a:off x="235527" y="740926"/>
-            <a:ext cx="11720945" cy="5847755"/>
+            <a:off x="266007" y="748145"/>
+            <a:ext cx="11720945" cy="5170646"/>
           </a:xfrm>
           <a:prstGeom prst="rect">
             <a:avLst/>
@@ -17744,6 +17830,7 @@
           </a:bodyPr>
           <a:lstStyle/>
           <a:p>
+            <a:pPr fontAlgn="base"/>
             <a:r>
               <a:rPr lang="en-AU" sz="2200" dirty="0">
                 <a:ln>
@@ -17766,75 +17853,32 @@
                   </a:outerShdw>
                 </a:effectLst>
               </a:rPr>
-              <a:t>d) [3 marks] Let’s assume you have developed a spam email filter that is currently 100% effective at filtering out existing spam emails. Will this solve the spam email threat? Why or why not? Justify your answer.</a:t>
-            </a:r>
-          </a:p>
-          <a:p>
-            <a:endParaRPr lang="en-AU" sz="2400" b="1" dirty="0">
-              <a:solidFill>
-                <a:srgbClr val="FF0000"/>
-              </a:solidFill>
-              <a:effectLst/>
-              <a:latin typeface="Speak Pro (Body)"/>
-              <a:ea typeface="DengXian" panose="02010600030101010101" pitchFamily="2" charset="-122"/>
-              <a:cs typeface="Times New Roman" panose="02020603050405020304" pitchFamily="18" charset="0"/>
-            </a:endParaRPr>
-          </a:p>
-          <a:p>
-            <a:pPr marL="342900" lvl="0" indent="-342900">
-              <a:buFont typeface="Symbol" panose="05050102010706020507" pitchFamily="18" charset="2"/>
-              <a:buChar char=""/>
-            </a:pPr>
-            <a:r>
-              <a:rPr lang="en-AU" sz="2400" dirty="0">
-                <a:solidFill>
-                  <a:srgbClr val="FF0000"/>
-                </a:solidFill>
-                <a:cs typeface="Arial" panose="020B0604020202020204" pitchFamily="34" charset="0"/>
+              <a:t>[6 marks total] The 2020 Twitter account hijacking involved malicious attackers calling several Twitter employees and claiming to be from the Help Desk in Twitter’s IT department </a:t>
+            </a:r>
+            <a:r>
+              <a:rPr lang="en-US" sz="2200" dirty="0">
+                <a:ln>
+                  <a:solidFill>
+                    <a:schemeClr val="bg1">
+                      <a:lumMod val="75000"/>
+                      <a:lumOff val="25000"/>
+                      <a:alpha val="10000"/>
+                    </a:schemeClr>
+                  </a:solidFill>
+                </a:ln>
+                <a:solidFill>
+                  <a:schemeClr val="tx2"/>
+                </a:solidFill>
+                <a:effectLst>
+                  <a:outerShdw blurRad="9525" dist="25400" dir="14640000" algn="tl" rotWithShape="0">
+                    <a:schemeClr val="bg1">
+                      <a:alpha val="30000"/>
+                    </a:schemeClr>
+                  </a:outerShdw>
+                </a:effectLst>
               </a:rPr>
-              <a:t>[1 mark] saying “no” here is easier. </a:t>
-            </a:r>
-          </a:p>
-          <a:p>
-            <a:pPr marL="342900" indent="-342900">
-              <a:buFont typeface="Symbol" panose="05050102010706020507" pitchFamily="18" charset="2"/>
-              <a:buChar char=""/>
-            </a:pPr>
-            <a:r>
-              <a:rPr lang="en-AU" sz="2400" dirty="0">
-                <a:solidFill>
-                  <a:srgbClr val="FF0000"/>
-                </a:solidFill>
-                <a:cs typeface="Arial" panose="020B0604020202020204" pitchFamily="34" charset="0"/>
-              </a:rPr>
-              <a:t>[2 marks] </a:t>
-            </a:r>
-            <a:r>
-              <a:rPr lang="en-US" sz="2400" dirty="0">
-                <a:solidFill>
-                  <a:srgbClr val="FF0000"/>
-                </a:solidFill>
-                <a:cs typeface="Arial" panose="020B0604020202020204" pitchFamily="34" charset="0"/>
-              </a:rPr>
-              <a:t>evolving spam techniques: spam email senders are constantly evolving their techniques to bypass filters and deceive recipients. They can employ various tactics such as image-based spam, and various social engineering techniques. As such, new types of spam emails can emerge that may not be effectively filtered by the existing filter.</a:t>
-            </a:r>
-            <a:endParaRPr lang="en-AU" sz="2400" dirty="0">
-              <a:solidFill>
-                <a:srgbClr val="FF0000"/>
-              </a:solidFill>
-              <a:cs typeface="Arial" panose="020B0604020202020204" pitchFamily="34" charset="0"/>
-            </a:endParaRPr>
-          </a:p>
-          <a:p>
-            <a:pPr lvl="0"/>
-            <a:endParaRPr lang="en-AU" sz="2400" dirty="0">
-              <a:solidFill>
-                <a:srgbClr val="FF0000"/>
-              </a:solidFill>
-              <a:cs typeface="Arial" panose="020B0604020202020204" pitchFamily="34" charset="0"/>
-            </a:endParaRPr>
-          </a:p>
-          <a:p>
+              <a:t>for</a:t>
+            </a:r>
             <a:r>
               <a:rPr lang="en-AU" sz="2200" dirty="0">
                 <a:ln>
@@ -17857,96 +17901,189 @@
                   </a:outerShdw>
                 </a:effectLst>
               </a:rPr>
-              <a:t>e) [2 marks] What is the difference between “junk” and “phishing” options from your email client (e.g., Microsoft Outlook)?</a:t>
-            </a:r>
-          </a:p>
-          <a:p>
-            <a:pPr marL="342900" lvl="0" indent="-342900">
-              <a:buFont typeface="Symbol" panose="05050102010706020507" pitchFamily="18" charset="2"/>
-              <a:buChar char=""/>
-            </a:pPr>
-            <a:r>
-              <a:rPr lang="en-AU" sz="2400" dirty="0">
+              <a:t> investigating problems with Twitter’s VPN, which was reportedly a legitimate issue for Twitter at the time due to the increased volume of VPN connections as a result of work-from-home during COVID lockdowns. The attackers tried to direct the employees to a phishing website that looked identical to the legitimate Twitter VPN website and was hosted by a similarly named domain. As the employees entered their credentials into the phishing website, the attackers would simultaneously enter the information into the real Twitter website. This false log-in generated an MFA (Multi-Factor Authentication) notification requesting that the employees enter the pin code from their phones to authenticate themselves. Unfortunately, some employees did so.</a:t>
+            </a:r>
+          </a:p>
+          <a:p>
+            <a:pPr fontAlgn="base"/>
+            <a:endParaRPr lang="en-AU" sz="2200" dirty="0">
+              <a:ln>
+                <a:solidFill>
+                  <a:schemeClr val="bg1">
+                    <a:lumMod val="75000"/>
+                    <a:lumOff val="25000"/>
+                    <a:alpha val="10000"/>
+                  </a:schemeClr>
+                </a:solidFill>
+              </a:ln>
+              <a:solidFill>
+                <a:schemeClr val="tx2"/>
+              </a:solidFill>
+              <a:effectLst>
+                <a:outerShdw blurRad="9525" dist="25400" dir="14640000" algn="tl" rotWithShape="0">
+                  <a:schemeClr val="bg1">
+                    <a:alpha val="30000"/>
+                  </a:schemeClr>
+                </a:outerShdw>
+              </a:effectLst>
+            </a:endParaRPr>
+          </a:p>
+          <a:p>
+            <a:pPr fontAlgn="base"/>
+            <a:r>
+              <a:rPr lang="en-AU" sz="2200" dirty="0">
+                <a:ln>
+                  <a:solidFill>
+                    <a:schemeClr val="bg1">
+                      <a:lumMod val="75000"/>
+                      <a:lumOff val="25000"/>
+                      <a:alpha val="10000"/>
+                    </a:schemeClr>
+                  </a:solidFill>
+                </a:ln>
                 <a:solidFill>
                   <a:srgbClr val="FF0000"/>
                 </a:solidFill>
-                <a:cs typeface="Arial" panose="020B0604020202020204" pitchFamily="34" charset="0"/>
+                <a:effectLst>
+                  <a:outerShdw blurRad="9525" dist="25400" dir="14640000" algn="tl" rotWithShape="0">
+                    <a:schemeClr val="bg1">
+                      <a:alpha val="30000"/>
+                    </a:schemeClr>
+                  </a:outerShdw>
+                </a:effectLst>
               </a:rPr>
-              <a:t>[1 mark] </a:t>
-            </a:r>
-            <a:r>
-              <a:rPr lang="en-US" sz="2400" dirty="0">
+              <a:t>a)</a:t>
+            </a:r>
+            <a:r>
+              <a:rPr lang="en-AU" sz="2200" dirty="0">
+                <a:ln>
+                  <a:solidFill>
+                    <a:schemeClr val="bg1">
+                      <a:lumMod val="75000"/>
+                      <a:lumOff val="25000"/>
+                      <a:alpha val="10000"/>
+                    </a:schemeClr>
+                  </a:solidFill>
+                </a:ln>
+                <a:solidFill>
+                  <a:schemeClr val="tx2"/>
+                </a:solidFill>
+                <a:effectLst>
+                  <a:outerShdw blurRad="9525" dist="25400" dir="14640000" algn="tl" rotWithShape="0">
+                    <a:schemeClr val="bg1">
+                      <a:alpha val="30000"/>
+                    </a:schemeClr>
+                  </a:outerShdw>
+                </a:effectLst>
+              </a:rPr>
+              <a:t> [2 marks] </a:t>
+            </a:r>
+            <a:r>
+              <a:rPr lang="en-US" sz="2200" dirty="0">
+                <a:ln>
+                  <a:solidFill>
+                    <a:schemeClr val="bg1">
+                      <a:lumMod val="75000"/>
+                      <a:lumOff val="25000"/>
+                      <a:alpha val="10000"/>
+                    </a:schemeClr>
+                  </a:solidFill>
+                </a:ln>
+                <a:solidFill>
+                  <a:schemeClr val="tx2"/>
+                </a:solidFill>
+                <a:effectLst>
+                  <a:outerShdw blurRad="9525" dist="25400" dir="14640000" algn="tl" rotWithShape="0">
+                    <a:schemeClr val="bg1">
+                      <a:alpha val="30000"/>
+                    </a:schemeClr>
+                  </a:outerShdw>
+                </a:effectLst>
+              </a:rPr>
+              <a:t>What social engineering technique was exploited in this attack? Explain why.  </a:t>
+            </a:r>
+          </a:p>
+          <a:p>
+            <a:pPr fontAlgn="base"/>
+            <a:endParaRPr lang="en-US" sz="2200" dirty="0">
+              <a:ln>
+                <a:solidFill>
+                  <a:schemeClr val="bg1">
+                    <a:lumMod val="75000"/>
+                    <a:lumOff val="25000"/>
+                    <a:alpha val="10000"/>
+                  </a:schemeClr>
+                </a:solidFill>
+              </a:ln>
+              <a:solidFill>
+                <a:schemeClr val="tx2"/>
+              </a:solidFill>
+              <a:effectLst>
+                <a:outerShdw blurRad="9525" dist="25400" dir="14640000" algn="tl" rotWithShape="0">
+                  <a:schemeClr val="bg1">
+                    <a:alpha val="30000"/>
+                  </a:schemeClr>
+                </a:outerShdw>
+              </a:effectLst>
+            </a:endParaRPr>
+          </a:p>
+          <a:p>
+            <a:pPr fontAlgn="base"/>
+            <a:r>
+              <a:rPr lang="en-AU" sz="2200" dirty="0">
+                <a:ln>
+                  <a:solidFill>
+                    <a:schemeClr val="bg1">
+                      <a:lumMod val="75000"/>
+                      <a:lumOff val="25000"/>
+                      <a:alpha val="10000"/>
+                    </a:schemeClr>
+                  </a:solidFill>
+                </a:ln>
                 <a:solidFill>
                   <a:srgbClr val="FF0000"/>
                 </a:solidFill>
-                <a:cs typeface="Arial" panose="020B0604020202020204" pitchFamily="34" charset="0"/>
+                <a:effectLst>
+                  <a:outerShdw blurRad="9525" dist="25400" dir="14640000" algn="tl" rotWithShape="0">
+                    <a:schemeClr val="bg1">
+                      <a:alpha val="30000"/>
+                    </a:schemeClr>
+                  </a:outerShdw>
+                </a:effectLst>
               </a:rPr>
-              <a:t>The "junk" option helps manage unwanted or irrelevant emails, filtering out low-quality content </a:t>
-            </a:r>
-            <a:r>
-              <a:rPr lang="en-AU" sz="2400" dirty="0">
-                <a:solidFill>
-                  <a:srgbClr val="FF0000"/>
-                </a:solidFill>
-                <a:cs typeface="Arial" panose="020B0604020202020204" pitchFamily="34" charset="0"/>
+              <a:t>b)</a:t>
+            </a:r>
+            <a:r>
+              <a:rPr lang="en-AU" sz="2200" dirty="0">
+                <a:ln>
+                  <a:solidFill>
+                    <a:schemeClr val="bg1">
+                      <a:lumMod val="75000"/>
+                      <a:lumOff val="25000"/>
+                      <a:alpha val="10000"/>
+                    </a:schemeClr>
+                  </a:solidFill>
+                </a:ln>
+                <a:solidFill>
+                  <a:schemeClr val="tx2"/>
+                </a:solidFill>
+                <a:effectLst>
+                  <a:outerShdw blurRad="9525" dist="25400" dir="14640000" algn="tl" rotWithShape="0">
+                    <a:schemeClr val="bg1">
+                      <a:alpha val="30000"/>
+                    </a:schemeClr>
+                  </a:outerShdw>
+                </a:effectLst>
               </a:rPr>
-              <a:t>such as </a:t>
-            </a:r>
-            <a:r>
-              <a:rPr lang="en-US" sz="2400" dirty="0">
-                <a:solidFill>
-                  <a:srgbClr val="FF0000"/>
-                </a:solidFill>
-                <a:cs typeface="Arial" panose="020B0604020202020204" pitchFamily="34" charset="0"/>
-              </a:rPr>
-              <a:t>mass marketing emails and promotional offers</a:t>
-            </a:r>
-            <a:r>
-              <a:rPr lang="en-AU" sz="2400" dirty="0">
-                <a:solidFill>
-                  <a:srgbClr val="FF0000"/>
-                </a:solidFill>
-                <a:cs typeface="Arial" panose="020B0604020202020204" pitchFamily="34" charset="0"/>
-              </a:rPr>
-              <a:t>. </a:t>
-            </a:r>
-          </a:p>
-          <a:p>
-            <a:pPr marL="342900" lvl="0" indent="-342900">
-              <a:buFont typeface="Symbol" panose="05050102010706020507" pitchFamily="18" charset="2"/>
-              <a:buChar char=""/>
-            </a:pPr>
-            <a:r>
-              <a:rPr lang="en-AU" sz="2400" dirty="0">
-                <a:solidFill>
-                  <a:srgbClr val="FF0000"/>
-                </a:solidFill>
-                <a:cs typeface="Arial" panose="020B0604020202020204" pitchFamily="34" charset="0"/>
-              </a:rPr>
-              <a:t>[1 mark] The “phishing” option </a:t>
-            </a:r>
-            <a:r>
-              <a:rPr lang="en-US" sz="2400" dirty="0">
-                <a:solidFill>
-                  <a:srgbClr val="FF0000"/>
-                </a:solidFill>
-                <a:cs typeface="Arial" panose="020B0604020202020204" pitchFamily="34" charset="0"/>
-              </a:rPr>
-              <a:t>is designed to identify and report phishing emails that attempt to deceive users and steal sensitive information. </a:t>
-            </a:r>
-            <a:endParaRPr lang="en-AU" sz="2400" dirty="0">
-              <a:solidFill>
-                <a:srgbClr val="FF0000"/>
-              </a:solidFill>
-              <a:cs typeface="Arial" panose="020B0604020202020204" pitchFamily="34" charset="0"/>
-            </a:endParaRPr>
+              <a:t> [4 marks] Develop and describe a plan to help Twitter combat, mitigate and/or prevent similar attacks in the future.</a:t>
+            </a:r>
           </a:p>
         </p:txBody>
       </p:sp>
     </p:spTree>
     <p:extLst>
       <p:ext uri="{BB962C8B-B14F-4D97-AF65-F5344CB8AC3E}">
-        <p14:creationId xmlns:p14="http://schemas.microsoft.com/office/powerpoint/2010/main" val="3286154215"/>
+        <p14:creationId xmlns:p14="http://schemas.microsoft.com/office/powerpoint/2010/main" val="631149133"/>
       </p:ext>
     </p:extLst>
   </p:cSld>
@@ -18021,7 +18158,7 @@
         <p:spPr>
           <a:xfrm>
             <a:off x="266007" y="748145"/>
-            <a:ext cx="11720945" cy="5170646"/>
+            <a:ext cx="11720945" cy="1107996"/>
           </a:xfrm>
           <a:prstGeom prst="rect">
             <a:avLst/>
@@ -18033,81 +18170,6 @@
             <a:spAutoFit/>
           </a:bodyPr>
           <a:lstStyle/>
-          <a:p>
-            <a:pPr fontAlgn="base"/>
-            <a:r>
-              <a:rPr lang="en-AU" sz="2200" dirty="0">
-                <a:ln>
-                  <a:solidFill>
-                    <a:schemeClr val="bg1">
-                      <a:lumMod val="75000"/>
-                      <a:lumOff val="25000"/>
-                      <a:alpha val="10000"/>
-                    </a:schemeClr>
-                  </a:solidFill>
-                </a:ln>
-                <a:solidFill>
-                  <a:schemeClr val="tx2"/>
-                </a:solidFill>
-                <a:effectLst>
-                  <a:outerShdw blurRad="9525" dist="25400" dir="14640000" algn="tl" rotWithShape="0">
-                    <a:schemeClr val="bg1">
-                      <a:alpha val="30000"/>
-                    </a:schemeClr>
-                  </a:outerShdw>
-                </a:effectLst>
-              </a:rPr>
-              <a:t>[6 marks total] The 2020 Twitter account hijacking involved malicious attackers calling several Twitter employees and claiming to be from the Help Desk in Twitter’s IT department </a:t>
-            </a:r>
-            <a:r>
-              <a:rPr lang="en-US" sz="2200" dirty="0">
-                <a:ln>
-                  <a:solidFill>
-                    <a:schemeClr val="bg1">
-                      <a:lumMod val="75000"/>
-                      <a:lumOff val="25000"/>
-                      <a:alpha val="10000"/>
-                    </a:schemeClr>
-                  </a:solidFill>
-                </a:ln>
-                <a:solidFill>
-                  <a:schemeClr val="tx2"/>
-                </a:solidFill>
-                <a:effectLst>
-                  <a:outerShdw blurRad="9525" dist="25400" dir="14640000" algn="tl" rotWithShape="0">
-                    <a:schemeClr val="bg1">
-                      <a:alpha val="30000"/>
-                    </a:schemeClr>
-                  </a:outerShdw>
-                </a:effectLst>
-              </a:rPr>
-              <a:t>for</a:t>
-            </a:r>
-            <a:r>
-              <a:rPr lang="en-AU" sz="2200" dirty="0">
-                <a:ln>
-                  <a:solidFill>
-                    <a:schemeClr val="bg1">
-                      <a:lumMod val="75000"/>
-                      <a:lumOff val="25000"/>
-                      <a:alpha val="10000"/>
-                    </a:schemeClr>
-                  </a:solidFill>
-                </a:ln>
-                <a:solidFill>
-                  <a:schemeClr val="tx2"/>
-                </a:solidFill>
-                <a:effectLst>
-                  <a:outerShdw blurRad="9525" dist="25400" dir="14640000" algn="tl" rotWithShape="0">
-                    <a:schemeClr val="bg1">
-                      <a:alpha val="30000"/>
-                    </a:schemeClr>
-                  </a:outerShdw>
-                </a:effectLst>
-              </a:rPr>
-              <a:t> investigating problems with Twitter’s VPN, which was reportedly a legitimate issue for Twitter at the time due to the increased volume of VPN connections as a result of work-from-home during COVID lockdowns. The attackers tried to direct the employees to a phishing website that looked identical to the legitimate Twitter VPN website and was hosted by a similarly named domain. As the employees entered their credentials into the phishing website, the attackers would simultaneously enter the information into the real Twitter website. This false log-in generated an MFA (Multi-Factor Authentication) notification requesting that the employees enter the pin code from their phones to authenticate themselves. Unfortunately, some employees did so.</a:t>
-            </a:r>
-          </a:p>
           <a:p>
             <a:pPr fontAlgn="base"/>
             <a:endParaRPr lang="en-AU" sz="2200" dirty="0">
@@ -18208,86 +18270,22 @@
             </a:r>
           </a:p>
           <a:p>
-            <a:pPr fontAlgn="base"/>
+            <a:pPr marL="342900" lvl="0" indent="-342900" fontAlgn="base">
+              <a:buFont typeface="Symbol" panose="05050102010706020507" pitchFamily="18" charset="2"/>
+              <a:buChar char=""/>
+            </a:pPr>
             <a:endParaRPr lang="en-US" sz="2200" dirty="0">
-              <a:ln>
-                <a:solidFill>
-                  <a:schemeClr val="bg1">
-                    <a:lumMod val="75000"/>
-                    <a:lumOff val="25000"/>
-                    <a:alpha val="10000"/>
-                  </a:schemeClr>
-                </a:solidFill>
-              </a:ln>
               <a:solidFill>
-                <a:schemeClr val="tx2"/>
+                <a:srgbClr val="FF0000"/>
               </a:solidFill>
-              <a:effectLst>
-                <a:outerShdw blurRad="9525" dist="25400" dir="14640000" algn="tl" rotWithShape="0">
-                  <a:schemeClr val="bg1">
-                    <a:alpha val="30000"/>
-                  </a:schemeClr>
-                </a:outerShdw>
-              </a:effectLst>
             </a:endParaRPr>
-          </a:p>
-          <a:p>
-            <a:pPr fontAlgn="base"/>
-            <a:r>
-              <a:rPr lang="en-AU" sz="2200" dirty="0">
-                <a:ln>
-                  <a:solidFill>
-                    <a:schemeClr val="bg1">
-                      <a:lumMod val="75000"/>
-                      <a:lumOff val="25000"/>
-                      <a:alpha val="10000"/>
-                    </a:schemeClr>
-                  </a:solidFill>
-                </a:ln>
-                <a:solidFill>
-                  <a:srgbClr val="FF0000"/>
-                </a:solidFill>
-                <a:effectLst>
-                  <a:outerShdw blurRad="9525" dist="25400" dir="14640000" algn="tl" rotWithShape="0">
-                    <a:schemeClr val="bg1">
-                      <a:alpha val="30000"/>
-                    </a:schemeClr>
-                  </a:outerShdw>
-                </a:effectLst>
-              </a:rPr>
-              <a:t>b)</a:t>
-            </a:r>
-            <a:r>
-              <a:rPr lang="en-AU" sz="2200" dirty="0">
-                <a:ln>
-                  <a:solidFill>
-                    <a:schemeClr val="bg1">
-                      <a:lumMod val="75000"/>
-                      <a:lumOff val="25000"/>
-                      <a:alpha val="10000"/>
-                    </a:schemeClr>
-                  </a:solidFill>
-                </a:ln>
-                <a:solidFill>
-                  <a:schemeClr val="tx2"/>
-                </a:solidFill>
-                <a:effectLst>
-                  <a:outerShdw blurRad="9525" dist="25400" dir="14640000" algn="tl" rotWithShape="0">
-                    <a:schemeClr val="bg1">
-                      <a:alpha val="30000"/>
-                    </a:schemeClr>
-                  </a:outerShdw>
-                </a:effectLst>
-              </a:rPr>
-              <a:t> [4 marks] Develop and describe a plan to help Twitter combat, mitigate and/or prevent similar attacks in the future.</a:t>
-            </a:r>
           </a:p>
         </p:txBody>
       </p:sp>
     </p:spTree>
     <p:extLst>
       <p:ext uri="{BB962C8B-B14F-4D97-AF65-F5344CB8AC3E}">
-        <p14:creationId xmlns:p14="http://schemas.microsoft.com/office/powerpoint/2010/main" val="631149133"/>
+        <p14:creationId xmlns:p14="http://schemas.microsoft.com/office/powerpoint/2010/main" val="1803946351"/>
       </p:ext>
     </p:extLst>
   </p:cSld>
@@ -18362,7 +18360,7 @@
         <p:spPr>
           <a:xfrm>
             <a:off x="266007" y="748145"/>
-            <a:ext cx="11720945" cy="1107996"/>
+            <a:ext cx="11720945" cy="2123658"/>
           </a:xfrm>
           <a:prstGeom prst="rect">
             <a:avLst/>
@@ -18484,12 +18482,68 @@
               </a:solidFill>
             </a:endParaRPr>
           </a:p>
+          <a:p>
+            <a:pPr marL="342900" lvl="0" indent="-342900" fontAlgn="base">
+              <a:buFont typeface="Symbol" panose="05050102010706020507" pitchFamily="18" charset="2"/>
+              <a:buChar char=""/>
+            </a:pPr>
+            <a:r>
+              <a:rPr lang="en-US" sz="2200" dirty="0">
+                <a:solidFill>
+                  <a:srgbClr val="FF0000"/>
+                </a:solidFill>
+              </a:rPr>
+              <a:t>[1 mark] voice phishing or vishing.</a:t>
+            </a:r>
+            <a:endParaRPr lang="en-AU" sz="2200" dirty="0">
+              <a:solidFill>
+                <a:srgbClr val="FF0000"/>
+              </a:solidFill>
+            </a:endParaRPr>
+          </a:p>
+          <a:p>
+            <a:pPr marL="342900" lvl="0" indent="-342900" fontAlgn="base">
+              <a:buFont typeface="Symbol" panose="05050102010706020507" pitchFamily="18" charset="2"/>
+              <a:buChar char=""/>
+            </a:pPr>
+            <a:r>
+              <a:rPr lang="en-AU" sz="2200" dirty="0">
+                <a:solidFill>
+                  <a:srgbClr val="FF0000"/>
+                </a:solidFill>
+                <a:effectLst/>
+                <a:ea typeface="Times New Roman" panose="02020603050405020304" pitchFamily="18" charset="0"/>
+              </a:rPr>
+              <a:t>[1 mark] </a:t>
+            </a:r>
+            <a:r>
+              <a:rPr lang="en-AU" sz="2200" dirty="0">
+                <a:solidFill>
+                  <a:srgbClr val="FF0000"/>
+                </a:solidFill>
+              </a:rPr>
+              <a:t>The </a:t>
+            </a:r>
+            <a:r>
+              <a:rPr lang="en-US" sz="2200" dirty="0">
+                <a:solidFill>
+                  <a:srgbClr val="FF0000"/>
+                </a:solidFill>
+              </a:rPr>
+              <a:t>attackers impersonated Help Desk personnel and made phone calls to deceive Twitter employees into disclosing their credentials.</a:t>
+            </a:r>
+            <a:endParaRPr lang="en-AU" sz="2200" dirty="0">
+              <a:solidFill>
+                <a:srgbClr val="FF0000"/>
+              </a:solidFill>
+            </a:endParaRPr>
+          </a:p>
         </p:txBody>
       </p:sp>
     </p:spTree>
     <p:extLst>
       <p:ext uri="{BB962C8B-B14F-4D97-AF65-F5344CB8AC3E}">
-        <p14:creationId xmlns:p14="http://schemas.microsoft.com/office/powerpoint/2010/main" val="1803946351"/>
+        <p14:creationId xmlns:p14="http://schemas.microsoft.com/office/powerpoint/2010/main" val="1557232649"/>
       </p:ext>
     </p:extLst>
   </p:cSld>
@@ -18564,7 +18618,7 @@
         <p:spPr>
           <a:xfrm>
             <a:off x="266007" y="748145"/>
-            <a:ext cx="11720945" cy="2123658"/>
+            <a:ext cx="11720945" cy="3139321"/>
           </a:xfrm>
           <a:prstGeom prst="rect">
             <a:avLst/>
@@ -18742,12 +18796,87 @@
               </a:solidFill>
             </a:endParaRPr>
           </a:p>
+          <a:p>
+            <a:pPr fontAlgn="base"/>
+            <a:endParaRPr lang="en-AU" sz="2200" dirty="0">
+              <a:ln>
+                <a:solidFill>
+                  <a:schemeClr val="bg1">
+                    <a:lumMod val="75000"/>
+                    <a:lumOff val="25000"/>
+                    <a:alpha val="10000"/>
+                  </a:schemeClr>
+                </a:solidFill>
+              </a:ln>
+              <a:solidFill>
+                <a:schemeClr val="tx2"/>
+              </a:solidFill>
+              <a:effectLst>
+                <a:outerShdw blurRad="9525" dist="25400" dir="14640000" algn="tl" rotWithShape="0">
+                  <a:schemeClr val="bg1">
+                    <a:alpha val="30000"/>
+                  </a:schemeClr>
+                </a:outerShdw>
+              </a:effectLst>
+            </a:endParaRPr>
+          </a:p>
+          <a:p>
+            <a:pPr fontAlgn="base"/>
+            <a:r>
+              <a:rPr lang="en-AU" sz="2200" dirty="0">
+                <a:ln>
+                  <a:solidFill>
+                    <a:schemeClr val="bg1">
+                      <a:lumMod val="75000"/>
+                      <a:lumOff val="25000"/>
+                      <a:alpha val="10000"/>
+                    </a:schemeClr>
+                  </a:solidFill>
+                </a:ln>
+                <a:solidFill>
+                  <a:srgbClr val="FF0000"/>
+                </a:solidFill>
+                <a:effectLst>
+                  <a:outerShdw blurRad="9525" dist="25400" dir="14640000" algn="tl" rotWithShape="0">
+                    <a:schemeClr val="bg1">
+                      <a:alpha val="30000"/>
+                    </a:schemeClr>
+                  </a:outerShdw>
+                </a:effectLst>
+              </a:rPr>
+              <a:t>b)</a:t>
+            </a:r>
+            <a:r>
+              <a:rPr lang="en-AU" sz="2200" dirty="0">
+                <a:ln>
+                  <a:solidFill>
+                    <a:schemeClr val="bg1">
+                      <a:lumMod val="75000"/>
+                      <a:lumOff val="25000"/>
+                      <a:alpha val="10000"/>
+                    </a:schemeClr>
+                  </a:solidFill>
+                </a:ln>
+                <a:solidFill>
+                  <a:schemeClr val="tx2"/>
+                </a:solidFill>
+                <a:effectLst>
+                  <a:outerShdw blurRad="9525" dist="25400" dir="14640000" algn="tl" rotWithShape="0">
+                    <a:schemeClr val="bg1">
+                      <a:alpha val="30000"/>
+                    </a:schemeClr>
+                  </a:outerShdw>
+                </a:effectLst>
+              </a:rPr>
+              <a:t> [4 marks] Develop and describe a plan to help Twitter combat, mitigate and/or prevent similar attacks in the future.</a:t>
+            </a:r>
+          </a:p>
         </p:txBody>
       </p:sp>
     </p:spTree>
     <p:extLst>
       <p:ext uri="{BB962C8B-B14F-4D97-AF65-F5344CB8AC3E}">
-        <p14:creationId xmlns:p14="http://schemas.microsoft.com/office/powerpoint/2010/main" val="1557232649"/>
+        <p14:creationId xmlns:p14="http://schemas.microsoft.com/office/powerpoint/2010/main" val="1574098949"/>
       </p:ext>
     </p:extLst>
   </p:cSld>
@@ -18822,7 +18951,7 @@
         <p:spPr>
           <a:xfrm>
             <a:off x="266007" y="748145"/>
-            <a:ext cx="11720945" cy="3139321"/>
+            <a:ext cx="11720945" cy="5509200"/>
           </a:xfrm>
           <a:prstGeom prst="rect">
             <a:avLst/>
@@ -19075,12 +19204,139 @@
               <a:t> [4 marks] Develop and describe a plan to help Twitter combat, mitigate and/or prevent similar attacks in the future.</a:t>
             </a:r>
           </a:p>
+          <a:p>
+            <a:pPr fontAlgn="base"/>
+            <a:endParaRPr lang="en-AU" sz="2200" dirty="0">
+              <a:ln>
+                <a:solidFill>
+                  <a:schemeClr val="bg1">
+                    <a:lumMod val="75000"/>
+                    <a:lumOff val="25000"/>
+                    <a:alpha val="10000"/>
+                  </a:schemeClr>
+                </a:solidFill>
+              </a:ln>
+              <a:solidFill>
+                <a:schemeClr val="tx2"/>
+              </a:solidFill>
+              <a:effectLst>
+                <a:outerShdw blurRad="9525" dist="25400" dir="14640000" algn="tl" rotWithShape="0">
+                  <a:schemeClr val="bg1">
+                    <a:alpha val="30000"/>
+                  </a:schemeClr>
+                </a:outerShdw>
+              </a:effectLst>
+            </a:endParaRPr>
+          </a:p>
+          <a:p>
+            <a:pPr marL="342900" lvl="0" indent="-342900" fontAlgn="base">
+              <a:buFont typeface="Symbol" panose="05050102010706020507" pitchFamily="18" charset="2"/>
+              <a:buChar char=""/>
+            </a:pPr>
+            <a:r>
+              <a:rPr lang="en-US" sz="2200" dirty="0">
+                <a:solidFill>
+                  <a:srgbClr val="FF0000"/>
+                </a:solidFill>
+              </a:rPr>
+              <a:t>[2 marks] Employee Education and Awareness: implement mandatory security training programs for all employees, focusing on social engineering attacks, phishing awareness, and best practices for identifying and handling suspicious communications.</a:t>
+            </a:r>
+            <a:endParaRPr lang="en-AU" sz="2200" dirty="0">
+              <a:solidFill>
+                <a:srgbClr val="FF0000"/>
+              </a:solidFill>
+            </a:endParaRPr>
+          </a:p>
+          <a:p>
+            <a:pPr marL="342900" lvl="0" indent="-342900" fontAlgn="base">
+              <a:buFont typeface="Symbol" panose="05050102010706020507" pitchFamily="18" charset="2"/>
+              <a:buChar char=""/>
+            </a:pPr>
+            <a:r>
+              <a:rPr lang="en-AU" sz="2200" dirty="0">
+                <a:solidFill>
+                  <a:srgbClr val="FF0000"/>
+                </a:solidFill>
+                <a:effectLst/>
+                <a:ea typeface="Times New Roman" panose="02020603050405020304" pitchFamily="18" charset="0"/>
+              </a:rPr>
+              <a:t>[2 marks] Implementing stronger MFA schemes</a:t>
+            </a:r>
+            <a:r>
+              <a:rPr lang="en-AU" sz="2200" dirty="0">
+                <a:solidFill>
+                  <a:srgbClr val="FF0000"/>
+                </a:solidFill>
+                <a:ea typeface="Times New Roman" panose="02020603050405020304" pitchFamily="18" charset="0"/>
+              </a:rPr>
+              <a:t>: require a </a:t>
+            </a:r>
+            <a:r>
+              <a:rPr lang="en-AU" sz="2200" dirty="0">
+                <a:solidFill>
+                  <a:srgbClr val="FF0000"/>
+                </a:solidFill>
+                <a:effectLst/>
+                <a:ea typeface="Times New Roman" panose="02020603050405020304" pitchFamily="18" charset="0"/>
+              </a:rPr>
+              <a:t>physical token </a:t>
+            </a:r>
+            <a:r>
+              <a:rPr lang="en-AU" sz="2200" dirty="0">
+                <a:solidFill>
+                  <a:srgbClr val="FF0000"/>
+                </a:solidFill>
+                <a:ea typeface="Times New Roman" panose="02020603050405020304" pitchFamily="18" charset="0"/>
+              </a:rPr>
+              <a:t>when </a:t>
+            </a:r>
+            <a:r>
+              <a:rPr lang="en-AU" sz="2200" dirty="0">
+                <a:solidFill>
+                  <a:srgbClr val="FF0000"/>
+                </a:solidFill>
+                <a:effectLst/>
+                <a:ea typeface="Times New Roman" panose="02020603050405020304" pitchFamily="18" charset="0"/>
+              </a:rPr>
+              <a:t>logging in the real VPN website. </a:t>
+            </a:r>
+            <a:endParaRPr lang="en-AU" sz="2200" dirty="0">
+              <a:effectLst/>
+              <a:ea typeface="Times New Roman" panose="02020603050405020304" pitchFamily="18" charset="0"/>
+            </a:endParaRPr>
+          </a:p>
+          <a:p>
+            <a:pPr lvl="0" fontAlgn="base"/>
+            <a:endParaRPr lang="en-AU" sz="2200" dirty="0">
+              <a:ln>
+                <a:solidFill>
+                  <a:schemeClr val="bg1">
+                    <a:lumMod val="75000"/>
+                    <a:lumOff val="25000"/>
+                    <a:alpha val="10000"/>
+                  </a:schemeClr>
+                </a:solidFill>
+              </a:ln>
+              <a:solidFill>
+                <a:schemeClr val="tx2"/>
+              </a:solidFill>
+              <a:effectLst>
+                <a:outerShdw blurRad="9525" dist="25400" dir="14640000" algn="tl" rotWithShape="0">
+                  <a:schemeClr val="bg1">
+                    <a:alpha val="30000"/>
+                  </a:schemeClr>
+                </a:outerShdw>
+              </a:effectLst>
+              <a:latin typeface="Times New Roman" panose="02020603050405020304" pitchFamily="18" charset="0"/>
+              <a:ea typeface="Times New Roman" panose="02020603050405020304" pitchFamily="18" charset="0"/>
+            </a:endParaRPr>
+          </a:p>
         </p:txBody>
       </p:sp>
     </p:spTree>
     <p:extLst>
       <p:ext uri="{BB962C8B-B14F-4D97-AF65-F5344CB8AC3E}">
-        <p14:creationId xmlns:p14="http://schemas.microsoft.com/office/powerpoint/2010/main" val="1574098949"/>
+        <p14:creationId xmlns:p14="http://schemas.microsoft.com/office/powerpoint/2010/main" val="2544237434"/>
       </p:ext>
     </p:extLst>
   </p:cSld>
@@ -19126,7 +19382,7 @@
         <p:spPr>
           <a:xfrm>
             <a:off x="913795" y="38100"/>
-            <a:ext cx="10353762" cy="710045"/>
+            <a:ext cx="10353762" cy="832757"/>
           </a:xfrm>
         </p:spPr>
         <p:txBody>
@@ -19135,64 +19391,42 @@
           <a:p>
             <a:r>
               <a:rPr lang="en-AU" dirty="0"/>
-              <a:t>Example Question 3</a:t>
-            </a:r>
-          </a:p>
-        </p:txBody>
-      </p:sp>
-      <p:sp>
-        <p:nvSpPr>
-          <p:cNvPr id="7" name="TextBox 6">
+              <a:t>Example Question 4</a:t>
+            </a:r>
+          </a:p>
+        </p:txBody>
+      </p:sp>
+      <p:sp>
+        <p:nvSpPr>
+          <p:cNvPr id="3" name="Content Placeholder 2">
             <a:extLst>
               <a:ext uri="{FF2B5EF4-FFF2-40B4-BE49-F238E27FC236}">
-                <a16:creationId xmlns:a16="http://schemas.microsoft.com/office/drawing/2014/main" id="{75E0A5E3-B5A7-40C6-9FE8-508ABF9E1458}"/>
+                <a16:creationId xmlns:a16="http://schemas.microsoft.com/office/drawing/2014/main" id="{13DB3674-2D4B-8645-8753-8E30E629B377}"/>
               </a:ext>
             </a:extLst>
           </p:cNvPr>
-          <p:cNvSpPr txBox="1"/>
-          <p:nvPr/>
+          <p:cNvSpPr>
+            <a:spLocks noGrp="1"/>
+          </p:cNvSpPr>
+          <p:nvPr>
+            <p:ph idx="1"/>
+          </p:nvPr>
         </p:nvSpPr>
         <p:spPr>
           <a:xfrm>
-            <a:off x="266007" y="748145"/>
-            <a:ext cx="11720945" cy="5509200"/>
+            <a:off x="739926" y="968828"/>
+            <a:ext cx="10712148" cy="5148943"/>
           </a:xfrm>
-          <a:prstGeom prst="rect">
-            <a:avLst/>
-          </a:prstGeom>
-          <a:noFill/>
         </p:spPr>
         <p:txBody>
-          <a:bodyPr wrap="square">
-            <a:spAutoFit/>
+          <a:bodyPr>
+            <a:normAutofit/>
           </a:bodyPr>
           <a:lstStyle/>
           <a:p>
-            <a:pPr fontAlgn="base"/>
-            <a:endParaRPr lang="en-AU" sz="2200" dirty="0">
-              <a:ln>
-                <a:solidFill>
-                  <a:schemeClr val="bg1">
-                    <a:lumMod val="75000"/>
-                    <a:lumOff val="25000"/>
-                    <a:alpha val="10000"/>
-                  </a:schemeClr>
-                </a:solidFill>
-              </a:ln>
-              <a:solidFill>
-                <a:schemeClr val="tx2"/>
-              </a:solidFill>
-              <a:effectLst>
-                <a:outerShdw blurRad="9525" dist="25400" dir="14640000" algn="tl" rotWithShape="0">
-                  <a:schemeClr val="bg1">
-                    <a:alpha val="30000"/>
-                  </a:schemeClr>
-                </a:outerShdw>
-              </a:effectLst>
-            </a:endParaRPr>
-          </a:p>
-          <a:p>
-            <a:pPr fontAlgn="base"/>
+            <a:pPr marL="36900" indent="0">
+              <a:buNone/>
+            </a:pPr>
             <a:r>
               <a:rPr lang="en-AU" sz="2200" dirty="0">
                 <a:ln>
@@ -19205,7 +19439,7 @@
                   </a:solidFill>
                 </a:ln>
                 <a:solidFill>
-                  <a:srgbClr val="FF0000"/>
+                  <a:schemeClr val="tx2"/>
                 </a:solidFill>
                 <a:effectLst>
                   <a:outerShdw blurRad="9525" dist="25400" dir="14640000" algn="tl" rotWithShape="0">
@@ -19215,324 +19449,84 @@
                   </a:outerShdw>
                 </a:effectLst>
               </a:rPr>
-              <a:t>a)</a:t>
-            </a:r>
+              <a:t>[6 marks total] </a:t>
+            </a:r>
+            <a:r>
+              <a:rPr lang="en-AU" sz="2200" dirty="0"/>
+              <a:t>Assume Alice is flatting in a house with others, and everyone uses the same router to access the internet. One of the flatmate, Bob, has been annoying Alice recently and Alice wants to </a:t>
+            </a:r>
+            <a:r>
+              <a:rPr lang="en-US" altLang="zh-CN" sz="2200" dirty="0"/>
+              <a:t>break the CIA triad when Bob is searching the internet </a:t>
+            </a:r>
+            <a:r>
+              <a:rPr lang="en-AU" sz="2200" dirty="0"/>
+              <a:t>(please don't do this in real-world).</a:t>
+            </a:r>
+          </a:p>
+          <a:p>
+            <a:pPr marL="36900" indent="0">
+              <a:buNone/>
+            </a:pPr>
+            <a:endParaRPr lang="en-AU" sz="2200" dirty="0"/>
+          </a:p>
+          <a:p>
+            <a:pPr marL="36900" indent="0">
+              <a:buNone/>
+            </a:pPr>
             <a:r>
               <a:rPr lang="en-AU" sz="2200" dirty="0">
-                <a:ln>
-                  <a:solidFill>
-                    <a:schemeClr val="bg1">
-                      <a:lumMod val="75000"/>
-                      <a:lumOff val="25000"/>
-                      <a:alpha val="10000"/>
-                    </a:schemeClr>
-                  </a:solidFill>
-                </a:ln>
-                <a:solidFill>
-                  <a:schemeClr val="tx2"/>
-                </a:solidFill>
-                <a:effectLst>
-                  <a:outerShdw blurRad="9525" dist="25400" dir="14640000" algn="tl" rotWithShape="0">
-                    <a:schemeClr val="bg1">
-                      <a:alpha val="30000"/>
-                    </a:schemeClr>
-                  </a:outerShdw>
-                </a:effectLst>
+                <a:solidFill>
+                  <a:srgbClr val="FF0000"/>
+                </a:solidFill>
               </a:rPr>
-              <a:t> [2 marks] </a:t>
-            </a:r>
-            <a:r>
-              <a:rPr lang="en-US" sz="2200" dirty="0">
-                <a:ln>
-                  <a:solidFill>
-                    <a:schemeClr val="bg1">
-                      <a:lumMod val="75000"/>
-                      <a:lumOff val="25000"/>
-                      <a:alpha val="10000"/>
-                    </a:schemeClr>
-                  </a:solidFill>
-                </a:ln>
-                <a:solidFill>
-                  <a:schemeClr val="tx2"/>
-                </a:solidFill>
-                <a:effectLst>
-                  <a:outerShdw blurRad="9525" dist="25400" dir="14640000" algn="tl" rotWithShape="0">
-                    <a:schemeClr val="bg1">
-                      <a:alpha val="30000"/>
-                    </a:schemeClr>
-                  </a:outerShdw>
-                </a:effectLst>
+              <a:t>a) </a:t>
+            </a:r>
+            <a:r>
+              <a:rPr lang="en-AU" sz="2200" dirty="0"/>
+              <a:t>[2 marks] Describe possible attack(s) to violate the confidentiality of Bob’s computer system, and the limitation(s) of the attack(s).</a:t>
+            </a:r>
+          </a:p>
+          <a:p>
+            <a:pPr marL="36900" indent="0">
+              <a:buNone/>
+            </a:pPr>
+            <a:r>
+              <a:rPr lang="en-AU" sz="2200" dirty="0">
+                <a:solidFill>
+                  <a:srgbClr val="FF0000"/>
+                </a:solidFill>
               </a:rPr>
-              <a:t>What social engineering technique was exploited in this attack? Explain why.  </a:t>
-            </a:r>
-          </a:p>
-          <a:p>
-            <a:pPr marL="342900" lvl="0" indent="-342900" fontAlgn="base">
-              <a:buFont typeface="Symbol" panose="05050102010706020507" pitchFamily="18" charset="2"/>
-              <a:buChar char=""/>
+              <a:t>b) </a:t>
+            </a:r>
+            <a:r>
+              <a:rPr lang="en-AU" sz="2200" dirty="0"/>
+              <a:t>[2 marks] Describe possible attack(s) to violate the integrity of Bob’s computer system, and the limitation(s) of the attack(s).</a:t>
+            </a:r>
+          </a:p>
+          <a:p>
+            <a:pPr marL="36900" indent="0">
+              <a:buNone/>
             </a:pPr>
-            <a:endParaRPr lang="en-US" sz="2200" dirty="0">
-              <a:solidFill>
-                <a:srgbClr val="FF0000"/>
-              </a:solidFill>
-            </a:endParaRPr>
-          </a:p>
-          <a:p>
-            <a:pPr marL="342900" lvl="0" indent="-342900" fontAlgn="base">
-              <a:buFont typeface="Symbol" panose="05050102010706020507" pitchFamily="18" charset="2"/>
-              <a:buChar char=""/>
+            <a:r>
+              <a:rPr lang="en-AU" sz="2200" dirty="0">
+                <a:solidFill>
+                  <a:srgbClr val="FF0000"/>
+                </a:solidFill>
+              </a:rPr>
+              <a:t>c) </a:t>
+            </a:r>
+            <a:r>
+              <a:rPr lang="en-AU" sz="2200" dirty="0"/>
+              <a:t>[2 marks] Describe possible attack(s) to violate the availability of Bob’s computer system, and the limitation(s) of the attack(s).</a:t>
+            </a:r>
+          </a:p>
+          <a:p>
+            <a:pPr marL="494100" indent="-457200">
+              <a:buAutoNum type="arabicParenBoth"/>
             </a:pPr>
-            <a:r>
-              <a:rPr lang="en-US" sz="2200" dirty="0">
-                <a:solidFill>
-                  <a:srgbClr val="FF0000"/>
-                </a:solidFill>
-              </a:rPr>
-              <a:t>[1 mark] voice phishing or vishing.</a:t>
-            </a:r>
-            <a:endParaRPr lang="en-AU" sz="2200" dirty="0">
-              <a:solidFill>
-                <a:srgbClr val="FF0000"/>
-              </a:solidFill>
-            </a:endParaRPr>
-          </a:p>
-          <a:p>
-            <a:pPr marL="342900" lvl="0" indent="-342900" fontAlgn="base">
-              <a:buFont typeface="Symbol" panose="05050102010706020507" pitchFamily="18" charset="2"/>
-              <a:buChar char=""/>
-            </a:pPr>
-            <a:r>
-              <a:rPr lang="en-AU" sz="2200" dirty="0">
-                <a:solidFill>
-                  <a:srgbClr val="FF0000"/>
-                </a:solidFill>
-                <a:effectLst/>
-                <a:ea typeface="Times New Roman" panose="02020603050405020304" pitchFamily="18" charset="0"/>
-              </a:rPr>
-              <a:t>[1 mark] </a:t>
-            </a:r>
-            <a:r>
-              <a:rPr lang="en-AU" sz="2200" dirty="0">
-                <a:solidFill>
-                  <a:srgbClr val="FF0000"/>
-                </a:solidFill>
-              </a:rPr>
-              <a:t>The </a:t>
-            </a:r>
-            <a:r>
-              <a:rPr lang="en-US" sz="2200" dirty="0">
-                <a:solidFill>
-                  <a:srgbClr val="FF0000"/>
-                </a:solidFill>
-              </a:rPr>
-              <a:t>attackers impersonated Help Desk personnel and made phone calls to deceive Twitter employees into disclosing their credentials.</a:t>
-            </a:r>
-            <a:endParaRPr lang="en-AU" sz="2200" dirty="0">
-              <a:solidFill>
-                <a:srgbClr val="FF0000"/>
-              </a:solidFill>
-            </a:endParaRPr>
-          </a:p>
-          <a:p>
-            <a:pPr fontAlgn="base"/>
-            <a:endParaRPr lang="en-AU" sz="2200" dirty="0">
-              <a:ln>
-                <a:solidFill>
-                  <a:schemeClr val="bg1">
-                    <a:lumMod val="75000"/>
-                    <a:lumOff val="25000"/>
-                    <a:alpha val="10000"/>
-                  </a:schemeClr>
-                </a:solidFill>
-              </a:ln>
-              <a:solidFill>
-                <a:schemeClr val="tx2"/>
-              </a:solidFill>
-              <a:effectLst>
-                <a:outerShdw blurRad="9525" dist="25400" dir="14640000" algn="tl" rotWithShape="0">
-                  <a:schemeClr val="bg1">
-                    <a:alpha val="30000"/>
-                  </a:schemeClr>
-                </a:outerShdw>
-              </a:effectLst>
-            </a:endParaRPr>
-          </a:p>
-          <a:p>
-            <a:pPr fontAlgn="base"/>
-            <a:r>
-              <a:rPr lang="en-AU" sz="2200" dirty="0">
-                <a:ln>
-                  <a:solidFill>
-                    <a:schemeClr val="bg1">
-                      <a:lumMod val="75000"/>
-                      <a:lumOff val="25000"/>
-                      <a:alpha val="10000"/>
-                    </a:schemeClr>
-                  </a:solidFill>
-                </a:ln>
-                <a:solidFill>
-                  <a:srgbClr val="FF0000"/>
-                </a:solidFill>
-                <a:effectLst>
-                  <a:outerShdw blurRad="9525" dist="25400" dir="14640000" algn="tl" rotWithShape="0">
-                    <a:schemeClr val="bg1">
-                      <a:alpha val="30000"/>
-                    </a:schemeClr>
-                  </a:outerShdw>
-                </a:effectLst>
-              </a:rPr>
-              <a:t>b)</a:t>
-            </a:r>
-            <a:r>
-              <a:rPr lang="en-AU" sz="2200" dirty="0">
-                <a:ln>
-                  <a:solidFill>
-                    <a:schemeClr val="bg1">
-                      <a:lumMod val="75000"/>
-                      <a:lumOff val="25000"/>
-                      <a:alpha val="10000"/>
-                    </a:schemeClr>
-                  </a:solidFill>
-                </a:ln>
-                <a:solidFill>
-                  <a:schemeClr val="tx2"/>
-                </a:solidFill>
-                <a:effectLst>
-                  <a:outerShdw blurRad="9525" dist="25400" dir="14640000" algn="tl" rotWithShape="0">
-                    <a:schemeClr val="bg1">
-                      <a:alpha val="30000"/>
-                    </a:schemeClr>
-                  </a:outerShdw>
-                </a:effectLst>
-              </a:rPr>
-              <a:t> [4 marks] Develop and describe a plan to help Twitter combat, mitigate and/or prevent similar attacks in the future.</a:t>
-            </a:r>
-          </a:p>
-          <a:p>
-            <a:pPr fontAlgn="base"/>
-            <a:endParaRPr lang="en-AU" sz="2200" dirty="0">
-              <a:ln>
-                <a:solidFill>
-                  <a:schemeClr val="bg1">
-                    <a:lumMod val="75000"/>
-                    <a:lumOff val="25000"/>
-                    <a:alpha val="10000"/>
-                  </a:schemeClr>
-                </a:solidFill>
-              </a:ln>
-              <a:solidFill>
-                <a:schemeClr val="tx2"/>
-              </a:solidFill>
-              <a:effectLst>
-                <a:outerShdw blurRad="9525" dist="25400" dir="14640000" algn="tl" rotWithShape="0">
-                  <a:schemeClr val="bg1">
-                    <a:alpha val="30000"/>
-                  </a:schemeClr>
-                </a:outerShdw>
-              </a:effectLst>
-            </a:endParaRPr>
-          </a:p>
-          <a:p>
-            <a:pPr marL="342900" lvl="0" indent="-342900" fontAlgn="base">
-              <a:buFont typeface="Symbol" panose="05050102010706020507" pitchFamily="18" charset="2"/>
-              <a:buChar char=""/>
-            </a:pPr>
-            <a:r>
-              <a:rPr lang="en-US" sz="2200" dirty="0">
-                <a:solidFill>
-                  <a:srgbClr val="FF0000"/>
-                </a:solidFill>
-              </a:rPr>
-              <a:t>[2 marks] Employee Education and Awareness: implement mandatory security training programs for all employees, focusing on social engineering attacks, phishing awareness, and best practices for identifying and handling suspicious communications.</a:t>
-            </a:r>
-            <a:endParaRPr lang="en-AU" sz="2200" dirty="0">
-              <a:solidFill>
-                <a:srgbClr val="FF0000"/>
-              </a:solidFill>
-            </a:endParaRPr>
-          </a:p>
-          <a:p>
-            <a:pPr marL="342900" lvl="0" indent="-342900" fontAlgn="base">
-              <a:buFont typeface="Symbol" panose="05050102010706020507" pitchFamily="18" charset="2"/>
-              <a:buChar char=""/>
-            </a:pPr>
-            <a:r>
-              <a:rPr lang="en-AU" sz="2200" dirty="0">
-                <a:solidFill>
-                  <a:srgbClr val="FF0000"/>
-                </a:solidFill>
-                <a:effectLst/>
-                <a:ea typeface="Times New Roman" panose="02020603050405020304" pitchFamily="18" charset="0"/>
-              </a:rPr>
-              <a:t>[2 marks] Implementing stronger MFA schemes</a:t>
-            </a:r>
-            <a:r>
-              <a:rPr lang="en-AU" sz="2200" dirty="0">
-                <a:solidFill>
-                  <a:srgbClr val="FF0000"/>
-                </a:solidFill>
-                <a:ea typeface="Times New Roman" panose="02020603050405020304" pitchFamily="18" charset="0"/>
-              </a:rPr>
-              <a:t>: require a </a:t>
-            </a:r>
-            <a:r>
-              <a:rPr lang="en-AU" sz="2200" dirty="0">
-                <a:solidFill>
-                  <a:srgbClr val="FF0000"/>
-                </a:solidFill>
-                <a:effectLst/>
-                <a:ea typeface="Times New Roman" panose="02020603050405020304" pitchFamily="18" charset="0"/>
-              </a:rPr>
-              <a:t>physical token </a:t>
-            </a:r>
-            <a:r>
-              <a:rPr lang="en-AU" sz="2200" dirty="0">
-                <a:solidFill>
-                  <a:srgbClr val="FF0000"/>
-                </a:solidFill>
-                <a:ea typeface="Times New Roman" panose="02020603050405020304" pitchFamily="18" charset="0"/>
-              </a:rPr>
-              <a:t>when </a:t>
-            </a:r>
-            <a:r>
-              <a:rPr lang="en-AU" sz="2200" dirty="0">
-                <a:solidFill>
-                  <a:srgbClr val="FF0000"/>
-                </a:solidFill>
-                <a:effectLst/>
-                <a:ea typeface="Times New Roman" panose="02020603050405020304" pitchFamily="18" charset="0"/>
-              </a:rPr>
-              <a:t>logging in the real VPN website. </a:t>
-            </a:r>
-            <a:endParaRPr lang="en-AU" sz="2200" dirty="0">
+            <a:endParaRPr lang="en-AU" dirty="0">
               <a:effectLst/>
-              <a:ea typeface="Times New Roman" panose="02020603050405020304" pitchFamily="18" charset="0"/>
-            </a:endParaRPr>
-          </a:p>
-          <a:p>
-            <a:pPr lvl="0" fontAlgn="base"/>
-            <a:endParaRPr lang="en-AU" sz="2200" dirty="0">
-              <a:ln>
-                <a:solidFill>
-                  <a:schemeClr val="bg1">
-                    <a:lumMod val="75000"/>
-                    <a:lumOff val="25000"/>
-                    <a:alpha val="10000"/>
-                  </a:schemeClr>
-                </a:solidFill>
-              </a:ln>
-              <a:solidFill>
-                <a:schemeClr val="tx2"/>
-              </a:solidFill>
-              <a:effectLst>
-                <a:outerShdw blurRad="9525" dist="25400" dir="14640000" algn="tl" rotWithShape="0">
-                  <a:schemeClr val="bg1">
-                    <a:alpha val="30000"/>
-                  </a:schemeClr>
-                </a:outerShdw>
-              </a:effectLst>
-              <a:latin typeface="Times New Roman" panose="02020603050405020304" pitchFamily="18" charset="0"/>
-              <a:ea typeface="Times New Roman" panose="02020603050405020304" pitchFamily="18" charset="0"/>
             </a:endParaRPr>
           </a:p>
         </p:txBody>
@@ -19540,7 +19534,7 @@
     </p:spTree>
     <p:extLst>
       <p:ext uri="{BB962C8B-B14F-4D97-AF65-F5344CB8AC3E}">
-        <p14:creationId xmlns:p14="http://schemas.microsoft.com/office/powerpoint/2010/main" val="2544237434"/>
+        <p14:creationId xmlns:p14="http://schemas.microsoft.com/office/powerpoint/2010/main" val="1629619534"/>
       </p:ext>
     </p:extLst>
   </p:cSld>
@@ -19619,7 +19613,7 @@
         <p:spPr>
           <a:xfrm>
             <a:off x="739926" y="968828"/>
-            <a:ext cx="10712148" cy="5148943"/>
+            <a:ext cx="10712148" cy="5649686"/>
           </a:xfrm>
         </p:spPr>
         <p:txBody>
@@ -19632,54 +19626,7 @@
               <a:buNone/>
             </a:pPr>
             <a:r>
-              <a:rPr lang="en-AU" sz="2200" dirty="0">
-                <a:ln>
-                  <a:solidFill>
-                    <a:schemeClr val="bg1">
-                      <a:lumMod val="75000"/>
-                      <a:lumOff val="25000"/>
-                      <a:alpha val="10000"/>
-                    </a:schemeClr>
-                  </a:solidFill>
-                </a:ln>
-                <a:solidFill>
-                  <a:schemeClr val="tx2"/>
-                </a:solidFill>
-                <a:effectLst>
-                  <a:outerShdw blurRad="9525" dist="25400" dir="14640000" algn="tl" rotWithShape="0">
-                    <a:schemeClr val="bg1">
-                      <a:alpha val="30000"/>
-                    </a:schemeClr>
-                  </a:outerShdw>
-                </a:effectLst>
-              </a:rPr>
-              <a:t>[6 marks total] </a:t>
-            </a:r>
-            <a:r>
-              <a:rPr lang="en-AU" sz="2200" dirty="0"/>
-              <a:t>Assume Alice is flatting in a house with others, and everyone uses the same router to access the internet. One of the flatmate, Bob, has been annoying Alice recently and Alice wants to </a:t>
-            </a:r>
-            <a:r>
-              <a:rPr lang="en-US" altLang="zh-CN" sz="2200" dirty="0"/>
-              <a:t>break the CIA triad when Bob is searching the internet </a:t>
-            </a:r>
-            <a:r>
-              <a:rPr lang="en-AU" sz="2200" dirty="0"/>
-              <a:t>(please don't do this in real-world).</a:t>
-            </a:r>
-          </a:p>
-          <a:p>
-            <a:pPr marL="36900" indent="0">
-              <a:buNone/>
-            </a:pPr>
-            <a:endParaRPr lang="en-AU" sz="2200" dirty="0"/>
-          </a:p>
-          <a:p>
-            <a:pPr marL="36900" indent="0">
-              <a:buNone/>
-            </a:pPr>
-            <a:r>
-              <a:rPr lang="en-AU" sz="2200" dirty="0">
+              <a:rPr lang="en-AU" sz="2400" dirty="0">
                 <a:solidFill>
                   <a:srgbClr val="FF0000"/>
                 </a:solidFill>
@@ -19687,58 +19634,16 @@
               <a:t>a) </a:t>
             </a:r>
             <a:r>
-              <a:rPr lang="en-AU" sz="2200" dirty="0"/>
+              <a:rPr lang="en-AU" sz="2400" dirty="0"/>
               <a:t>[2 marks] Describe possible attack(s) to violate the confidentiality of Bob’s computer system, and the limitation(s) of the attack(s).</a:t>
             </a:r>
-          </a:p>
-          <a:p>
-            <a:pPr marL="36900" indent="0">
-              <a:buNone/>
-            </a:pPr>
-            <a:r>
-              <a:rPr lang="en-AU" sz="2200" dirty="0">
-                <a:solidFill>
-                  <a:srgbClr val="FF0000"/>
-                </a:solidFill>
-              </a:rPr>
-              <a:t>b) </a:t>
-            </a:r>
-            <a:r>
-              <a:rPr lang="en-AU" sz="2200" dirty="0"/>
-              <a:t>[2 marks] Describe possible attack(s) to violate the integrity of Bob’s computer system, and the limitation(s) of the attack(s).</a:t>
-            </a:r>
-          </a:p>
-          <a:p>
-            <a:pPr marL="36900" indent="0">
-              <a:buNone/>
-            </a:pPr>
-            <a:r>
-              <a:rPr lang="en-AU" sz="2200" dirty="0">
-                <a:solidFill>
-                  <a:srgbClr val="FF0000"/>
-                </a:solidFill>
-              </a:rPr>
-              <a:t>c) </a:t>
-            </a:r>
-            <a:r>
-              <a:rPr lang="en-AU" sz="2200" dirty="0"/>
-              <a:t>[2 marks] Describe possible attack(s) to violate the availability of Bob’s computer system, and the limitation(s) of the attack(s).</a:t>
-            </a:r>
-          </a:p>
-          <a:p>
-            <a:pPr marL="494100" indent="-457200">
-              <a:buAutoNum type="arabicParenBoth"/>
-            </a:pPr>
-            <a:endParaRPr lang="en-AU" dirty="0">
-              <a:effectLst/>
-            </a:endParaRPr>
           </a:p>
         </p:txBody>
       </p:sp>
     </p:spTree>
     <p:extLst>
       <p:ext uri="{BB962C8B-B14F-4D97-AF65-F5344CB8AC3E}">
-        <p14:creationId xmlns:p14="http://schemas.microsoft.com/office/powerpoint/2010/main" val="1629619534"/>
+        <p14:creationId xmlns:p14="http://schemas.microsoft.com/office/powerpoint/2010/main" val="2410610366"/>
       </p:ext>
     </p:extLst>
   </p:cSld>
@@ -19842,12 +19747,94 @@
               <a:t>[2 marks] Describe possible attack(s) to violate the confidentiality of Bob’s computer system, and the limitation(s) of the attack(s).</a:t>
             </a:r>
           </a:p>
+          <a:p>
+            <a:pPr marL="36900" indent="0">
+              <a:buNone/>
+            </a:pPr>
+            <a:endParaRPr lang="en-AU" sz="2400" dirty="0"/>
+          </a:p>
+          <a:p>
+            <a:pPr marL="342900" lvl="0" indent="-342900" fontAlgn="base">
+              <a:buClr>
+                <a:srgbClr val="FF0000"/>
+              </a:buClr>
+              <a:buSzPct val="100000"/>
+              <a:buFont typeface="Arial" panose="020B0604020202020204" pitchFamily="34" charset="0"/>
+              <a:buChar char="•"/>
+            </a:pPr>
+            <a:r>
+              <a:rPr lang="en-US" sz="2400" dirty="0">
+                <a:solidFill>
+                  <a:srgbClr val="FF0000"/>
+                </a:solidFill>
+              </a:rPr>
+              <a:t>[1 mark] </a:t>
+            </a:r>
+            <a:r>
+              <a:rPr lang="en-AU" sz="2400" dirty="0">
+                <a:solidFill>
+                  <a:srgbClr val="FF0000"/>
+                </a:solidFill>
+              </a:rPr>
+              <a:t>Packet Sniffing:</a:t>
+            </a:r>
+            <a:r>
+              <a:rPr lang="en-US" sz="2400" dirty="0">
+                <a:solidFill>
+                  <a:srgbClr val="FF0000"/>
+                </a:solidFill>
+              </a:rPr>
+              <a:t> Alice could use the packet sniffing technique to filter and capture Bob’s network packets passing through the router. By capturing the packets, Alice could potentially analyze the data to extract Bob’s sensitive information, such as websites visited and login credentials. </a:t>
+            </a:r>
+            <a:endParaRPr lang="en-AU" sz="2400" dirty="0">
+              <a:solidFill>
+                <a:srgbClr val="FF0000"/>
+              </a:solidFill>
+            </a:endParaRPr>
+          </a:p>
+          <a:p>
+            <a:pPr algn="l">
+              <a:buClr>
+                <a:srgbClr val="FF0000"/>
+              </a:buClr>
+              <a:buSzPct val="100000"/>
+              <a:buFont typeface="Arial" panose="020B0604020202020204" pitchFamily="34" charset="0"/>
+              <a:buChar char="•"/>
+            </a:pPr>
+            <a:r>
+              <a:rPr lang="en-AU" sz="2400" dirty="0">
+                <a:solidFill>
+                  <a:srgbClr val="FF0000"/>
+                </a:solidFill>
+                <a:effectLst/>
+                <a:ea typeface="Times New Roman" panose="02020603050405020304" pitchFamily="18" charset="0"/>
+              </a:rPr>
+              <a:t>[1 mark] </a:t>
+            </a:r>
+            <a:r>
+              <a:rPr lang="en-US" sz="2400" dirty="0">
+                <a:solidFill>
+                  <a:srgbClr val="FF0000"/>
+                </a:solidFill>
+              </a:rPr>
+              <a:t>Encryption: if Bob is accessing websites that use secure protocols like https, the data transmitted will be encrypted, making it difficult for Alice to decipher the data.</a:t>
+            </a:r>
+            <a:endParaRPr lang="en-AU" sz="2200" dirty="0"/>
+          </a:p>
+          <a:p>
+            <a:pPr marL="36900" indent="0">
+              <a:buNone/>
+            </a:pPr>
+            <a:endParaRPr lang="en-AU" dirty="0">
+              <a:effectLst/>
+            </a:endParaRPr>
+          </a:p>
         </p:txBody>
       </p:sp>
     </p:spTree>
     <p:extLst>
       <p:ext uri="{BB962C8B-B14F-4D97-AF65-F5344CB8AC3E}">
-        <p14:creationId xmlns:p14="http://schemas.microsoft.com/office/powerpoint/2010/main" val="2410610366"/>
+        <p14:creationId xmlns:p14="http://schemas.microsoft.com/office/powerpoint/2010/main" val="3101025385"/>
       </p:ext>
     </p:extLst>
   </p:cSld>
@@ -20218,7 +20205,7 @@
         <p:spPr>
           <a:xfrm>
             <a:off x="739926" y="968828"/>
-            <a:ext cx="10712148" cy="5649686"/>
+            <a:ext cx="10712148" cy="5148943"/>
           </a:xfrm>
         </p:spPr>
         <p:txBody>
@@ -20236,53 +20223,13 @@
                   <a:srgbClr val="FF0000"/>
                 </a:solidFill>
               </a:rPr>
-              <a:t>a) </a:t>
+              <a:t>b) </a:t>
             </a:r>
             <a:r>
               <a:rPr lang="en-AU" sz="2400" dirty="0"/>
-              <a:t>[2 marks] Describe possible attack(s) to violate the confidentiality of Bob’s computer system, and the limitation(s) of the attack(s).</a:t>
-            </a:r>
-          </a:p>
-          <a:p>
-            <a:pPr marL="36900" indent="0">
-              <a:buNone/>
-            </a:pPr>
-            <a:endParaRPr lang="en-AU" sz="2400" dirty="0"/>
-          </a:p>
-          <a:p>
-            <a:pPr marL="342900" lvl="0" indent="-342900" fontAlgn="base">
-              <a:buClr>
-                <a:srgbClr val="FF0000"/>
-              </a:buClr>
-              <a:buSzPct val="100000"/>
-              <a:buFont typeface="Arial" panose="020B0604020202020204" pitchFamily="34" charset="0"/>
-              <a:buChar char="•"/>
-            </a:pPr>
-            <a:r>
-              <a:rPr lang="en-US" sz="2400" dirty="0">
-                <a:solidFill>
-                  <a:srgbClr val="FF0000"/>
-                </a:solidFill>
-              </a:rPr>
-              <a:t>[1 mark] </a:t>
-            </a:r>
-            <a:r>
-              <a:rPr lang="en-AU" sz="2400" dirty="0">
-                <a:solidFill>
-                  <a:srgbClr val="FF0000"/>
-                </a:solidFill>
-              </a:rPr>
-              <a:t>Packet Sniffing:</a:t>
-            </a:r>
-            <a:r>
-              <a:rPr lang="en-US" sz="2400" dirty="0">
-                <a:solidFill>
-                  <a:srgbClr val="FF0000"/>
-                </a:solidFill>
-              </a:rPr>
-              <a:t> Alice could use the packet sniffing technique to filter and capture Bob’s network packets passing through the router. By capturing the packets, Alice could potentially analyze the data to extract Bob’s sensitive information, such as websites visited and login credentials. </a:t>
-            </a:r>
-            <a:endParaRPr lang="en-AU" sz="2400" dirty="0">
+              <a:t>[2 marks] Describe possible attack(s) to violate the integrity of Bob’s computer system, and the limitation(s) of the attack(s).</a:t>
+            </a:r>
+            <a:endParaRPr lang="en-US" sz="2000" dirty="0">
               <a:solidFill>
                 <a:srgbClr val="FF0000"/>
               </a:solidFill>
@@ -20290,47 +20237,27 @@
           </a:p>
           <a:p>
             <a:pPr algn="l">
-              <a:buClr>
-                <a:srgbClr val="FF0000"/>
-              </a:buClr>
-              <a:buSzPct val="100000"/>
               <a:buFont typeface="Arial" panose="020B0604020202020204" pitchFamily="34" charset="0"/>
               <a:buChar char="•"/>
             </a:pPr>
-            <a:r>
-              <a:rPr lang="en-AU" sz="2400" dirty="0">
-                <a:solidFill>
-                  <a:srgbClr val="FF0000"/>
-                </a:solidFill>
-                <a:effectLst/>
-                <a:ea typeface="Times New Roman" panose="02020603050405020304" pitchFamily="18" charset="0"/>
-              </a:rPr>
-              <a:t>[1 mark] </a:t>
-            </a:r>
-            <a:r>
-              <a:rPr lang="en-US" sz="2400" dirty="0">
-                <a:solidFill>
-                  <a:srgbClr val="FF0000"/>
-                </a:solidFill>
-              </a:rPr>
-              <a:t>Encryption: if Bob is accessing websites that use secure protocols like https, the data transmitted will be encrypted, making it difficult for Alice to decipher the data.</a:t>
-            </a:r>
+            <a:endParaRPr lang="en-US" sz="2000" dirty="0">
+              <a:solidFill>
+                <a:srgbClr val="FF0000"/>
+              </a:solidFill>
+            </a:endParaRPr>
+          </a:p>
+          <a:p>
+            <a:pPr marL="36900" indent="0">
+              <a:buNone/>
+            </a:pPr>
             <a:endParaRPr lang="en-AU" sz="2200" dirty="0"/>
-          </a:p>
-          <a:p>
-            <a:pPr marL="36900" indent="0">
-              <a:buNone/>
-            </a:pPr>
-            <a:endParaRPr lang="en-AU" dirty="0">
-              <a:effectLst/>
-            </a:endParaRPr>
           </a:p>
         </p:txBody>
       </p:sp>
     </p:spTree>
     <p:extLst>
       <p:ext uri="{BB962C8B-B14F-4D97-AF65-F5344CB8AC3E}">
-        <p14:creationId xmlns:p14="http://schemas.microsoft.com/office/powerpoint/2010/main" val="3101025385"/>
+        <p14:creationId xmlns:p14="http://schemas.microsoft.com/office/powerpoint/2010/main" val="1436142334"/>
       </p:ext>
     </p:extLst>
   </p:cSld>
@@ -20433,6 +20360,61 @@
               <a:rPr lang="en-AU" sz="2400" dirty="0"/>
               <a:t>[2 marks] Describe possible attack(s) to violate the integrity of Bob’s computer system, and the limitation(s) of the attack(s).</a:t>
             </a:r>
+          </a:p>
+          <a:p>
+            <a:pPr marL="36900" indent="0">
+              <a:buNone/>
+            </a:pPr>
+            <a:endParaRPr lang="en-AU" sz="2400" dirty="0"/>
+          </a:p>
+          <a:p>
+            <a:pPr>
+              <a:buClr>
+                <a:srgbClr val="FF0000"/>
+              </a:buClr>
+              <a:buSzPct val="100000"/>
+              <a:buFont typeface="Arial" panose="020B0604020202020204" pitchFamily="34" charset="0"/>
+              <a:buChar char="•"/>
+            </a:pPr>
+            <a:r>
+              <a:rPr lang="en-US" sz="2400" dirty="0">
+                <a:solidFill>
+                  <a:srgbClr val="FF0000"/>
+                </a:solidFill>
+              </a:rPr>
+              <a:t>[1 mark] Malware Injection: Alice could attempt to inject malicious software, such as a keylogger or spyware, into Bob’s laptop. The malware can delete Bob’s sensitive files.</a:t>
+            </a:r>
+          </a:p>
+          <a:p>
+            <a:pPr>
+              <a:buClr>
+                <a:srgbClr val="FF0000"/>
+              </a:buClr>
+              <a:buSzPct val="100000"/>
+              <a:buFont typeface="Arial" panose="020B0604020202020204" pitchFamily="34" charset="0"/>
+              <a:buChar char="•"/>
+            </a:pPr>
+            <a:r>
+              <a:rPr lang="en-AU" sz="2400" dirty="0">
+                <a:solidFill>
+                  <a:srgbClr val="FF0000"/>
+                </a:solidFill>
+              </a:rPr>
+              <a:t>[1 mark] </a:t>
+            </a:r>
+            <a:r>
+              <a:rPr lang="en-US" sz="2400" dirty="0">
+                <a:solidFill>
+                  <a:srgbClr val="FF0000"/>
+                </a:solidFill>
+              </a:rPr>
+              <a:t>Security Software: latest antivirus and antimalware software can detect and block many existing threats. Bob could regularly update and maintain these software to mitigate the risk of malware injection.</a:t>
+            </a:r>
+          </a:p>
+          <a:p>
+            <a:pPr marL="36900" indent="0">
+              <a:buNone/>
+            </a:pPr>
             <a:endParaRPr lang="en-US" sz="2000" dirty="0">
               <a:solidFill>
                 <a:srgbClr val="FF0000"/>
@@ -20461,7 +20443,7 @@
     </p:spTree>
     <p:extLst>
       <p:ext uri="{BB962C8B-B14F-4D97-AF65-F5344CB8AC3E}">
-        <p14:creationId xmlns:p14="http://schemas.microsoft.com/office/powerpoint/2010/main" val="1436142334"/>
+        <p14:creationId xmlns:p14="http://schemas.microsoft.com/office/powerpoint/2010/main" val="4283821982"/>
       </p:ext>
     </p:extLst>
   </p:cSld>
@@ -20558,96 +20540,34 @@
                   <a:srgbClr val="FF0000"/>
                 </a:solidFill>
               </a:rPr>
-              <a:t>b) </a:t>
+              <a:t>c) </a:t>
             </a:r>
             <a:r>
               <a:rPr lang="en-AU" sz="2400" dirty="0"/>
-              <a:t>[2 marks] Describe possible attack(s) to violate the integrity of Bob’s computer system, and the limitation(s) of the attack(s).</a:t>
-            </a:r>
-          </a:p>
-          <a:p>
-            <a:pPr marL="36900" indent="0">
-              <a:buNone/>
-            </a:pPr>
-            <a:endParaRPr lang="en-AU" sz="2400" dirty="0"/>
-          </a:p>
-          <a:p>
-            <a:pPr>
-              <a:buClr>
-                <a:srgbClr val="FF0000"/>
-              </a:buClr>
-              <a:buSzPct val="100000"/>
-              <a:buFont typeface="Arial" panose="020B0604020202020204" pitchFamily="34" charset="0"/>
-              <a:buChar char="•"/>
-            </a:pPr>
-            <a:r>
-              <a:rPr lang="en-US" sz="2400" dirty="0">
-                <a:solidFill>
-                  <a:srgbClr val="FF0000"/>
-                </a:solidFill>
-              </a:rPr>
-              <a:t>[1 mark] Malware Injection: Alice could attempt to inject malicious software, such as a keylogger or spyware, into Bob’s laptop. The malware can delete Bob’s sensitive files.</a:t>
-            </a:r>
-          </a:p>
-          <a:p>
-            <a:pPr>
-              <a:buClr>
-                <a:srgbClr val="FF0000"/>
-              </a:buClr>
-              <a:buSzPct val="100000"/>
-              <a:buFont typeface="Arial" panose="020B0604020202020204" pitchFamily="34" charset="0"/>
-              <a:buChar char="•"/>
-            </a:pPr>
-            <a:r>
-              <a:rPr lang="en-AU" sz="2400" dirty="0">
-                <a:solidFill>
-                  <a:srgbClr val="FF0000"/>
-                </a:solidFill>
-              </a:rPr>
-              <a:t>[1 mark] </a:t>
-            </a:r>
-            <a:r>
-              <a:rPr lang="en-US" sz="2400" dirty="0">
-                <a:solidFill>
-                  <a:srgbClr val="FF0000"/>
-                </a:solidFill>
-              </a:rPr>
-              <a:t>Security Software: latest antivirus and antimalware software can detect and block many existing threats. Bob could regularly update and maintain these software to mitigate the risk of malware injection.</a:t>
-            </a:r>
-          </a:p>
-          <a:p>
-            <a:pPr marL="36900" indent="0">
-              <a:buNone/>
-            </a:pPr>
-            <a:endParaRPr lang="en-US" sz="2000" dirty="0">
-              <a:solidFill>
-                <a:srgbClr val="FF0000"/>
-              </a:solidFill>
-            </a:endParaRPr>
-          </a:p>
-          <a:p>
-            <a:pPr algn="l">
-              <a:buFont typeface="Arial" panose="020B0604020202020204" pitchFamily="34" charset="0"/>
-              <a:buChar char="•"/>
-            </a:pPr>
-            <a:endParaRPr lang="en-US" sz="2000" dirty="0">
-              <a:solidFill>
-                <a:srgbClr val="FF0000"/>
-              </a:solidFill>
-            </a:endParaRPr>
+              <a:t>[2 marks] Describe possible attack(s) to violate the availability of Bob’s computer system, and the limitation(s) of the attack(s).</a:t>
+            </a:r>
+            <a:endParaRPr lang="en-AU" sz="2200" dirty="0"/>
           </a:p>
           <a:p>
             <a:pPr marL="36900" indent="0">
               <a:buNone/>
             </a:pPr>
             <a:endParaRPr lang="en-AU" sz="2200" dirty="0"/>
+          </a:p>
+          <a:p>
+            <a:pPr marL="494100" indent="-457200">
+              <a:buAutoNum type="arabicParenBoth"/>
+            </a:pPr>
+            <a:endParaRPr lang="en-AU" dirty="0">
+              <a:effectLst/>
+            </a:endParaRPr>
           </a:p>
         </p:txBody>
       </p:sp>
     </p:spTree>
     <p:extLst>
       <p:ext uri="{BB962C8B-B14F-4D97-AF65-F5344CB8AC3E}">
-        <p14:creationId xmlns:p14="http://schemas.microsoft.com/office/powerpoint/2010/main" val="4283821982"/>
+        <p14:creationId xmlns:p14="http://schemas.microsoft.com/office/powerpoint/2010/main" val="500213869"/>
       </p:ext>
     </p:extLst>
   </p:cSld>
@@ -20750,6 +20670,61 @@
               <a:rPr lang="en-AU" sz="2400" dirty="0"/>
               <a:t>[2 marks] Describe possible attack(s) to violate the availability of Bob’s computer system, and the limitation(s) of the attack(s).</a:t>
             </a:r>
+          </a:p>
+          <a:p>
+            <a:pPr marL="36900" indent="0">
+              <a:buNone/>
+            </a:pPr>
+            <a:endParaRPr lang="en-AU" sz="2400" dirty="0"/>
+          </a:p>
+          <a:p>
+            <a:pPr>
+              <a:buClr>
+                <a:srgbClr val="FF0000"/>
+              </a:buClr>
+              <a:buSzPct val="100000"/>
+              <a:buFont typeface="Arial" panose="020B0604020202020204" pitchFamily="34" charset="0"/>
+              <a:buChar char="•"/>
+            </a:pPr>
+            <a:r>
+              <a:rPr lang="en-US" sz="2400" dirty="0">
+                <a:solidFill>
+                  <a:srgbClr val="FF0000"/>
+                </a:solidFill>
+              </a:rPr>
+              <a:t>[1 mark] DoS attack: Alice could disrupt Bob's access to online services by sending a massive volume of network traffic to the router. This excessive traffic causes the router to become overloaded and unavailable for Bob.</a:t>
+            </a:r>
+          </a:p>
+          <a:p>
+            <a:pPr>
+              <a:buClr>
+                <a:srgbClr val="FF0000"/>
+              </a:buClr>
+              <a:buSzPct val="100000"/>
+              <a:buFont typeface="Arial" panose="020B0604020202020204" pitchFamily="34" charset="0"/>
+              <a:buChar char="•"/>
+            </a:pPr>
+            <a:r>
+              <a:rPr lang="en-AU" sz="2400" dirty="0">
+                <a:solidFill>
+                  <a:srgbClr val="FF0000"/>
+                </a:solidFill>
+              </a:rPr>
+              <a:t>[1 mark] </a:t>
+            </a:r>
+            <a:r>
+              <a:rPr lang="en-US" sz="2400" dirty="0">
+                <a:solidFill>
+                  <a:srgbClr val="FF0000"/>
+                </a:solidFill>
+              </a:rPr>
+              <a:t>Network Monitoring: modern routers often have built-in security features, such as Intrusion Detection Systems (IDS) or Intrusion Prevention Systems (IPS), which can monitor network traffic. Bob can log into the router to identify who initiated the DoS attack.</a:t>
+            </a:r>
+          </a:p>
+          <a:p>
+            <a:pPr marL="36900" indent="0">
+              <a:buNone/>
+            </a:pPr>
             <a:endParaRPr lang="en-AU" sz="2200" dirty="0"/>
           </a:p>
           <a:p>
@@ -20771,7 +20746,7 @@
     </p:spTree>
     <p:extLst>
       <p:ext uri="{BB962C8B-B14F-4D97-AF65-F5344CB8AC3E}">
-        <p14:creationId xmlns:p14="http://schemas.microsoft.com/office/powerpoint/2010/main" val="500213869"/>
+        <p14:creationId xmlns:p14="http://schemas.microsoft.com/office/powerpoint/2010/main" val="1636182554"/>
       </p:ext>
     </p:extLst>
   </p:cSld>
@@ -20816,8 +20791,8 @@
         </p:nvSpPr>
         <p:spPr>
           <a:xfrm>
-            <a:off x="913795" y="38100"/>
-            <a:ext cx="10353762" cy="832757"/>
+            <a:off x="913795" y="15798"/>
+            <a:ext cx="10353762" cy="1051003"/>
           </a:xfrm>
         </p:spPr>
         <p:txBody>
@@ -20826,7 +20801,7 @@
           <a:p>
             <a:r>
               <a:rPr lang="en-AU" dirty="0"/>
-              <a:t>Example Question 4</a:t>
+              <a:t>Example Question 5</a:t>
             </a:r>
           </a:p>
         </p:txBody>
@@ -20849,15 +20824,64 @@
         </p:nvSpPr>
         <p:spPr>
           <a:xfrm>
-            <a:off x="739926" y="968828"/>
-            <a:ext cx="10712148" cy="5148943"/>
+            <a:off x="913794" y="1140280"/>
+            <a:ext cx="10363805" cy="4868634"/>
           </a:xfrm>
         </p:spPr>
         <p:txBody>
           <a:bodyPr>
-            <a:normAutofit/>
+            <a:normAutofit lnSpcReduction="10000"/>
           </a:bodyPr>
           <a:lstStyle/>
+          <a:p>
+            <a:pPr marL="36900" indent="0">
+              <a:buNone/>
+            </a:pPr>
+            <a:r>
+              <a:rPr lang="en-AU" sz="2400" dirty="0"/>
+              <a:t>[8 marks total] A power company has deployed smart meters to its customers to provide better power usage reports. To do this, the company needs to outsource some power usage data to a third party for data analysis. The company is concerned with user privacy as it has to send customer data to third parties. </a:t>
+            </a:r>
+          </a:p>
+          <a:p>
+            <a:pPr marL="36900" indent="0">
+              <a:buNone/>
+            </a:pPr>
+            <a:endParaRPr lang="en-AU" sz="2400" dirty="0"/>
+          </a:p>
+          <a:p>
+            <a:pPr marL="36900" indent="0">
+              <a:buNone/>
+            </a:pPr>
+            <a:r>
+              <a:rPr lang="en-AU" sz="2400" dirty="0">
+                <a:solidFill>
+                  <a:srgbClr val="FF0000"/>
+                </a:solidFill>
+              </a:rPr>
+              <a:t>a)</a:t>
+            </a:r>
+            <a:r>
+              <a:rPr lang="en-AU" sz="2400" dirty="0"/>
+              <a:t> [2 marks] The first solution is to anonymize customer data. List a specific technique of this solution and what could go wrong with this technique?</a:t>
+            </a:r>
+          </a:p>
+          <a:p>
+            <a:pPr marL="36900" indent="0">
+              <a:buNone/>
+            </a:pPr>
+            <a:r>
+              <a:rPr lang="en-AU" sz="2400" dirty="0">
+                <a:solidFill>
+                  <a:srgbClr val="FF0000"/>
+                </a:solidFill>
+              </a:rPr>
+              <a:t>b) </a:t>
+            </a:r>
+            <a:r>
+              <a:rPr lang="en-AU" sz="2400" dirty="0"/>
+              <a:t>[2 marks] The company decided to use a privacy-preserving technique. Which one and why?</a:t>
+            </a:r>
+          </a:p>
           <a:p>
             <a:pPr marL="36900" indent="0">
               <a:buNone/>
@@ -20872,85 +20896,15 @@
             </a:r>
             <a:r>
               <a:rPr lang="en-AU" sz="2400" dirty="0"/>
-              <a:t>[2 marks] Describe possible attack(s) to violate the availability of Bob’s computer system, and the limitation(s) of the attack(s).</a:t>
-            </a:r>
-          </a:p>
-          <a:p>
-            <a:pPr marL="36900" indent="0">
-              <a:buNone/>
-            </a:pPr>
-            <a:endParaRPr lang="en-AU" sz="2400" dirty="0"/>
-          </a:p>
-          <a:p>
-            <a:pPr>
-              <a:buClr>
-                <a:srgbClr val="FF0000"/>
-              </a:buClr>
-              <a:buSzPct val="100000"/>
-              <a:buFont typeface="Arial" panose="020B0604020202020204" pitchFamily="34" charset="0"/>
-              <a:buChar char="•"/>
-            </a:pPr>
-            <a:r>
-              <a:rPr lang="en-US" sz="2400" dirty="0">
-                <a:solidFill>
-                  <a:srgbClr val="FF0000"/>
-                </a:solidFill>
-              </a:rPr>
-              <a:t>[1 mark] DoS attack: Alice could disrupt Bob's access to online services by sending a massive volume of network traffic to the router. This excessive traffic causes the router to become overloaded and unavailable for Bob.</a:t>
-            </a:r>
-          </a:p>
-          <a:p>
-            <a:pPr>
-              <a:buClr>
-                <a:srgbClr val="FF0000"/>
-              </a:buClr>
-              <a:buSzPct val="100000"/>
-              <a:buFont typeface="Arial" panose="020B0604020202020204" pitchFamily="34" charset="0"/>
-              <a:buChar char="•"/>
-            </a:pPr>
-            <a:r>
-              <a:rPr lang="en-AU" sz="2400" dirty="0">
-                <a:solidFill>
-                  <a:srgbClr val="FF0000"/>
-                </a:solidFill>
-              </a:rPr>
-              <a:t>[1 mark] </a:t>
-            </a:r>
-            <a:r>
-              <a:rPr lang="en-US" sz="2400" dirty="0">
-                <a:solidFill>
-                  <a:srgbClr val="FF0000"/>
-                </a:solidFill>
-              </a:rPr>
-              <a:t>Network Monitoring: modern routers often have built-in security features, such as Intrusion Detection Systems (IDS) or Intrusion Prevention Systems (IPS), which can monitor network traffic. Bob can log into the router to identify who initiated the DoS attack.</a:t>
-            </a:r>
-          </a:p>
-          <a:p>
-            <a:pPr marL="36900" indent="0">
-              <a:buNone/>
-            </a:pPr>
-            <a:endParaRPr lang="en-AU" sz="2200" dirty="0"/>
-          </a:p>
-          <a:p>
-            <a:pPr marL="36900" indent="0">
-              <a:buNone/>
-            </a:pPr>
-            <a:endParaRPr lang="en-AU" sz="2200" dirty="0"/>
-          </a:p>
-          <a:p>
-            <a:pPr marL="494100" indent="-457200">
-              <a:buAutoNum type="arabicParenBoth"/>
-            </a:pPr>
-            <a:endParaRPr lang="en-AU" dirty="0">
-              <a:effectLst/>
-            </a:endParaRPr>
+              <a:t>[4 marks] There is a malicious employee in the company that wants to sell customer data. What could be done to mitigate such attacks?</a:t>
+            </a:r>
           </a:p>
         </p:txBody>
       </p:sp>
     </p:spTree>
     <p:extLst>
       <p:ext uri="{BB962C8B-B14F-4D97-AF65-F5344CB8AC3E}">
-        <p14:creationId xmlns:p14="http://schemas.microsoft.com/office/powerpoint/2010/main" val="1636182554"/>
+        <p14:creationId xmlns:p14="http://schemas.microsoft.com/office/powerpoint/2010/main" val="2518083175"/>
       </p:ext>
     </p:extLst>
   </p:cSld>
@@ -20996,7 +20950,7 @@
         <p:spPr>
           <a:xfrm>
             <a:off x="913795" y="15798"/>
-            <a:ext cx="10353762" cy="1051003"/>
+            <a:ext cx="10353762" cy="906767"/>
           </a:xfrm>
         </p:spPr>
         <p:txBody>
@@ -21028,13 +20982,13 @@
         </p:nvSpPr>
         <p:spPr>
           <a:xfrm>
-            <a:off x="913794" y="1140280"/>
-            <a:ext cx="10363805" cy="4868634"/>
+            <a:off x="903752" y="1066801"/>
+            <a:ext cx="10874591" cy="4868634"/>
           </a:xfrm>
         </p:spPr>
         <p:txBody>
           <a:bodyPr>
-            <a:normAutofit lnSpcReduction="10000"/>
+            <a:normAutofit/>
           </a:bodyPr>
           <a:lstStyle/>
           <a:p>
@@ -21042,65 +20996,16 @@
               <a:buNone/>
             </a:pPr>
             <a:r>
+              <a:rPr lang="en-AU" sz="2400" dirty="0">
+                <a:solidFill>
+                  <a:srgbClr val="FF0000"/>
+                </a:solidFill>
+              </a:rPr>
+              <a:t>a) </a:t>
+            </a:r>
+            <a:r>
               <a:rPr lang="en-AU" sz="2400" dirty="0"/>
-              <a:t>[8 marks total] A power company has deployed smart meters to its customers to provide better power usage reports. To do this, the company needs to outsource some power usage data to a third party for data analysis. The company is concerned with user privacy as it has to send customer data to third parties. </a:t>
-            </a:r>
-          </a:p>
-          <a:p>
-            <a:pPr marL="36900" indent="0">
-              <a:buNone/>
-            </a:pPr>
-            <a:endParaRPr lang="en-AU" sz="2400" dirty="0"/>
-          </a:p>
-          <a:p>
-            <a:pPr marL="36900" indent="0">
-              <a:buNone/>
-            </a:pPr>
-            <a:r>
-              <a:rPr lang="en-AU" sz="2400" dirty="0">
-                <a:solidFill>
-                  <a:srgbClr val="FF0000"/>
-                </a:solidFill>
-              </a:rPr>
-              <a:t>a)</a:t>
-            </a:r>
-            <a:r>
-              <a:rPr lang="en-AU" sz="2400" dirty="0"/>
-              <a:t> [2 marks] The first solution is to anonymize customer data. List a specific technique of this solution and what could go wrong with this technique?</a:t>
-            </a:r>
-          </a:p>
-          <a:p>
-            <a:pPr marL="36900" indent="0">
-              <a:buNone/>
-            </a:pPr>
-            <a:r>
-              <a:rPr lang="en-AU" sz="2400" dirty="0">
-                <a:solidFill>
-                  <a:srgbClr val="FF0000"/>
-                </a:solidFill>
-              </a:rPr>
-              <a:t>b) </a:t>
-            </a:r>
-            <a:r>
-              <a:rPr lang="en-AU" sz="2400" dirty="0"/>
-              <a:t>[2 marks] The company decided to use a privacy-preserving technique. Which one and why?</a:t>
-            </a:r>
-          </a:p>
-          <a:p>
-            <a:pPr marL="36900" indent="0">
-              <a:buNone/>
-            </a:pPr>
-            <a:r>
-              <a:rPr lang="en-AU" sz="2400" dirty="0">
-                <a:solidFill>
-                  <a:srgbClr val="FF0000"/>
-                </a:solidFill>
-              </a:rPr>
-              <a:t>c) </a:t>
-            </a:r>
-            <a:r>
-              <a:rPr lang="en-AU" sz="2400" dirty="0"/>
-              <a:t>[4 marks] There is a malicious employee in the company that wants to sell customer data. What could be done to mitigate such attacks?</a:t>
+              <a:t>[2 marks] The first solution is to anonymize customer data. List a specific technique of this solution and what could go wrong with this technique?</a:t>
             </a:r>
           </a:p>
         </p:txBody>
@@ -21108,7 +21013,7 @@
     </p:spTree>
     <p:extLst>
       <p:ext uri="{BB962C8B-B14F-4D97-AF65-F5344CB8AC3E}">
-        <p14:creationId xmlns:p14="http://schemas.microsoft.com/office/powerpoint/2010/main" val="2518083175"/>
+        <p14:creationId xmlns:p14="http://schemas.microsoft.com/office/powerpoint/2010/main" val="3151914030"/>
       </p:ext>
     </p:extLst>
   </p:cSld>
@@ -21212,12 +21117,96 @@
               <a:t>[2 marks] The first solution is to anonymize customer data. List a specific technique of this solution and what could go wrong with this technique?</a:t>
             </a:r>
           </a:p>
+          <a:p>
+            <a:pPr marL="36900" indent="0">
+              <a:buNone/>
+            </a:pPr>
+            <a:endParaRPr lang="en-AU" sz="2400" dirty="0"/>
+          </a:p>
+          <a:p>
+            <a:pPr marL="342900" lvl="0" indent="-342900" fontAlgn="base">
+              <a:buClr>
+                <a:srgbClr val="FF0000"/>
+              </a:buClr>
+              <a:buFont typeface="Symbol" panose="05050102010706020507" pitchFamily="18" charset="2"/>
+              <a:buChar char=""/>
+            </a:pPr>
+            <a:r>
+              <a:rPr lang="en-US" sz="2400" dirty="0">
+                <a:solidFill>
+                  <a:srgbClr val="FF0000"/>
+                </a:solidFill>
+              </a:rPr>
+              <a:t>[1 mark] </a:t>
+            </a:r>
+            <a:r>
+              <a:rPr lang="en-AU" sz="2400" dirty="0">
+                <a:solidFill>
+                  <a:srgbClr val="FF0000"/>
+                </a:solidFill>
+              </a:rPr>
+              <a:t>data masking: it removes personally identifiable data such as user names and credit card details </a:t>
+            </a:r>
+            <a:r>
+              <a:rPr lang="en-US" sz="2400" dirty="0">
+                <a:solidFill>
+                  <a:srgbClr val="FF0000"/>
+                </a:solidFill>
+              </a:rPr>
+              <a:t>that may lead to an individual being identified</a:t>
+            </a:r>
+            <a:endParaRPr lang="en-AU" sz="2400" dirty="0">
+              <a:solidFill>
+                <a:srgbClr val="FF0000"/>
+              </a:solidFill>
+            </a:endParaRPr>
+          </a:p>
+          <a:p>
+            <a:pPr indent="-342900" fontAlgn="base">
+              <a:buClr>
+                <a:srgbClr val="FF0000"/>
+              </a:buClr>
+              <a:buFont typeface="Symbol" panose="05050102010706020507" pitchFamily="18" charset="2"/>
+              <a:buChar char=""/>
+            </a:pPr>
+            <a:r>
+              <a:rPr lang="en-AU" sz="2400" dirty="0">
+                <a:solidFill>
+                  <a:srgbClr val="FF0000"/>
+                </a:solidFill>
+              </a:rPr>
+              <a:t>[1 mark] the technique is vulnerable to data linking attack, which </a:t>
+            </a:r>
+            <a:r>
+              <a:rPr lang="en-US" sz="2400" dirty="0">
+                <a:solidFill>
+                  <a:srgbClr val="FF0000"/>
+                </a:solidFill>
+              </a:rPr>
+              <a:t>correlates anonymized data with publicly available data sources to re-identify each customer</a:t>
+            </a:r>
+            <a:r>
+              <a:rPr lang="en-AU" sz="2400" dirty="0">
+                <a:solidFill>
+                  <a:srgbClr val="FF0000"/>
+                </a:solidFill>
+              </a:rPr>
+              <a:t>. </a:t>
+            </a:r>
+            <a:endParaRPr lang="en-AU" sz="2400" dirty="0"/>
+          </a:p>
+          <a:p>
+            <a:pPr marL="36900" indent="0">
+              <a:buNone/>
+            </a:pPr>
+            <a:endParaRPr lang="en-AU" sz="2400" dirty="0"/>
+          </a:p>
         </p:txBody>
       </p:sp>
     </p:spTree>
     <p:extLst>
       <p:ext uri="{BB962C8B-B14F-4D97-AF65-F5344CB8AC3E}">
-        <p14:creationId xmlns:p14="http://schemas.microsoft.com/office/powerpoint/2010/main" val="3151914030"/>
+        <p14:creationId xmlns:p14="http://schemas.microsoft.com/office/powerpoint/2010/main" val="1375948752"/>
       </p:ext>
     </p:extLst>
   </p:cSld>
@@ -21263,7 +21252,7 @@
         <p:spPr>
           <a:xfrm>
             <a:off x="913795" y="15798"/>
-            <a:ext cx="10353762" cy="906767"/>
+            <a:ext cx="10353762" cy="1051003"/>
           </a:xfrm>
         </p:spPr>
         <p:txBody>
@@ -21295,8 +21284,8 @@
         </p:nvSpPr>
         <p:spPr>
           <a:xfrm>
-            <a:off x="903752" y="1066801"/>
-            <a:ext cx="10874591" cy="4868634"/>
+            <a:off x="913794" y="1140280"/>
+            <a:ext cx="10363805" cy="4868634"/>
           </a:xfrm>
         </p:spPr>
         <p:txBody>
@@ -21314,103 +21303,19 @@
                   <a:srgbClr val="FF0000"/>
                 </a:solidFill>
               </a:rPr>
-              <a:t>a) </a:t>
+              <a:t>b) </a:t>
             </a:r>
             <a:r>
               <a:rPr lang="en-AU" sz="2400" dirty="0"/>
-              <a:t>[2 marks] The first solution is to anonymize customer data. List a specific technique of this solution and what could go wrong with this technique?</a:t>
-            </a:r>
-          </a:p>
-          <a:p>
-            <a:pPr marL="36900" indent="0">
-              <a:buNone/>
-            </a:pPr>
-            <a:endParaRPr lang="en-AU" sz="2400" dirty="0"/>
-          </a:p>
-          <a:p>
-            <a:pPr marL="342900" lvl="0" indent="-342900" fontAlgn="base">
-              <a:buClr>
-                <a:srgbClr val="FF0000"/>
-              </a:buClr>
-              <a:buFont typeface="Symbol" panose="05050102010706020507" pitchFamily="18" charset="2"/>
-              <a:buChar char=""/>
-            </a:pPr>
-            <a:r>
-              <a:rPr lang="en-US" sz="2400" dirty="0">
-                <a:solidFill>
-                  <a:srgbClr val="FF0000"/>
-                </a:solidFill>
-              </a:rPr>
-              <a:t>[1 mark] </a:t>
-            </a:r>
-            <a:r>
-              <a:rPr lang="en-AU" sz="2400" dirty="0">
-                <a:solidFill>
-                  <a:srgbClr val="FF0000"/>
-                </a:solidFill>
-              </a:rPr>
-              <a:t>data masking: it removes personally identifiable data such as user names and credit card details </a:t>
-            </a:r>
-            <a:r>
-              <a:rPr lang="en-US" sz="2400" dirty="0">
-                <a:solidFill>
-                  <a:srgbClr val="FF0000"/>
-                </a:solidFill>
-              </a:rPr>
-              <a:t>that may lead to an individual being identified</a:t>
-            </a:r>
-            <a:endParaRPr lang="en-AU" sz="2400" dirty="0">
-              <a:solidFill>
-                <a:srgbClr val="FF0000"/>
-              </a:solidFill>
-            </a:endParaRPr>
-          </a:p>
-          <a:p>
-            <a:pPr indent="-342900" fontAlgn="base">
-              <a:buClr>
-                <a:srgbClr val="FF0000"/>
-              </a:buClr>
-              <a:buFont typeface="Symbol" panose="05050102010706020507" pitchFamily="18" charset="2"/>
-              <a:buChar char=""/>
-            </a:pPr>
-            <a:r>
-              <a:rPr lang="en-AU" sz="2400" dirty="0">
-                <a:solidFill>
-                  <a:srgbClr val="FF0000"/>
-                </a:solidFill>
-              </a:rPr>
-              <a:t>[1 mark] the technique is vulnerable to data linking attack, which </a:t>
-            </a:r>
-            <a:r>
-              <a:rPr lang="en-US" sz="2400" dirty="0">
-                <a:solidFill>
-                  <a:srgbClr val="FF0000"/>
-                </a:solidFill>
-              </a:rPr>
-              <a:t>correlates anonymized data with publicly available data sources to re-identify each customer</a:t>
-            </a:r>
-            <a:r>
-              <a:rPr lang="en-AU" sz="2400" dirty="0">
-                <a:solidFill>
-                  <a:srgbClr val="FF0000"/>
-                </a:solidFill>
-              </a:rPr>
-              <a:t>. </a:t>
-            </a:r>
-            <a:endParaRPr lang="en-AU" sz="2400" dirty="0"/>
-          </a:p>
-          <a:p>
-            <a:pPr marL="36900" indent="0">
-              <a:buNone/>
-            </a:pPr>
-            <a:endParaRPr lang="en-AU" sz="2400" dirty="0"/>
+              <a:t>[2 marks] The company decided to use a privacy-preserving solution. Which one and why?</a:t>
+            </a:r>
           </a:p>
         </p:txBody>
       </p:sp>
     </p:spTree>
     <p:extLst>
       <p:ext uri="{BB962C8B-B14F-4D97-AF65-F5344CB8AC3E}">
-        <p14:creationId xmlns:p14="http://schemas.microsoft.com/office/powerpoint/2010/main" val="1375948752"/>
+        <p14:creationId xmlns:p14="http://schemas.microsoft.com/office/powerpoint/2010/main" val="97459469"/>
       </p:ext>
     </p:extLst>
   </p:cSld>
@@ -21514,12 +21419,75 @@
               <a:t>[2 marks] The company decided to use a privacy-preserving solution. Which one and why?</a:t>
             </a:r>
           </a:p>
+          <a:p>
+            <a:pPr marL="36900" indent="0">
+              <a:buNone/>
+            </a:pPr>
+            <a:endParaRPr lang="en-AU" sz="2400" dirty="0"/>
+          </a:p>
+          <a:p>
+            <a:pPr indent="-342900" fontAlgn="base">
+              <a:buClr>
+                <a:srgbClr val="FF0000"/>
+              </a:buClr>
+              <a:buFont typeface="Symbol" panose="05050102010706020507" pitchFamily="18" charset="2"/>
+              <a:buChar char=""/>
+            </a:pPr>
+            <a:r>
+              <a:rPr lang="en-US" sz="2400" dirty="0">
+                <a:solidFill>
+                  <a:srgbClr val="FF0000"/>
+                </a:solidFill>
+              </a:rPr>
+              <a:t>[1 mark] Differential privacy (DP). </a:t>
+            </a:r>
+          </a:p>
+          <a:p>
+            <a:pPr indent="-342900" fontAlgn="base">
+              <a:buClr>
+                <a:srgbClr val="FF0000"/>
+              </a:buClr>
+              <a:buFont typeface="Symbol" panose="05050102010706020507" pitchFamily="18" charset="2"/>
+              <a:buChar char=""/>
+            </a:pPr>
+            <a:r>
+              <a:rPr lang="en-US" sz="2400" dirty="0">
+                <a:solidFill>
+                  <a:srgbClr val="FF0000"/>
+                </a:solidFill>
+              </a:rPr>
+              <a:t>[1 mark] Because DP</a:t>
+            </a:r>
+            <a:r>
+              <a:rPr lang="en-US" sz="2400" dirty="0"/>
+              <a:t> </a:t>
+            </a:r>
+            <a:r>
+              <a:rPr lang="en-US" sz="2400" dirty="0">
+                <a:solidFill>
+                  <a:srgbClr val="FF0000"/>
+                </a:solidFill>
+              </a:rPr>
+              <a:t>focuses on a single party with sensitive datasets. Particularly, it aims to provide strong guarantees for protecting the privacy of individuals in a dataset while allowing statistical analysis of the dataset. </a:t>
+            </a:r>
+            <a:endParaRPr lang="en-AU" sz="2400" dirty="0">
+              <a:solidFill>
+                <a:srgbClr val="FF0000"/>
+              </a:solidFill>
+            </a:endParaRPr>
+          </a:p>
+          <a:p>
+            <a:pPr marL="36900" indent="0">
+              <a:buNone/>
+            </a:pPr>
+            <a:endParaRPr lang="en-AU" sz="2400" dirty="0"/>
+          </a:p>
         </p:txBody>
       </p:sp>
     </p:spTree>
     <p:extLst>
       <p:ext uri="{BB962C8B-B14F-4D97-AF65-F5344CB8AC3E}">
-        <p14:creationId xmlns:p14="http://schemas.microsoft.com/office/powerpoint/2010/main" val="97459469"/>
+        <p14:creationId xmlns:p14="http://schemas.microsoft.com/office/powerpoint/2010/main" val="4081096777"/>
       </p:ext>
     </p:extLst>
   </p:cSld>
@@ -21616,11 +21584,11 @@
                   <a:srgbClr val="FF0000"/>
                 </a:solidFill>
               </a:rPr>
-              <a:t>b) </a:t>
+              <a:t>c) </a:t>
             </a:r>
             <a:r>
               <a:rPr lang="en-AU" sz="2400" dirty="0"/>
-              <a:t>[2 marks] The company decided to use a privacy-preserving solution. Which one and why?</a:t>
+              <a:t>[4 marks] There is a malicious employee in the company that wants to sell customer data. What could be done to mitigate such attacks?</a:t>
             </a:r>
           </a:p>
           <a:p>
@@ -21628,57 +21596,6 @@
               <a:buNone/>
             </a:pPr>
             <a:endParaRPr lang="en-AU" sz="2400" dirty="0"/>
-          </a:p>
-          <a:p>
-            <a:pPr indent="-342900" fontAlgn="base">
-              <a:buClr>
-                <a:srgbClr val="FF0000"/>
-              </a:buClr>
-              <a:buFont typeface="Symbol" panose="05050102010706020507" pitchFamily="18" charset="2"/>
-              <a:buChar char=""/>
-            </a:pPr>
-            <a:r>
-              <a:rPr lang="en-US" sz="2400" dirty="0">
-                <a:solidFill>
-                  <a:srgbClr val="FF0000"/>
-                </a:solidFill>
-              </a:rPr>
-              <a:t>[1 mark] Differential privacy (DP). </a:t>
-            </a:r>
-          </a:p>
-          <a:p>
-            <a:pPr indent="-342900" fontAlgn="base">
-              <a:buClr>
-                <a:srgbClr val="FF0000"/>
-              </a:buClr>
-              <a:buFont typeface="Symbol" panose="05050102010706020507" pitchFamily="18" charset="2"/>
-              <a:buChar char=""/>
-            </a:pPr>
-            <a:r>
-              <a:rPr lang="en-US" sz="2400" dirty="0">
-                <a:solidFill>
-                  <a:srgbClr val="FF0000"/>
-                </a:solidFill>
-              </a:rPr>
-              <a:t>[1 mark] Because DP</a:t>
-            </a:r>
-            <a:r>
-              <a:rPr lang="en-US" sz="2400" dirty="0"/>
-              <a:t> </a:t>
-            </a:r>
-            <a:r>
-              <a:rPr lang="en-US" sz="2400" dirty="0">
-                <a:solidFill>
-                  <a:srgbClr val="FF0000"/>
-                </a:solidFill>
-              </a:rPr>
-              <a:t>focuses on a single party with sensitive datasets. Particularly, it aims to provide strong guarantees for protecting the privacy of individuals in a dataset while allowing statistical analysis of the dataset. </a:t>
-            </a:r>
-            <a:endParaRPr lang="en-AU" sz="2400" dirty="0">
-              <a:solidFill>
-                <a:srgbClr val="FF0000"/>
-              </a:solidFill>
-            </a:endParaRPr>
           </a:p>
           <a:p>
             <a:pPr marL="36900" indent="0">
@@ -21691,7 +21608,7 @@
     </p:spTree>
     <p:extLst>
       <p:ext uri="{BB962C8B-B14F-4D97-AF65-F5344CB8AC3E}">
-        <p14:creationId xmlns:p14="http://schemas.microsoft.com/office/powerpoint/2010/main" val="4081096777"/>
+        <p14:creationId xmlns:p14="http://schemas.microsoft.com/office/powerpoint/2010/main" val="4015799420"/>
       </p:ext>
     </p:extLst>
   </p:cSld>
@@ -21848,127 +21765,6 @@
 </file>
 
 <file path=ppt/slides/slide50.xml><?xml version="1.0" encoding="utf-8"?>
-<p:sld xmlns:a="http://schemas.openxmlformats.org/drawingml/2006/main" xmlns:r="http://schemas.openxmlformats.org/officeDocument/2006/relationships" xmlns:p="http://schemas.openxmlformats.org/presentationml/2006/main">
-  <p:cSld>
-    <p:spTree>
-      <p:nvGrpSpPr>
-        <p:cNvPr id="1" name=""/>
-        <p:cNvGrpSpPr/>
-        <p:nvPr/>
-      </p:nvGrpSpPr>
-      <p:grpSpPr>
-        <a:xfrm>
-          <a:off x="0" y="0"/>
-          <a:ext cx="0" cy="0"/>
-          <a:chOff x="0" y="0"/>
-          <a:chExt cx="0" cy="0"/>
-        </a:xfrm>
-      </p:grpSpPr>
-      <p:sp>
-        <p:nvSpPr>
-          <p:cNvPr id="2" name="Title 1">
-            <a:extLst>
-              <a:ext uri="{FF2B5EF4-FFF2-40B4-BE49-F238E27FC236}">
-                <a16:creationId xmlns:a16="http://schemas.microsoft.com/office/drawing/2014/main" id="{92B3B218-E6B7-E949-9413-DBDFA9A361B9}"/>
-              </a:ext>
-            </a:extLst>
-          </p:cNvPr>
-          <p:cNvSpPr>
-            <a:spLocks noGrp="1"/>
-          </p:cNvSpPr>
-          <p:nvPr>
-            <p:ph type="title"/>
-          </p:nvPr>
-        </p:nvSpPr>
-        <p:spPr>
-          <a:xfrm>
-            <a:off x="913795" y="15798"/>
-            <a:ext cx="10353762" cy="1051003"/>
-          </a:xfrm>
-        </p:spPr>
-        <p:txBody>
-          <a:bodyPr/>
-          <a:lstStyle/>
-          <a:p>
-            <a:r>
-              <a:rPr lang="en-AU" dirty="0"/>
-              <a:t>Example Question 5</a:t>
-            </a:r>
-          </a:p>
-        </p:txBody>
-      </p:sp>
-      <p:sp>
-        <p:nvSpPr>
-          <p:cNvPr id="3" name="Content Placeholder 2">
-            <a:extLst>
-              <a:ext uri="{FF2B5EF4-FFF2-40B4-BE49-F238E27FC236}">
-                <a16:creationId xmlns:a16="http://schemas.microsoft.com/office/drawing/2014/main" id="{13DB3674-2D4B-8645-8753-8E30E629B377}"/>
-              </a:ext>
-            </a:extLst>
-          </p:cNvPr>
-          <p:cNvSpPr>
-            <a:spLocks noGrp="1"/>
-          </p:cNvSpPr>
-          <p:nvPr>
-            <p:ph idx="1"/>
-          </p:nvPr>
-        </p:nvSpPr>
-        <p:spPr>
-          <a:xfrm>
-            <a:off x="913794" y="1140280"/>
-            <a:ext cx="10363805" cy="4868634"/>
-          </a:xfrm>
-        </p:spPr>
-        <p:txBody>
-          <a:bodyPr>
-            <a:normAutofit/>
-          </a:bodyPr>
-          <a:lstStyle/>
-          <a:p>
-            <a:pPr marL="36900" indent="0">
-              <a:buNone/>
-            </a:pPr>
-            <a:r>
-              <a:rPr lang="en-AU" sz="2400" dirty="0">
-                <a:solidFill>
-                  <a:srgbClr val="FF0000"/>
-                </a:solidFill>
-              </a:rPr>
-              <a:t>c) </a:t>
-            </a:r>
-            <a:r>
-              <a:rPr lang="en-AU" sz="2400" dirty="0"/>
-              <a:t>[4 marks] There is a malicious employee in the company that wants to sell customer data. What could be done to mitigate such attacks?</a:t>
-            </a:r>
-          </a:p>
-          <a:p>
-            <a:pPr marL="36900" indent="0">
-              <a:buNone/>
-            </a:pPr>
-            <a:endParaRPr lang="en-AU" sz="2400" dirty="0"/>
-          </a:p>
-          <a:p>
-            <a:pPr marL="36900" indent="0">
-              <a:buNone/>
-            </a:pPr>
-            <a:endParaRPr lang="en-AU" sz="2400" dirty="0"/>
-          </a:p>
-        </p:txBody>
-      </p:sp>
-    </p:spTree>
-    <p:extLst>
-      <p:ext uri="{BB962C8B-B14F-4D97-AF65-F5344CB8AC3E}">
-        <p14:creationId xmlns:p14="http://schemas.microsoft.com/office/powerpoint/2010/main" val="4015799420"/>
-      </p:ext>
-    </p:extLst>
-  </p:cSld>
-  <p:clrMapOvr>
-    <a:masterClrMapping/>
-  </p:clrMapOvr>
-</p:sld>
-</file>
-
-<file path=ppt/slides/slide51.xml><?xml version="1.0" encoding="utf-8"?>
 <p:sld xmlns:a="http://schemas.openxmlformats.org/drawingml/2006/main" xmlns:r="http://schemas.openxmlformats.org/officeDocument/2006/relationships" xmlns:p="http://schemas.openxmlformats.org/presentationml/2006/main">
   <p:cSld>
     <p:spTree>
